--- a/210226_React_2.pptx
+++ b/210226_React_2.pptx
@@ -5,10 +5,10 @@
     <p:sldMasterId id="2147483648" r:id="rId1"/>
   </p:sldMasterIdLst>
   <p:notesMasterIdLst>
-    <p:notesMasterId r:id="rId28"/>
+    <p:notesMasterId r:id="rId30"/>
   </p:notesMasterIdLst>
   <p:handoutMasterIdLst>
-    <p:handoutMasterId r:id="rId29"/>
+    <p:handoutMasterId r:id="rId31"/>
   </p:handoutMasterIdLst>
   <p:sldIdLst>
     <p:sldId id="256" r:id="rId2"/>
@@ -36,19 +36,21 @@
     <p:sldId id="420" r:id="rId24"/>
     <p:sldId id="416" r:id="rId25"/>
     <p:sldId id="413" r:id="rId26"/>
-    <p:sldId id="262" r:id="rId27"/>
+    <p:sldId id="421" r:id="rId27"/>
+    <p:sldId id="422" r:id="rId28"/>
+    <p:sldId id="262" r:id="rId29"/>
   </p:sldIdLst>
   <p:sldSz cx="12192000" cy="6858000"/>
   <p:notesSz cx="6858000" cy="9144000"/>
   <p:embeddedFontLst>
     <p:embeddedFont>
       <p:font typeface="배달의민족 주아" panose="02020603020101020101" pitchFamily="18" charset="-127"/>
-      <p:regular r:id="rId30"/>
+      <p:regular r:id="rId32"/>
     </p:embeddedFont>
     <p:embeddedFont>
       <p:font typeface="빙그레 메로나체" panose="020B0503000000000000" pitchFamily="50" charset="-127"/>
-      <p:regular r:id="rId31"/>
-      <p:bold r:id="rId32"/>
+      <p:regular r:id="rId33"/>
+      <p:bold r:id="rId34"/>
     </p:embeddedFont>
   </p:embeddedFontLst>
   <p:defaultTextStyle>
@@ -4337,7 +4339,7 @@
                 <a:latin typeface="빙그레 메로나체" panose="020B0503000000000000" pitchFamily="50" charset="-127"/>
                 <a:ea typeface="빙그레 메로나체" panose="020B0503000000000000" pitchFamily="50" charset="-127"/>
               </a:rPr>
-              <a:t>렌더링 하는 과정에서 특정 값이 바뀌었을때만 연산을 실행 </a:t>
+              <a:t>렌더링 하는 과정에서 특정 값이 바뀌었을때만 연산을 실행</a:t>
             </a:r>
           </a:p>
           <a:p>
@@ -4355,7 +4357,46 @@
               </a:rPr>
               <a:t>원하는 값이 바뀌지 않았다면 이전에 연산했던 결과를 다시 사용</a:t>
             </a:r>
-            <a:endParaRPr lang="en-US" altLang="ko-KR" sz="1800" kern="1200">
+            <a:endParaRPr lang="en-US" altLang="ko-KR" sz="2800">
+              <a:ln>
+                <a:solidFill>
+                  <a:schemeClr val="tx1">
+                    <a:alpha val="30000"/>
+                  </a:schemeClr>
+                </a:solidFill>
+              </a:ln>
+              <a:latin typeface="빙그레 메로나체" panose="020B0503000000000000" pitchFamily="50" charset="-127"/>
+              <a:ea typeface="빙그레 메로나체" panose="020B0503000000000000" pitchFamily="50" charset="-127"/>
+            </a:endParaRPr>
+          </a:p>
+          <a:p>
+            <a:endParaRPr lang="en-US" altLang="ko-KR" sz="2800" kern="1200">
+              <a:ln>
+                <a:solidFill>
+                  <a:schemeClr val="tx1">
+                    <a:alpha val="30000"/>
+                  </a:schemeClr>
+                </a:solidFill>
+              </a:ln>
+              <a:solidFill>
+                <a:schemeClr val="tx1"/>
+              </a:solidFill>
+              <a:latin typeface="빙그레 메로나체" panose="020B0503000000000000" pitchFamily="50" charset="-127"/>
+              <a:ea typeface="빙그레 메로나체" panose="020B0503000000000000" pitchFamily="50" charset="-127"/>
+              <a:cs typeface="+mn-cs"/>
+            </a:endParaRPr>
+          </a:p>
+          <a:p>
+            <a:r>
+              <a:rPr lang="ko-KR" altLang="en-US" sz="2800" b="0" i="0">
+                <a:solidFill>
+                  <a:srgbClr val="222426"/>
+                </a:solidFill>
+                <a:effectLst/>
+              </a:rPr>
+              <a:t>컴포넌트가 렌더링 될 때 마다 함수를 새로 생성</a:t>
+            </a:r>
+            <a:endParaRPr lang="en-US" altLang="ko-KR" sz="1800" b="0" kern="1200">
               <a:ln>
                 <a:solidFill>
                   <a:schemeClr val="tx1">
@@ -5687,9 +5728,8 @@
           <a:bodyPr/>
           <a:lstStyle/>
           <a:p>
-            <a:pPr marL="0" algn="l" defTabSz="914400" rtl="0" eaLnBrk="1" latinLnBrk="1" hangingPunct="1"/>
-            <a:r>
-              <a:rPr lang="ko-KR" altLang="en-US" sz="1800" kern="1200">
+            <a:r>
+              <a:rPr lang="ko-KR" altLang="en-US" sz="1800">
                 <a:ln>
                   <a:solidFill>
                     <a:schemeClr val="tx1">
@@ -5697,30 +5737,27 @@
                     </a:schemeClr>
                   </a:solidFill>
                 </a:ln>
-                <a:solidFill>
-                  <a:schemeClr val="tx1"/>
-                </a:solidFill>
-                <a:latin typeface="빙그레 메로나체" panose="020B0503000000000000" pitchFamily="50" charset="-127"/>
-                <a:ea typeface="빙그레 메로나체" panose="020B0503000000000000" pitchFamily="50" charset="-127"/>
-                <a:cs typeface="+mn-cs"/>
-              </a:rPr>
-              <a:t>함수를 재사용</a:t>
-            </a:r>
-            <a:endParaRPr lang="en-US" altLang="ko-KR" sz="1800" kern="1200">
-              <a:ln>
-                <a:solidFill>
-                  <a:schemeClr val="tx1">
-                    <a:alpha val="30000"/>
-                  </a:schemeClr>
-                </a:solidFill>
-              </a:ln>
-              <a:solidFill>
-                <a:schemeClr val="tx1"/>
-              </a:solidFill>
-              <a:latin typeface="빙그레 메로나체" panose="020B0503000000000000" pitchFamily="50" charset="-127"/>
-              <a:ea typeface="빙그레 메로나체" panose="020B0503000000000000" pitchFamily="50" charset="-127"/>
-              <a:cs typeface="+mn-cs"/>
-            </a:endParaRPr>
+                <a:latin typeface="빙그레 메로나체" panose="020B0503000000000000" pitchFamily="50" charset="-127"/>
+                <a:ea typeface="빙그레 메로나체" panose="020B0503000000000000" pitchFamily="50" charset="-127"/>
+              </a:rPr>
+              <a:t>렌더링 하는 과정에서 특정 값이 바뀌었을때만 연산을 실행</a:t>
+            </a:r>
+          </a:p>
+          <a:p>
+            <a:r>
+              <a:rPr lang="ko-KR" altLang="en-US" sz="1800">
+                <a:ln>
+                  <a:solidFill>
+                    <a:schemeClr val="tx1">
+                      <a:alpha val="30000"/>
+                    </a:schemeClr>
+                  </a:solidFill>
+                </a:ln>
+                <a:latin typeface="빙그레 메로나체" panose="020B0503000000000000" pitchFamily="50" charset="-127"/>
+                <a:ea typeface="빙그레 메로나체" panose="020B0503000000000000" pitchFamily="50" charset="-127"/>
+              </a:rPr>
+              <a:t>원하는 값이 바뀌지 않았다면 이전 함수를 다시 사용</a:t>
+            </a:r>
           </a:p>
         </p:txBody>
       </p:sp>
@@ -5783,6 +5820,24 @@
           <a:p>
             <a:pPr marL="0" algn="l" defTabSz="914400" rtl="0" eaLnBrk="1" latinLnBrk="1" hangingPunct="1"/>
             <a:r>
+              <a:rPr lang="en-US" altLang="ko-KR" sz="1800" kern="1200">
+                <a:ln>
+                  <a:solidFill>
+                    <a:schemeClr val="tx1">
+                      <a:alpha val="30000"/>
+                    </a:schemeClr>
+                  </a:solidFill>
+                </a:ln>
+                <a:solidFill>
+                  <a:schemeClr val="tx1"/>
+                </a:solidFill>
+                <a:latin typeface="빙그레 메로나체" panose="020B0503000000000000" pitchFamily="50" charset="-127"/>
+                <a:ea typeface="빙그레 메로나체" panose="020B0503000000000000" pitchFamily="50" charset="-127"/>
+                <a:cs typeface="+mn-cs"/>
+              </a:rPr>
+              <a:t>dpes</a:t>
+            </a:r>
+            <a:r>
               <a:rPr lang="ko-KR" altLang="en-US" sz="1800" kern="1200">
                 <a:ln>
                   <a:solidFill>
@@ -5798,7 +5853,79 @@
                 <a:ea typeface="빙그레 메로나체" panose="020B0503000000000000" pitchFamily="50" charset="-127"/>
                 <a:cs typeface="+mn-cs"/>
               </a:rPr>
-              <a:t>함수를 재사용</a:t>
+              <a:t>가 </a:t>
+            </a:r>
+            <a:r>
+              <a:rPr lang="en-US" altLang="ko-KR" sz="1800" kern="1200">
+                <a:ln>
+                  <a:solidFill>
+                    <a:schemeClr val="tx1">
+                      <a:alpha val="30000"/>
+                    </a:schemeClr>
+                  </a:solidFill>
+                </a:ln>
+                <a:solidFill>
+                  <a:schemeClr val="tx1"/>
+                </a:solidFill>
+                <a:latin typeface="빙그레 메로나체" panose="020B0503000000000000" pitchFamily="50" charset="-127"/>
+                <a:ea typeface="빙그레 메로나체" panose="020B0503000000000000" pitchFamily="50" charset="-127"/>
+                <a:cs typeface="+mn-cs"/>
+              </a:rPr>
+              <a:t>input</a:t>
+            </a:r>
+            <a:r>
+              <a:rPr lang="ko-KR" altLang="en-US" sz="1800" kern="1200">
+                <a:ln>
+                  <a:solidFill>
+                    <a:schemeClr val="tx1">
+                      <a:alpha val="30000"/>
+                    </a:schemeClr>
+                  </a:solidFill>
+                </a:ln>
+                <a:solidFill>
+                  <a:schemeClr val="tx1"/>
+                </a:solidFill>
+                <a:latin typeface="빙그레 메로나체" panose="020B0503000000000000" pitchFamily="50" charset="-127"/>
+                <a:ea typeface="빙그레 메로나체" panose="020B0503000000000000" pitchFamily="50" charset="-127"/>
+                <a:cs typeface="+mn-cs"/>
+              </a:rPr>
+              <a:t>이므로 </a:t>
+            </a:r>
+            <a:r>
+              <a:rPr lang="en-US" altLang="ko-KR" sz="1800" kern="1200">
+                <a:ln>
+                  <a:solidFill>
+                    <a:schemeClr val="tx1">
+                      <a:alpha val="30000"/>
+                    </a:schemeClr>
+                  </a:solidFill>
+                </a:ln>
+                <a:solidFill>
+                  <a:schemeClr val="tx1"/>
+                </a:solidFill>
+                <a:latin typeface="빙그레 메로나체" panose="020B0503000000000000" pitchFamily="50" charset="-127"/>
+                <a:ea typeface="빙그레 메로나체" panose="020B0503000000000000" pitchFamily="50" charset="-127"/>
+                <a:cs typeface="+mn-cs"/>
+              </a:rPr>
+              <a:t>input</a:t>
+            </a:r>
+            <a:r>
+              <a:rPr lang="ko-KR" altLang="en-US" sz="1800" kern="1200">
+                <a:ln>
+                  <a:solidFill>
+                    <a:schemeClr val="tx1">
+                      <a:alpha val="30000"/>
+                    </a:schemeClr>
+                  </a:solidFill>
+                </a:ln>
+                <a:solidFill>
+                  <a:schemeClr val="tx1"/>
+                </a:solidFill>
+                <a:latin typeface="빙그레 메로나체" panose="020B0503000000000000" pitchFamily="50" charset="-127"/>
+                <a:ea typeface="빙그레 메로나체" panose="020B0503000000000000" pitchFamily="50" charset="-127"/>
+                <a:cs typeface="+mn-cs"/>
+              </a:rPr>
+              <a:t>이 변경될때마다 저장된 함수가변경됨</a:t>
             </a:r>
             <a:endParaRPr lang="en-US" altLang="ko-KR" sz="1800" kern="1200">
               <a:ln>
@@ -5832,6 +5959,392 @@
 </file>
 
 <file path=ppt/notesSlides/notesSlide26.xml><?xml version="1.0" encoding="utf-8"?>
+<p:notes xmlns:a="http://schemas.openxmlformats.org/drawingml/2006/main" xmlns:r="http://schemas.openxmlformats.org/officeDocument/2006/relationships" xmlns:p="http://schemas.openxmlformats.org/presentationml/2006/main">
+  <p:cSld>
+    <p:spTree>
+      <p:nvGrpSpPr>
+        <p:cNvPr id="1" name=""/>
+        <p:cNvGrpSpPr/>
+        <p:nvPr/>
+      </p:nvGrpSpPr>
+      <p:grpSpPr>
+        <a:xfrm>
+          <a:off x="0" y="0"/>
+          <a:ext cx="0" cy="0"/>
+          <a:chOff x="0" y="0"/>
+          <a:chExt cx="0" cy="0"/>
+        </a:xfrm>
+      </p:grpSpPr>
+      <p:sp>
+        <p:nvSpPr>
+          <p:cNvPr id="2" name="슬라이드 이미지 개체 틀 1"/>
+          <p:cNvSpPr>
+            <a:spLocks noGrp="1" noRot="1" noChangeAspect="1"/>
+          </p:cNvSpPr>
+          <p:nvPr>
+            <p:ph type="sldImg"/>
+          </p:nvPr>
+        </p:nvSpPr>
+        <p:spPr/>
+      </p:sp>
+      <p:sp>
+        <p:nvSpPr>
+          <p:cNvPr id="3" name="슬라이드 노트 개체 틀 2"/>
+          <p:cNvSpPr>
+            <a:spLocks noGrp="1"/>
+          </p:cNvSpPr>
+          <p:nvPr>
+            <p:ph type="body" idx="1"/>
+          </p:nvPr>
+        </p:nvSpPr>
+        <p:spPr/>
+        <p:txBody>
+          <a:bodyPr/>
+          <a:lstStyle/>
+          <a:p>
+            <a:pPr marL="0" algn="l" defTabSz="914400" rtl="0" eaLnBrk="1" latinLnBrk="1" hangingPunct="1"/>
+            <a:r>
+              <a:rPr lang="en-US" altLang="ko-KR" sz="1800" b="0" kern="1200">
+                <a:ln>
+                  <a:solidFill>
+                    <a:schemeClr val="tx1">
+                      <a:alpha val="30000"/>
+                    </a:schemeClr>
+                  </a:solidFill>
+                </a:ln>
+                <a:solidFill>
+                  <a:schemeClr val="tx1"/>
+                </a:solidFill>
+                <a:latin typeface="빙그레 메로나체" panose="020B0503000000000000" pitchFamily="50" charset="-127"/>
+                <a:ea typeface="빙그레 메로나체" panose="020B0503000000000000" pitchFamily="50" charset="-127"/>
+                <a:cs typeface="+mn-cs"/>
+              </a:rPr>
+              <a:t>deps</a:t>
+            </a:r>
+            <a:r>
+              <a:rPr lang="ko-KR" altLang="en-US" sz="1800" b="0" kern="1200">
+                <a:ln>
+                  <a:solidFill>
+                    <a:schemeClr val="tx1">
+                      <a:alpha val="30000"/>
+                    </a:schemeClr>
+                  </a:solidFill>
+                </a:ln>
+                <a:solidFill>
+                  <a:schemeClr val="tx1"/>
+                </a:solidFill>
+                <a:latin typeface="빙그레 메로나체" panose="020B0503000000000000" pitchFamily="50" charset="-127"/>
+                <a:ea typeface="빙그레 메로나체" panose="020B0503000000000000" pitchFamily="50" charset="-127"/>
+                <a:cs typeface="+mn-cs"/>
+              </a:rPr>
+              <a:t>가 </a:t>
+            </a:r>
+            <a:r>
+              <a:rPr lang="en-US" altLang="ko-KR" sz="1800" b="0" kern="1200">
+                <a:ln>
+                  <a:solidFill>
+                    <a:schemeClr val="tx1">
+                      <a:alpha val="30000"/>
+                    </a:schemeClr>
+                  </a:solidFill>
+                </a:ln>
+                <a:solidFill>
+                  <a:schemeClr val="tx1"/>
+                </a:solidFill>
+                <a:latin typeface="빙그레 메로나체" panose="020B0503000000000000" pitchFamily="50" charset="-127"/>
+                <a:ea typeface="빙그레 메로나체" panose="020B0503000000000000" pitchFamily="50" charset="-127"/>
+                <a:cs typeface="+mn-cs"/>
+              </a:rPr>
+              <a:t>flag</a:t>
+            </a:r>
+            <a:r>
+              <a:rPr lang="ko-KR" altLang="en-US" sz="1800" b="0" kern="1200">
+                <a:ln>
+                  <a:solidFill>
+                    <a:schemeClr val="tx1">
+                      <a:alpha val="30000"/>
+                    </a:schemeClr>
+                  </a:solidFill>
+                </a:ln>
+                <a:solidFill>
+                  <a:schemeClr val="tx1"/>
+                </a:solidFill>
+                <a:latin typeface="빙그레 메로나체" panose="020B0503000000000000" pitchFamily="50" charset="-127"/>
+                <a:ea typeface="빙그레 메로나체" panose="020B0503000000000000" pitchFamily="50" charset="-127"/>
+                <a:cs typeface="+mn-cs"/>
+              </a:rPr>
+              <a:t>이므로 </a:t>
+            </a:r>
+            <a:r>
+              <a:rPr lang="en-US" altLang="ko-KR" sz="1800" b="0" kern="1200">
+                <a:ln>
+                  <a:solidFill>
+                    <a:schemeClr val="tx1">
+                      <a:alpha val="30000"/>
+                    </a:schemeClr>
+                  </a:solidFill>
+                </a:ln>
+                <a:solidFill>
+                  <a:schemeClr val="tx1"/>
+                </a:solidFill>
+                <a:latin typeface="빙그레 메로나체" panose="020B0503000000000000" pitchFamily="50" charset="-127"/>
+                <a:ea typeface="빙그레 메로나체" panose="020B0503000000000000" pitchFamily="50" charset="-127"/>
+                <a:cs typeface="+mn-cs"/>
+              </a:rPr>
+              <a:t>click</a:t>
+            </a:r>
+            <a:r>
+              <a:rPr lang="ko-KR" altLang="en-US" sz="1800" b="0" kern="1200">
+                <a:ln>
+                  <a:solidFill>
+                    <a:schemeClr val="tx1">
+                      <a:alpha val="30000"/>
+                    </a:schemeClr>
+                  </a:solidFill>
+                </a:ln>
+                <a:solidFill>
+                  <a:schemeClr val="tx1"/>
+                </a:solidFill>
+                <a:latin typeface="빙그레 메로나체" panose="020B0503000000000000" pitchFamily="50" charset="-127"/>
+                <a:ea typeface="빙그레 메로나체" panose="020B0503000000000000" pitchFamily="50" charset="-127"/>
+                <a:cs typeface="+mn-cs"/>
+              </a:rPr>
+              <a:t>이 되면 저장된 함수가 변경됨</a:t>
+            </a:r>
+            <a:endParaRPr lang="en-US" altLang="ko-KR" sz="1800" b="0" kern="1200">
+              <a:ln>
+                <a:solidFill>
+                  <a:schemeClr val="tx1">
+                    <a:alpha val="30000"/>
+                  </a:schemeClr>
+                </a:solidFill>
+              </a:ln>
+              <a:solidFill>
+                <a:schemeClr val="tx1"/>
+              </a:solidFill>
+              <a:latin typeface="빙그레 메로나체" panose="020B0503000000000000" pitchFamily="50" charset="-127"/>
+              <a:ea typeface="빙그레 메로나체" panose="020B0503000000000000" pitchFamily="50" charset="-127"/>
+              <a:cs typeface="+mn-cs"/>
+            </a:endParaRPr>
+          </a:p>
+        </p:txBody>
+      </p:sp>
+    </p:spTree>
+    <p:extLst>
+      <p:ext uri="{BB962C8B-B14F-4D97-AF65-F5344CB8AC3E}">
+        <p14:creationId xmlns:p14="http://schemas.microsoft.com/office/powerpoint/2010/main" val="1888944190"/>
+      </p:ext>
+    </p:extLst>
+  </p:cSld>
+  <p:clrMapOvr>
+    <a:masterClrMapping/>
+  </p:clrMapOvr>
+</p:notes>
+</file>
+
+<file path=ppt/notesSlides/notesSlide27.xml><?xml version="1.0" encoding="utf-8"?>
+<p:notes xmlns:a="http://schemas.openxmlformats.org/drawingml/2006/main" xmlns:r="http://schemas.openxmlformats.org/officeDocument/2006/relationships" xmlns:p="http://schemas.openxmlformats.org/presentationml/2006/main">
+  <p:cSld>
+    <p:spTree>
+      <p:nvGrpSpPr>
+        <p:cNvPr id="1" name=""/>
+        <p:cNvGrpSpPr/>
+        <p:nvPr/>
+      </p:nvGrpSpPr>
+      <p:grpSpPr>
+        <a:xfrm>
+          <a:off x="0" y="0"/>
+          <a:ext cx="0" cy="0"/>
+          <a:chOff x="0" y="0"/>
+          <a:chExt cx="0" cy="0"/>
+        </a:xfrm>
+      </p:grpSpPr>
+      <p:sp>
+        <p:nvSpPr>
+          <p:cNvPr id="2" name="슬라이드 이미지 개체 틀 1"/>
+          <p:cNvSpPr>
+            <a:spLocks noGrp="1" noRot="1" noChangeAspect="1"/>
+          </p:cNvSpPr>
+          <p:nvPr>
+            <p:ph type="sldImg"/>
+          </p:nvPr>
+        </p:nvSpPr>
+        <p:spPr/>
+      </p:sp>
+      <p:sp>
+        <p:nvSpPr>
+          <p:cNvPr id="3" name="슬라이드 노트 개체 틀 2"/>
+          <p:cNvSpPr>
+            <a:spLocks noGrp="1"/>
+          </p:cNvSpPr>
+          <p:nvPr>
+            <p:ph type="body" idx="1"/>
+          </p:nvPr>
+        </p:nvSpPr>
+        <p:spPr/>
+        <p:txBody>
+          <a:bodyPr/>
+          <a:lstStyle/>
+          <a:p>
+            <a:pPr marL="0" algn="l" defTabSz="914400" rtl="0" eaLnBrk="1" latinLnBrk="1" hangingPunct="1"/>
+            <a:r>
+              <a:rPr lang="ko-KR" altLang="en-US" sz="1800" b="0" kern="1200">
+                <a:ln>
+                  <a:solidFill>
+                    <a:schemeClr val="tx1">
+                      <a:alpha val="30000"/>
+                    </a:schemeClr>
+                  </a:solidFill>
+                </a:ln>
+                <a:solidFill>
+                  <a:schemeClr val="tx1"/>
+                </a:solidFill>
+                <a:latin typeface="빙그레 메로나체" panose="020B0503000000000000" pitchFamily="50" charset="-127"/>
+                <a:ea typeface="빙그레 메로나체" panose="020B0503000000000000" pitchFamily="50" charset="-127"/>
+                <a:cs typeface="+mn-cs"/>
+              </a:rPr>
+              <a:t>랜덤값을 출력하는 함수를 만들었을때 </a:t>
+            </a:r>
+            <a:endParaRPr lang="en-US" altLang="ko-KR" sz="1800" b="0" kern="1200">
+              <a:ln>
+                <a:solidFill>
+                  <a:schemeClr val="tx1">
+                    <a:alpha val="30000"/>
+                  </a:schemeClr>
+                </a:solidFill>
+              </a:ln>
+              <a:solidFill>
+                <a:schemeClr val="tx1"/>
+              </a:solidFill>
+              <a:latin typeface="빙그레 메로나체" panose="020B0503000000000000" pitchFamily="50" charset="-127"/>
+              <a:ea typeface="빙그레 메로나체" panose="020B0503000000000000" pitchFamily="50" charset="-127"/>
+              <a:cs typeface="+mn-cs"/>
+            </a:endParaRPr>
+          </a:p>
+          <a:p>
+            <a:pPr marL="0" algn="l" defTabSz="914400" rtl="0" eaLnBrk="1" latinLnBrk="1" hangingPunct="1"/>
+            <a:r>
+              <a:rPr lang="en-US" altLang="ko-KR" sz="1800" b="0" kern="1200">
+                <a:ln>
+                  <a:solidFill>
+                    <a:schemeClr val="tx1">
+                      <a:alpha val="30000"/>
+                    </a:schemeClr>
+                  </a:solidFill>
+                </a:ln>
+                <a:solidFill>
+                  <a:schemeClr val="tx1"/>
+                </a:solidFill>
+                <a:latin typeface="빙그레 메로나체" panose="020B0503000000000000" pitchFamily="50" charset="-127"/>
+                <a:ea typeface="빙그레 메로나체" panose="020B0503000000000000" pitchFamily="50" charset="-127"/>
+                <a:cs typeface="+mn-cs"/>
+              </a:rPr>
+              <a:t>useMemo</a:t>
+            </a:r>
+            <a:r>
+              <a:rPr lang="ko-KR" altLang="en-US" sz="1800" b="0" kern="1200">
+                <a:ln>
+                  <a:solidFill>
+                    <a:schemeClr val="tx1">
+                      <a:alpha val="30000"/>
+                    </a:schemeClr>
+                  </a:solidFill>
+                </a:ln>
+                <a:solidFill>
+                  <a:schemeClr val="tx1"/>
+                </a:solidFill>
+                <a:latin typeface="빙그레 메로나체" panose="020B0503000000000000" pitchFamily="50" charset="-127"/>
+                <a:ea typeface="빙그레 메로나체" panose="020B0503000000000000" pitchFamily="50" charset="-127"/>
+                <a:cs typeface="+mn-cs"/>
+              </a:rPr>
+              <a:t>는 값을 저장하므로 같은 랜덤값을 출력</a:t>
+            </a:r>
+            <a:endParaRPr lang="en-US" altLang="ko-KR" sz="1800" b="0" kern="1200">
+              <a:ln>
+                <a:solidFill>
+                  <a:schemeClr val="tx1">
+                    <a:alpha val="30000"/>
+                  </a:schemeClr>
+                </a:solidFill>
+              </a:ln>
+              <a:solidFill>
+                <a:schemeClr val="tx1"/>
+              </a:solidFill>
+              <a:latin typeface="빙그레 메로나체" panose="020B0503000000000000" pitchFamily="50" charset="-127"/>
+              <a:ea typeface="빙그레 메로나체" panose="020B0503000000000000" pitchFamily="50" charset="-127"/>
+              <a:cs typeface="+mn-cs"/>
+            </a:endParaRPr>
+          </a:p>
+          <a:p>
+            <a:pPr marL="0" algn="l" defTabSz="914400" rtl="0" eaLnBrk="1" latinLnBrk="1" hangingPunct="1"/>
+            <a:r>
+              <a:rPr lang="en-US" altLang="ko-KR" sz="1800" b="0" kern="1200">
+                <a:ln>
+                  <a:solidFill>
+                    <a:schemeClr val="tx1">
+                      <a:alpha val="30000"/>
+                    </a:schemeClr>
+                  </a:solidFill>
+                </a:ln>
+                <a:solidFill>
+                  <a:schemeClr val="tx1"/>
+                </a:solidFill>
+                <a:latin typeface="빙그레 메로나체" panose="020B0503000000000000" pitchFamily="50" charset="-127"/>
+                <a:ea typeface="빙그레 메로나체" panose="020B0503000000000000" pitchFamily="50" charset="-127"/>
+                <a:cs typeface="+mn-cs"/>
+              </a:rPr>
+              <a:t>useCallback</a:t>
+            </a:r>
+            <a:r>
+              <a:rPr lang="ko-KR" altLang="en-US" sz="1800" b="0" kern="1200">
+                <a:ln>
+                  <a:solidFill>
+                    <a:schemeClr val="tx1">
+                      <a:alpha val="30000"/>
+                    </a:schemeClr>
+                  </a:solidFill>
+                </a:ln>
+                <a:solidFill>
+                  <a:schemeClr val="tx1"/>
+                </a:solidFill>
+                <a:latin typeface="빙그레 메로나체" panose="020B0503000000000000" pitchFamily="50" charset="-127"/>
+                <a:ea typeface="빙그레 메로나체" panose="020B0503000000000000" pitchFamily="50" charset="-127"/>
+                <a:cs typeface="+mn-cs"/>
+              </a:rPr>
+              <a:t>은 동일한 함수를 실행하므로 랜덤값이 바뀌어서 출력</a:t>
+            </a:r>
+            <a:endParaRPr lang="en-US" altLang="ko-KR" sz="1800" b="0" kern="1200">
+              <a:ln>
+                <a:solidFill>
+                  <a:schemeClr val="tx1">
+                    <a:alpha val="30000"/>
+                  </a:schemeClr>
+                </a:solidFill>
+              </a:ln>
+              <a:solidFill>
+                <a:schemeClr val="tx1"/>
+              </a:solidFill>
+              <a:latin typeface="빙그레 메로나체" panose="020B0503000000000000" pitchFamily="50" charset="-127"/>
+              <a:ea typeface="빙그레 메로나체" panose="020B0503000000000000" pitchFamily="50" charset="-127"/>
+              <a:cs typeface="+mn-cs"/>
+            </a:endParaRPr>
+          </a:p>
+        </p:txBody>
+      </p:sp>
+    </p:spTree>
+    <p:extLst>
+      <p:ext uri="{BB962C8B-B14F-4D97-AF65-F5344CB8AC3E}">
+        <p14:creationId xmlns:p14="http://schemas.microsoft.com/office/powerpoint/2010/main" val="1961592596"/>
+      </p:ext>
+    </p:extLst>
+  </p:cSld>
+  <p:clrMapOvr>
+    <a:masterClrMapping/>
+  </p:clrMapOvr>
+</p:notes>
+</file>
+
+<file path=ppt/notesSlides/notesSlide28.xml><?xml version="1.0" encoding="utf-8"?>
 <p:notes xmlns:a="http://schemas.openxmlformats.org/drawingml/2006/main" xmlns:r="http://schemas.openxmlformats.org/officeDocument/2006/relationships" xmlns:p="http://schemas.openxmlformats.org/presentationml/2006/main">
   <p:cSld>
     <p:spTree>
@@ -29382,6 +29895,7 @@
           </a:bodyPr>
           <a:lstStyle/>
           <a:p>
+            <a:pPr algn="ctr"/>
             <a:r>
               <a:rPr lang="en-US" altLang="ko-KR">
                 <a:ln>
@@ -31417,6 +31931,7 @@
           </a:bodyPr>
           <a:lstStyle/>
           <a:p>
+            <a:pPr algn="ctr"/>
             <a:r>
               <a:rPr lang="en-US" altLang="ko-KR">
                 <a:ln>
@@ -31786,7 +32301,7 @@
         <p:spPr>
           <a:xfrm>
             <a:off x="2790190" y="1211105"/>
-            <a:ext cx="9401810" cy="1200329"/>
+            <a:ext cx="9401810" cy="646331"/>
           </a:xfrm>
           <a:prstGeom prst="rect">
             <a:avLst/>
@@ -31814,10 +32329,12 @@
                 <a:latin typeface="빙그레 메로나체" panose="020B0503000000000000" pitchFamily="50" charset="-127"/>
                 <a:ea typeface="빙그레 메로나체" panose="020B0503000000000000" pitchFamily="50" charset="-127"/>
               </a:rPr>
-              <a:t>useMemo</a:t>
-            </a:r>
-            <a:r>
-              <a:rPr lang="ko-KR" altLang="en-US">
+              <a:t>Execute calculation only when a specific value changes during rendering</a:t>
+            </a:r>
+          </a:p>
+          <a:p>
+            <a:r>
+              <a:rPr lang="en-US" altLang="ko-KR">
                 <a:ln>
                   <a:solidFill>
                     <a:schemeClr val="tx1">
@@ -31828,86 +32345,8 @@
                 <a:latin typeface="빙그레 메로나체" panose="020B0503000000000000" pitchFamily="50" charset="-127"/>
                 <a:ea typeface="빙그레 메로나체" panose="020B0503000000000000" pitchFamily="50" charset="-127"/>
               </a:rPr>
-              <a:t>와 비슷한 함수</a:t>
-            </a:r>
-            <a:endParaRPr lang="en-US" altLang="ko-KR">
-              <a:ln>
-                <a:solidFill>
-                  <a:schemeClr val="tx1">
-                    <a:alpha val="30000"/>
-                  </a:schemeClr>
-                </a:solidFill>
-              </a:ln>
-              <a:latin typeface="빙그레 메로나체" panose="020B0503000000000000" pitchFamily="50" charset="-127"/>
-              <a:ea typeface="빙그레 메로나체" panose="020B0503000000000000" pitchFamily="50" charset="-127"/>
-            </a:endParaRPr>
-          </a:p>
-          <a:p>
-            <a:r>
-              <a:rPr lang="ko-KR" altLang="en-US">
-                <a:ln>
-                  <a:solidFill>
-                    <a:schemeClr val="tx1">
-                      <a:alpha val="30000"/>
-                    </a:schemeClr>
-                  </a:solidFill>
-                </a:ln>
-                <a:latin typeface="빙그레 메로나체" panose="020B0503000000000000" pitchFamily="50" charset="-127"/>
-                <a:ea typeface="빙그레 메로나체" panose="020B0503000000000000" pitchFamily="50" charset="-127"/>
-              </a:rPr>
-              <a:t>주로 렌더링 성능을 최적화해야하는 상황에서 사용</a:t>
-            </a:r>
-            <a:endParaRPr lang="en-US" altLang="ko-KR">
-              <a:ln>
-                <a:solidFill>
-                  <a:schemeClr val="tx1">
-                    <a:alpha val="30000"/>
-                  </a:schemeClr>
-                </a:solidFill>
-              </a:ln>
-              <a:latin typeface="빙그레 메로나체" panose="020B0503000000000000" pitchFamily="50" charset="-127"/>
-              <a:ea typeface="빙그레 메로나체" panose="020B0503000000000000" pitchFamily="50" charset="-127"/>
-            </a:endParaRPr>
-          </a:p>
-          <a:p>
-            <a:r>
-              <a:rPr lang="ko-KR" altLang="en-US">
-                <a:ln>
-                  <a:solidFill>
-                    <a:schemeClr val="tx1">
-                      <a:alpha val="30000"/>
-                    </a:schemeClr>
-                  </a:solidFill>
-                </a:ln>
-                <a:latin typeface="빙그레 메로나체" panose="020B0503000000000000" pitchFamily="50" charset="-127"/>
-                <a:ea typeface="빙그레 메로나체" panose="020B0503000000000000" pitchFamily="50" charset="-127"/>
-              </a:rPr>
-              <a:t>만들어 놓은 함수를 재사용 가능</a:t>
-            </a:r>
-            <a:endParaRPr lang="en-US" altLang="ko-KR">
-              <a:ln>
-                <a:solidFill>
-                  <a:schemeClr val="tx1">
-                    <a:alpha val="30000"/>
-                  </a:schemeClr>
-                </a:solidFill>
-              </a:ln>
-              <a:latin typeface="빙그레 메로나체" panose="020B0503000000000000" pitchFamily="50" charset="-127"/>
-              <a:ea typeface="빙그레 메로나체" panose="020B0503000000000000" pitchFamily="50" charset="-127"/>
-            </a:endParaRPr>
-          </a:p>
-          <a:p>
-            <a:endParaRPr lang="en-US" altLang="ko-KR">
-              <a:ln>
-                <a:solidFill>
-                  <a:schemeClr val="tx1">
-                    <a:alpha val="30000"/>
-                  </a:schemeClr>
-                </a:solidFill>
-              </a:ln>
-              <a:latin typeface="빙그레 메로나체" panose="020B0503000000000000" pitchFamily="50" charset="-127"/>
-              <a:ea typeface="빙그레 메로나체" panose="020B0503000000000000" pitchFamily="50" charset="-127"/>
-            </a:endParaRPr>
+              <a:t>If the desired value has not changed, use the previous function again</a:t>
+            </a:r>
           </a:p>
         </p:txBody>
       </p:sp>
@@ -31925,8 +32364,8 @@
         </p:nvSpPr>
         <p:spPr>
           <a:xfrm>
-            <a:off x="312825" y="2344794"/>
-            <a:ext cx="7098628" cy="4247317"/>
+            <a:off x="1244397" y="2132843"/>
+            <a:ext cx="4851603" cy="4247317"/>
           </a:xfrm>
           <a:prstGeom prst="rect">
             <a:avLst/>
@@ -32125,7 +32564,7 @@
                 <a:latin typeface="빙그레 메로나체" panose="020B0503000000000000" pitchFamily="50" charset="-127"/>
                 <a:ea typeface="빙그레 메로나체" panose="020B0503000000000000" pitchFamily="50" charset="-127"/>
               </a:rPr>
-              <a:t>input</a:t>
+              <a:t>flag</a:t>
             </a:r>
             <a:r>
               <a:rPr lang="en-US" altLang="ko-KR" b="0">
@@ -32158,7 +32597,7 @@
                 <a:latin typeface="빙그레 메로나체" panose="020B0503000000000000" pitchFamily="50" charset="-127"/>
                 <a:ea typeface="빙그레 메로나체" panose="020B0503000000000000" pitchFamily="50" charset="-127"/>
               </a:rPr>
-              <a:t>setInput</a:t>
+              <a:t>setFlag</a:t>
             </a:r>
             <a:r>
               <a:rPr lang="en-US" altLang="ko-KR" b="0">
@@ -32229,13 +32668,13 @@
             <a:r>
               <a:rPr lang="en-US" altLang="ko-KR" b="0">
                 <a:solidFill>
-                  <a:srgbClr val="89DDFF"/>
-                </a:solidFill>
-                <a:effectLst/>
-                <a:latin typeface="빙그레 메로나체" panose="020B0503000000000000" pitchFamily="50" charset="-127"/>
-                <a:ea typeface="빙그레 메로나체" panose="020B0503000000000000" pitchFamily="50" charset="-127"/>
-              </a:rPr>
-              <a:t>""</a:t>
+                  <a:srgbClr val="FF9CAC"/>
+                </a:solidFill>
+                <a:effectLst/>
+                <a:latin typeface="빙그레 메로나체" panose="020B0503000000000000" pitchFamily="50" charset="-127"/>
+                <a:ea typeface="빙그레 메로나체" panose="020B0503000000000000" pitchFamily="50" charset="-127"/>
+              </a:rPr>
+              <a:t>false</a:t>
             </a:r>
             <a:r>
               <a:rPr lang="en-US" altLang="ko-KR" b="0">
@@ -32305,13 +32744,35 @@
             <a:r>
               <a:rPr lang="en-US" altLang="ko-KR" b="0">
                 <a:solidFill>
+                  <a:srgbClr val="89DDFF"/>
+                </a:solidFill>
+                <a:effectLst/>
+                <a:latin typeface="빙그레 메로나체" panose="020B0503000000000000" pitchFamily="50" charset="-127"/>
+                <a:ea typeface="빙그레 메로나체" panose="020B0503000000000000" pitchFamily="50" charset="-127"/>
+              </a:rPr>
+              <a:t>[</a:t>
+            </a:r>
+            <a:r>
+              <a:rPr lang="en-US" altLang="ko-KR" b="0">
+                <a:solidFill>
                   <a:srgbClr val="EEFFFF"/>
                 </a:solidFill>
                 <a:effectLst/>
                 <a:latin typeface="빙그레 메로나체" panose="020B0503000000000000" pitchFamily="50" charset="-127"/>
                 <a:ea typeface="빙그레 메로나체" panose="020B0503000000000000" pitchFamily="50" charset="-127"/>
               </a:rPr>
-              <a:t>inputRef</a:t>
+              <a:t>input</a:t>
+            </a:r>
+            <a:r>
+              <a:rPr lang="en-US" altLang="ko-KR" b="0">
+                <a:solidFill>
+                  <a:srgbClr val="89DDFF"/>
+                </a:solidFill>
+                <a:effectLst/>
+                <a:latin typeface="빙그레 메로나체" panose="020B0503000000000000" pitchFamily="50" charset="-127"/>
+                <a:ea typeface="빙그레 메로나체" panose="020B0503000000000000" pitchFamily="50" charset="-127"/>
+              </a:rPr>
+              <a:t>,</a:t>
             </a:r>
             <a:r>
               <a:rPr lang="en-US" altLang="ko-KR" b="0">
@@ -32327,6 +32788,39 @@
             <a:r>
               <a:rPr lang="en-US" altLang="ko-KR" b="0">
                 <a:solidFill>
+                  <a:srgbClr val="82AAFF"/>
+                </a:solidFill>
+                <a:effectLst/>
+                <a:latin typeface="빙그레 메로나체" panose="020B0503000000000000" pitchFamily="50" charset="-127"/>
+                <a:ea typeface="빙그레 메로나체" panose="020B0503000000000000" pitchFamily="50" charset="-127"/>
+              </a:rPr>
+              <a:t>setInput</a:t>
+            </a:r>
+            <a:r>
+              <a:rPr lang="en-US" altLang="ko-KR" b="0">
+                <a:solidFill>
+                  <a:srgbClr val="89DDFF"/>
+                </a:solidFill>
+                <a:effectLst/>
+                <a:latin typeface="빙그레 메로나체" panose="020B0503000000000000" pitchFamily="50" charset="-127"/>
+                <a:ea typeface="빙그레 메로나체" panose="020B0503000000000000" pitchFamily="50" charset="-127"/>
+              </a:rPr>
+              <a:t>]</a:t>
+            </a:r>
+            <a:r>
+              <a:rPr lang="en-US" altLang="ko-KR" b="0">
+                <a:solidFill>
+                  <a:srgbClr val="F07178"/>
+                </a:solidFill>
+                <a:effectLst/>
+                <a:latin typeface="빙그레 메로나체" panose="020B0503000000000000" pitchFamily="50" charset="-127"/>
+                <a:ea typeface="빙그레 메로나체" panose="020B0503000000000000" pitchFamily="50" charset="-127"/>
+              </a:rPr>
+              <a:t> </a:t>
+            </a:r>
+            <a:r>
+              <a:rPr lang="en-US" altLang="ko-KR" b="0">
+                <a:solidFill>
                   <a:srgbClr val="89DDFF"/>
                 </a:solidFill>
                 <a:effectLst/>
@@ -32355,18 +32849,40 @@
                 <a:latin typeface="빙그레 메로나체" panose="020B0503000000000000" pitchFamily="50" charset="-127"/>
                 <a:ea typeface="빙그레 메로나체" panose="020B0503000000000000" pitchFamily="50" charset="-127"/>
               </a:rPr>
-              <a:t>useRef</a:t>
-            </a:r>
-            <a:r>
-              <a:rPr lang="en-US" altLang="ko-KR" b="0">
-                <a:solidFill>
-                  <a:srgbClr val="F07178"/>
-                </a:solidFill>
-                <a:effectLst/>
-                <a:latin typeface="빙그레 메로나체" panose="020B0503000000000000" pitchFamily="50" charset="-127"/>
-                <a:ea typeface="빙그레 메로나체" panose="020B0503000000000000" pitchFamily="50" charset="-127"/>
-              </a:rPr>
-              <a:t>()</a:t>
+              <a:t>useState</a:t>
+            </a:r>
+            <a:r>
+              <a:rPr lang="en-US" altLang="ko-KR" b="0">
+                <a:solidFill>
+                  <a:srgbClr val="F07178"/>
+                </a:solidFill>
+                <a:effectLst/>
+                <a:latin typeface="빙그레 메로나체" panose="020B0503000000000000" pitchFamily="50" charset="-127"/>
+                <a:ea typeface="빙그레 메로나체" panose="020B0503000000000000" pitchFamily="50" charset="-127"/>
+              </a:rPr>
+              <a:t>(</a:t>
+            </a:r>
+            <a:r>
+              <a:rPr lang="en-US" altLang="ko-KR" b="0">
+                <a:solidFill>
+                  <a:srgbClr val="89DDFF"/>
+                </a:solidFill>
+                <a:effectLst/>
+                <a:latin typeface="빙그레 메로나체" panose="020B0503000000000000" pitchFamily="50" charset="-127"/>
+                <a:ea typeface="빙그레 메로나체" panose="020B0503000000000000" pitchFamily="50" charset="-127"/>
+              </a:rPr>
+              <a:t>""</a:t>
+            </a:r>
+            <a:r>
+              <a:rPr lang="en-US" altLang="ko-KR" b="0">
+                <a:solidFill>
+                  <a:srgbClr val="F07178"/>
+                </a:solidFill>
+                <a:effectLst/>
+                <a:latin typeface="빙그레 메로나체" panose="020B0503000000000000" pitchFamily="50" charset="-127"/>
+                <a:ea typeface="빙그레 메로나체" panose="020B0503000000000000" pitchFamily="50" charset="-127"/>
+              </a:rPr>
+              <a:t>)</a:t>
             </a:r>
             <a:r>
               <a:rPr lang="en-US" altLang="ko-KR" b="0">
@@ -32469,6 +32985,28 @@
             <a:r>
               <a:rPr lang="en-US" altLang="ko-KR" b="0">
                 <a:solidFill>
+                  <a:srgbClr val="82AAFF"/>
+                </a:solidFill>
+                <a:effectLst/>
+                <a:latin typeface="빙그레 메로나체" panose="020B0503000000000000" pitchFamily="50" charset="-127"/>
+                <a:ea typeface="빙그레 메로나체" panose="020B0503000000000000" pitchFamily="50" charset="-127"/>
+              </a:rPr>
+              <a:t>useCallback</a:t>
+            </a:r>
+            <a:r>
+              <a:rPr lang="en-US" altLang="ko-KR" b="0">
+                <a:solidFill>
+                  <a:srgbClr val="F07178"/>
+                </a:solidFill>
+                <a:effectLst/>
+                <a:latin typeface="빙그레 메로나체" panose="020B0503000000000000" pitchFamily="50" charset="-127"/>
+                <a:ea typeface="빙그레 메로나체" panose="020B0503000000000000" pitchFamily="50" charset="-127"/>
+              </a:rPr>
+              <a:t>(</a:t>
+            </a:r>
+            <a:r>
+              <a:rPr lang="en-US" altLang="ko-KR" b="0">
+                <a:solidFill>
                   <a:srgbClr val="89DDFF"/>
                 </a:solidFill>
                 <a:effectLst/>
@@ -32589,28 +33127,6 @@
             <a:r>
               <a:rPr lang="en-US" altLang="ko-KR" b="0">
                 <a:solidFill>
-                  <a:srgbClr val="89DDFF"/>
-                </a:solidFill>
-                <a:effectLst/>
-                <a:latin typeface="빙그레 메로나체" panose="020B0503000000000000" pitchFamily="50" charset="-127"/>
-                <a:ea typeface="빙그레 메로나체" panose="020B0503000000000000" pitchFamily="50" charset="-127"/>
-              </a:rPr>
-              <a:t>{</a:t>
-            </a:r>
-            <a:r>
-              <a:rPr lang="en-US" altLang="ko-KR" b="0">
-                <a:solidFill>
-                  <a:srgbClr val="F07178"/>
-                </a:solidFill>
-                <a:effectLst/>
-                <a:latin typeface="빙그레 메로나체" panose="020B0503000000000000" pitchFamily="50" charset="-127"/>
-                <a:ea typeface="빙그레 메로나체" panose="020B0503000000000000" pitchFamily="50" charset="-127"/>
-              </a:rPr>
-              <a:t> </a:t>
-            </a:r>
-            <a:r>
-              <a:rPr lang="en-US" altLang="ko-KR" b="0">
-                <a:solidFill>
                   <a:srgbClr val="EEFFFF"/>
                 </a:solidFill>
                 <a:effectLst/>
@@ -32618,28 +33134,6 @@
                 <a:ea typeface="빙그레 메로나체" panose="020B0503000000000000" pitchFamily="50" charset="-127"/>
               </a:rPr>
               <a:t>input</a:t>
-            </a:r>
-            <a:r>
-              <a:rPr lang="en-US" altLang="ko-KR" b="0">
-                <a:solidFill>
-                  <a:srgbClr val="F07178"/>
-                </a:solidFill>
-                <a:effectLst/>
-                <a:latin typeface="빙그레 메로나체" panose="020B0503000000000000" pitchFamily="50" charset="-127"/>
-                <a:ea typeface="빙그레 메로나체" panose="020B0503000000000000" pitchFamily="50" charset="-127"/>
-              </a:rPr>
-              <a:t> </a:t>
-            </a:r>
-            <a:r>
-              <a:rPr lang="en-US" altLang="ko-KR" b="0">
-                <a:solidFill>
-                  <a:srgbClr val="89DDFF"/>
-                </a:solidFill>
-                <a:effectLst/>
-                <a:latin typeface="빙그레 메로나체" panose="020B0503000000000000" pitchFamily="50" charset="-127"/>
-                <a:ea typeface="빙그레 메로나체" panose="020B0503000000000000" pitchFamily="50" charset="-127"/>
-              </a:rPr>
-              <a:t>}</a:t>
             </a:r>
             <a:r>
               <a:rPr lang="en-US" altLang="ko-KR" b="0">
@@ -32682,40 +33176,29 @@
                 <a:latin typeface="빙그레 메로나체" panose="020B0503000000000000" pitchFamily="50" charset="-127"/>
                 <a:ea typeface="빙그레 메로나체" panose="020B0503000000000000" pitchFamily="50" charset="-127"/>
               </a:rPr>
-              <a:t>    </a:t>
-            </a:r>
-            <a:r>
-              <a:rPr lang="en-US" altLang="ko-KR" b="0" i="1">
-                <a:solidFill>
-                  <a:srgbClr val="89DDFF"/>
-                </a:solidFill>
-                <a:effectLst/>
-                <a:latin typeface="빙그레 메로나체" panose="020B0503000000000000" pitchFamily="50" charset="-127"/>
-                <a:ea typeface="빙그레 메로나체" panose="020B0503000000000000" pitchFamily="50" charset="-127"/>
-              </a:rPr>
-              <a:t>return</a:t>
-            </a:r>
-            <a:r>
-              <a:rPr lang="en-US" altLang="ko-KR" b="0">
-                <a:solidFill>
-                  <a:srgbClr val="F07178"/>
-                </a:solidFill>
-                <a:effectLst/>
-                <a:latin typeface="빙그레 메로나체" panose="020B0503000000000000" pitchFamily="50" charset="-127"/>
-                <a:ea typeface="빙그레 메로나체" panose="020B0503000000000000" pitchFamily="50" charset="-127"/>
-              </a:rPr>
-              <a:t> </a:t>
-            </a:r>
-            <a:r>
-              <a:rPr lang="en-US" altLang="ko-KR" b="0">
-                <a:solidFill>
-                  <a:srgbClr val="EEFFFF"/>
-                </a:solidFill>
-                <a:effectLst/>
-                <a:latin typeface="빙그레 메로나체" panose="020B0503000000000000" pitchFamily="50" charset="-127"/>
-                <a:ea typeface="빙그레 메로나체" panose="020B0503000000000000" pitchFamily="50" charset="-127"/>
-              </a:rPr>
-              <a:t>input</a:t>
+              <a:t>  </a:t>
+            </a:r>
+            <a:r>
+              <a:rPr lang="en-US" altLang="ko-KR" b="0">
+                <a:solidFill>
+                  <a:srgbClr val="89DDFF"/>
+                </a:solidFill>
+                <a:effectLst/>
+                <a:latin typeface="빙그레 메로나체" panose="020B0503000000000000" pitchFamily="50" charset="-127"/>
+                <a:ea typeface="빙그레 메로나체" panose="020B0503000000000000" pitchFamily="50" charset="-127"/>
+              </a:rPr>
+              <a:t>},</a:t>
+            </a:r>
+            <a:r>
+              <a:rPr lang="en-US" altLang="ko-KR" b="0">
+                <a:solidFill>
+                  <a:srgbClr val="F07178"/>
+                </a:solidFill>
+                <a:effectLst/>
+                <a:latin typeface="빙그레 메로나체" panose="020B0503000000000000" pitchFamily="50" charset="-127"/>
+                <a:ea typeface="빙그레 메로나체" panose="020B0503000000000000" pitchFamily="50" charset="-127"/>
+              </a:rPr>
+              <a:t> [])</a:t>
             </a:r>
             <a:r>
               <a:rPr lang="en-US" altLang="ko-KR" b="0">
@@ -32752,13 +33235,145 @@
             <a:r>
               <a:rPr lang="en-US" altLang="ko-KR" b="0">
                 <a:solidFill>
-                  <a:srgbClr val="89DDFF"/>
-                </a:solidFill>
-                <a:effectLst/>
-                <a:latin typeface="빙그레 메로나체" panose="020B0503000000000000" pitchFamily="50" charset="-127"/>
-                <a:ea typeface="빙그레 메로나체" panose="020B0503000000000000" pitchFamily="50" charset="-127"/>
-              </a:rPr>
-              <a:t>};</a:t>
+                  <a:srgbClr val="C792EA"/>
+                </a:solidFill>
+                <a:effectLst/>
+                <a:latin typeface="빙그레 메로나체" panose="020B0503000000000000" pitchFamily="50" charset="-127"/>
+                <a:ea typeface="빙그레 메로나체" panose="020B0503000000000000" pitchFamily="50" charset="-127"/>
+              </a:rPr>
+              <a:t>const</a:t>
+            </a:r>
+            <a:r>
+              <a:rPr lang="en-US" altLang="ko-KR" b="0">
+                <a:solidFill>
+                  <a:srgbClr val="F07178"/>
+                </a:solidFill>
+                <a:effectLst/>
+                <a:latin typeface="빙그레 메로나체" panose="020B0503000000000000" pitchFamily="50" charset="-127"/>
+                <a:ea typeface="빙그레 메로나체" panose="020B0503000000000000" pitchFamily="50" charset="-127"/>
+              </a:rPr>
+              <a:t> </a:t>
+            </a:r>
+            <a:r>
+              <a:rPr lang="en-US" altLang="ko-KR" b="0">
+                <a:solidFill>
+                  <a:srgbClr val="82AAFF"/>
+                </a:solidFill>
+                <a:effectLst/>
+                <a:latin typeface="빙그레 메로나체" panose="020B0503000000000000" pitchFamily="50" charset="-127"/>
+                <a:ea typeface="빙그레 메로나체" panose="020B0503000000000000" pitchFamily="50" charset="-127"/>
+              </a:rPr>
+              <a:t>onChange</a:t>
+            </a:r>
+            <a:r>
+              <a:rPr lang="en-US" altLang="ko-KR" b="0">
+                <a:solidFill>
+                  <a:srgbClr val="F07178"/>
+                </a:solidFill>
+                <a:effectLst/>
+                <a:latin typeface="빙그레 메로나체" panose="020B0503000000000000" pitchFamily="50" charset="-127"/>
+                <a:ea typeface="빙그레 메로나체" panose="020B0503000000000000" pitchFamily="50" charset="-127"/>
+              </a:rPr>
+              <a:t> </a:t>
+            </a:r>
+            <a:r>
+              <a:rPr lang="en-US" altLang="ko-KR" b="0">
+                <a:solidFill>
+                  <a:srgbClr val="89DDFF"/>
+                </a:solidFill>
+                <a:effectLst/>
+                <a:latin typeface="빙그레 메로나체" panose="020B0503000000000000" pitchFamily="50" charset="-127"/>
+                <a:ea typeface="빙그레 메로나체" panose="020B0503000000000000" pitchFamily="50" charset="-127"/>
+              </a:rPr>
+              <a:t>=</a:t>
+            </a:r>
+            <a:r>
+              <a:rPr lang="en-US" altLang="ko-KR" b="0">
+                <a:solidFill>
+                  <a:srgbClr val="F07178"/>
+                </a:solidFill>
+                <a:effectLst/>
+                <a:latin typeface="빙그레 메로나체" panose="020B0503000000000000" pitchFamily="50" charset="-127"/>
+                <a:ea typeface="빙그레 메로나체" panose="020B0503000000000000" pitchFamily="50" charset="-127"/>
+              </a:rPr>
+              <a:t> </a:t>
+            </a:r>
+            <a:r>
+              <a:rPr lang="en-US" altLang="ko-KR" b="0">
+                <a:solidFill>
+                  <a:srgbClr val="89DDFF"/>
+                </a:solidFill>
+                <a:effectLst/>
+                <a:latin typeface="빙그레 메로나체" panose="020B0503000000000000" pitchFamily="50" charset="-127"/>
+                <a:ea typeface="빙그레 메로나체" panose="020B0503000000000000" pitchFamily="50" charset="-127"/>
+              </a:rPr>
+              <a:t>(</a:t>
+            </a:r>
+            <a:r>
+              <a:rPr lang="en-US" altLang="ko-KR" b="0">
+                <a:solidFill>
+                  <a:srgbClr val="EEFFFF"/>
+                </a:solidFill>
+                <a:effectLst/>
+                <a:latin typeface="빙그레 메로나체" panose="020B0503000000000000" pitchFamily="50" charset="-127"/>
+                <a:ea typeface="빙그레 메로나체" panose="020B0503000000000000" pitchFamily="50" charset="-127"/>
+              </a:rPr>
+              <a:t>event</a:t>
+            </a:r>
+            <a:r>
+              <a:rPr lang="en-US" altLang="ko-KR" b="0">
+                <a:solidFill>
+                  <a:srgbClr val="89DDFF"/>
+                </a:solidFill>
+                <a:effectLst/>
+                <a:latin typeface="빙그레 메로나체" panose="020B0503000000000000" pitchFamily="50" charset="-127"/>
+                <a:ea typeface="빙그레 메로나체" panose="020B0503000000000000" pitchFamily="50" charset="-127"/>
+              </a:rPr>
+              <a:t>)</a:t>
+            </a:r>
+            <a:r>
+              <a:rPr lang="en-US" altLang="ko-KR" b="0">
+                <a:solidFill>
+                  <a:srgbClr val="F07178"/>
+                </a:solidFill>
+                <a:effectLst/>
+                <a:latin typeface="빙그레 메로나체" panose="020B0503000000000000" pitchFamily="50" charset="-127"/>
+                <a:ea typeface="빙그레 메로나체" panose="020B0503000000000000" pitchFamily="50" charset="-127"/>
+              </a:rPr>
+              <a:t> </a:t>
+            </a:r>
+            <a:r>
+              <a:rPr lang="en-US" altLang="ko-KR" b="0">
+                <a:solidFill>
+                  <a:srgbClr val="C792EA"/>
+                </a:solidFill>
+                <a:effectLst/>
+                <a:latin typeface="빙그레 메로나체" panose="020B0503000000000000" pitchFamily="50" charset="-127"/>
+                <a:ea typeface="빙그레 메로나체" panose="020B0503000000000000" pitchFamily="50" charset="-127"/>
+              </a:rPr>
+              <a:t>=&gt;</a:t>
+            </a:r>
+            <a:r>
+              <a:rPr lang="en-US" altLang="ko-KR" b="0">
+                <a:solidFill>
+                  <a:srgbClr val="F07178"/>
+                </a:solidFill>
+                <a:effectLst/>
+                <a:latin typeface="빙그레 메로나체" panose="020B0503000000000000" pitchFamily="50" charset="-127"/>
+                <a:ea typeface="빙그레 메로나체" panose="020B0503000000000000" pitchFamily="50" charset="-127"/>
+              </a:rPr>
+              <a:t> </a:t>
+            </a:r>
+            <a:r>
+              <a:rPr lang="en-US" altLang="ko-KR" b="0">
+                <a:solidFill>
+                  <a:srgbClr val="89DDFF"/>
+                </a:solidFill>
+                <a:effectLst/>
+                <a:latin typeface="빙그레 메로나체" panose="020B0503000000000000" pitchFamily="50" charset="-127"/>
+                <a:ea typeface="빙그레 메로나체" panose="020B0503000000000000" pitchFamily="50" charset="-127"/>
+              </a:rPr>
+              <a:t>{</a:t>
             </a:r>
             <a:endParaRPr lang="en-US" altLang="ko-KR" b="0">
               <a:solidFill>
@@ -32779,29 +33394,7 @@
                 <a:latin typeface="빙그레 메로나체" panose="020B0503000000000000" pitchFamily="50" charset="-127"/>
                 <a:ea typeface="빙그레 메로나체" panose="020B0503000000000000" pitchFamily="50" charset="-127"/>
               </a:rPr>
-              <a:t>  </a:t>
-            </a:r>
-            <a:r>
-              <a:rPr lang="en-US" altLang="ko-KR" b="0">
-                <a:solidFill>
-                  <a:srgbClr val="C792EA"/>
-                </a:solidFill>
-                <a:effectLst/>
-                <a:latin typeface="빙그레 메로나체" panose="020B0503000000000000" pitchFamily="50" charset="-127"/>
-                <a:ea typeface="빙그레 메로나체" panose="020B0503000000000000" pitchFamily="50" charset="-127"/>
-              </a:rPr>
-              <a:t>const</a:t>
-            </a:r>
-            <a:r>
-              <a:rPr lang="en-US" altLang="ko-KR" b="0">
-                <a:solidFill>
-                  <a:srgbClr val="F07178"/>
-                </a:solidFill>
-                <a:effectLst/>
-                <a:latin typeface="빙그레 메로나체" panose="020B0503000000000000" pitchFamily="50" charset="-127"/>
-                <a:ea typeface="빙그레 메로나체" panose="020B0503000000000000" pitchFamily="50" charset="-127"/>
-              </a:rPr>
-              <a:t> </a:t>
+              <a:t>    </a:t>
             </a:r>
             <a:r>
               <a:rPr lang="en-US" altLang="ko-KR" b="0">
@@ -32812,45 +33405,12 @@
                 <a:latin typeface="빙그레 메로나체" panose="020B0503000000000000" pitchFamily="50" charset="-127"/>
                 <a:ea typeface="빙그레 메로나체" panose="020B0503000000000000" pitchFamily="50" charset="-127"/>
               </a:rPr>
-              <a:t>onChange</a:t>
-            </a:r>
-            <a:r>
-              <a:rPr lang="en-US" altLang="ko-KR" b="0">
-                <a:solidFill>
-                  <a:srgbClr val="F07178"/>
-                </a:solidFill>
-                <a:effectLst/>
-                <a:latin typeface="빙그레 메로나체" panose="020B0503000000000000" pitchFamily="50" charset="-127"/>
-                <a:ea typeface="빙그레 메로나체" panose="020B0503000000000000" pitchFamily="50" charset="-127"/>
-              </a:rPr>
-              <a:t> </a:t>
-            </a:r>
-            <a:r>
-              <a:rPr lang="en-US" altLang="ko-KR" b="0">
-                <a:solidFill>
-                  <a:srgbClr val="89DDFF"/>
-                </a:solidFill>
-                <a:effectLst/>
-                <a:latin typeface="빙그레 메로나체" panose="020B0503000000000000" pitchFamily="50" charset="-127"/>
-                <a:ea typeface="빙그레 메로나체" panose="020B0503000000000000" pitchFamily="50" charset="-127"/>
-              </a:rPr>
-              <a:t>=</a:t>
-            </a:r>
-            <a:r>
-              <a:rPr lang="en-US" altLang="ko-KR" b="0">
-                <a:solidFill>
-                  <a:srgbClr val="F07178"/>
-                </a:solidFill>
-                <a:effectLst/>
-                <a:latin typeface="빙그레 메로나체" panose="020B0503000000000000" pitchFamily="50" charset="-127"/>
-                <a:ea typeface="빙그레 메로나체" panose="020B0503000000000000" pitchFamily="50" charset="-127"/>
-              </a:rPr>
-              <a:t> </a:t>
-            </a:r>
-            <a:r>
-              <a:rPr lang="en-US" altLang="ko-KR" b="0">
-                <a:solidFill>
-                  <a:srgbClr val="89DDFF"/>
+              <a:t>setInput</a:t>
+            </a:r>
+            <a:r>
+              <a:rPr lang="en-US" altLang="ko-KR" b="0">
+                <a:solidFill>
+                  <a:srgbClr val="F07178"/>
                 </a:solidFill>
                 <a:effectLst/>
                 <a:latin typeface="빙그레 메로나체" panose="020B0503000000000000" pitchFamily="50" charset="-127"/>
@@ -32878,51 +33438,62 @@
                 <a:latin typeface="빙그레 메로나체" panose="020B0503000000000000" pitchFamily="50" charset="-127"/>
                 <a:ea typeface="빙그레 메로나체" panose="020B0503000000000000" pitchFamily="50" charset="-127"/>
               </a:rPr>
+              <a:t>.</a:t>
+            </a:r>
+            <a:r>
+              <a:rPr lang="en-US" altLang="ko-KR" b="0">
+                <a:solidFill>
+                  <a:srgbClr val="EEFFFF"/>
+                </a:solidFill>
+                <a:effectLst/>
+                <a:latin typeface="빙그레 메로나체" panose="020B0503000000000000" pitchFamily="50" charset="-127"/>
+                <a:ea typeface="빙그레 메로나체" panose="020B0503000000000000" pitchFamily="50" charset="-127"/>
+              </a:rPr>
+              <a:t>target</a:t>
+            </a:r>
+            <a:r>
+              <a:rPr lang="en-US" altLang="ko-KR" b="0">
+                <a:solidFill>
+                  <a:srgbClr val="89DDFF"/>
+                </a:solidFill>
+                <a:effectLst/>
+                <a:latin typeface="빙그레 메로나체" panose="020B0503000000000000" pitchFamily="50" charset="-127"/>
+                <a:ea typeface="빙그레 메로나체" panose="020B0503000000000000" pitchFamily="50" charset="-127"/>
+              </a:rPr>
+              <a:t>.</a:t>
+            </a:r>
+            <a:r>
+              <a:rPr lang="en-US" altLang="ko-KR" b="0">
+                <a:solidFill>
+                  <a:srgbClr val="EEFFFF"/>
+                </a:solidFill>
+                <a:effectLst/>
+                <a:latin typeface="빙그레 메로나체" panose="020B0503000000000000" pitchFamily="50" charset="-127"/>
+                <a:ea typeface="빙그레 메로나체" panose="020B0503000000000000" pitchFamily="50" charset="-127"/>
+              </a:rPr>
+              <a:t>value</a:t>
+            </a:r>
+            <a:r>
+              <a:rPr lang="en-US" altLang="ko-KR" b="0">
+                <a:solidFill>
+                  <a:srgbClr val="F07178"/>
+                </a:solidFill>
+                <a:effectLst/>
+                <a:latin typeface="빙그레 메로나체" panose="020B0503000000000000" pitchFamily="50" charset="-127"/>
+                <a:ea typeface="빙그레 메로나체" panose="020B0503000000000000" pitchFamily="50" charset="-127"/>
+              </a:rPr>
               <a:t>)</a:t>
             </a:r>
             <a:r>
               <a:rPr lang="en-US" altLang="ko-KR" b="0">
                 <a:solidFill>
-                  <a:srgbClr val="F07178"/>
-                </a:solidFill>
-                <a:effectLst/>
-                <a:latin typeface="빙그레 메로나체" panose="020B0503000000000000" pitchFamily="50" charset="-127"/>
-                <a:ea typeface="빙그레 메로나체" panose="020B0503000000000000" pitchFamily="50" charset="-127"/>
-              </a:rPr>
-              <a:t> </a:t>
-            </a:r>
-            <a:r>
-              <a:rPr lang="en-US" altLang="ko-KR" b="0">
-                <a:solidFill>
-                  <a:srgbClr val="C792EA"/>
-                </a:solidFill>
-                <a:effectLst/>
-                <a:latin typeface="빙그레 메로나체" panose="020B0503000000000000" pitchFamily="50" charset="-127"/>
-                <a:ea typeface="빙그레 메로나체" panose="020B0503000000000000" pitchFamily="50" charset="-127"/>
-              </a:rPr>
-              <a:t>=&gt;</a:t>
-            </a:r>
-            <a:r>
-              <a:rPr lang="en-US" altLang="ko-KR" b="0">
-                <a:solidFill>
-                  <a:srgbClr val="F07178"/>
-                </a:solidFill>
-                <a:effectLst/>
-                <a:latin typeface="빙그레 메로나체" panose="020B0503000000000000" pitchFamily="50" charset="-127"/>
-                <a:ea typeface="빙그레 메로나체" panose="020B0503000000000000" pitchFamily="50" charset="-127"/>
-              </a:rPr>
-              <a:t> </a:t>
-            </a:r>
-            <a:r>
-              <a:rPr lang="en-US" altLang="ko-KR" b="0">
-                <a:solidFill>
-                  <a:srgbClr val="89DDFF"/>
-                </a:solidFill>
-                <a:effectLst/>
-                <a:latin typeface="빙그레 메로나체" panose="020B0503000000000000" pitchFamily="50" charset="-127"/>
-                <a:ea typeface="빙그레 메로나체" panose="020B0503000000000000" pitchFamily="50" charset="-127"/>
-              </a:rPr>
-              <a:t>{</a:t>
+                  <a:srgbClr val="89DDFF"/>
+                </a:solidFill>
+                <a:effectLst/>
+                <a:latin typeface="빙그레 메로나체" panose="020B0503000000000000" pitchFamily="50" charset="-127"/>
+                <a:ea typeface="빙그레 메로나체" panose="020B0503000000000000" pitchFamily="50" charset="-127"/>
+              </a:rPr>
+              <a:t>;</a:t>
             </a:r>
             <a:endParaRPr lang="en-US" altLang="ko-KR" b="0">
               <a:solidFill>
@@ -32943,40 +33514,18 @@
                 <a:latin typeface="빙그레 메로나체" panose="020B0503000000000000" pitchFamily="50" charset="-127"/>
                 <a:ea typeface="빙그레 메로나체" panose="020B0503000000000000" pitchFamily="50" charset="-127"/>
               </a:rPr>
-              <a:t>    </a:t>
-            </a:r>
-            <a:r>
-              <a:rPr lang="en-US" altLang="ko-KR" b="0">
-                <a:solidFill>
-                  <a:srgbClr val="C792EA"/>
-                </a:solidFill>
-                <a:effectLst/>
-                <a:latin typeface="빙그레 메로나체" panose="020B0503000000000000" pitchFamily="50" charset="-127"/>
-                <a:ea typeface="빙그레 메로나체" panose="020B0503000000000000" pitchFamily="50" charset="-127"/>
-              </a:rPr>
-              <a:t>const</a:t>
-            </a:r>
-            <a:r>
-              <a:rPr lang="en-US" altLang="ko-KR" b="0">
-                <a:solidFill>
-                  <a:srgbClr val="F07178"/>
-                </a:solidFill>
-                <a:effectLst/>
-                <a:latin typeface="빙그레 메로나체" panose="020B0503000000000000" pitchFamily="50" charset="-127"/>
-                <a:ea typeface="빙그레 메로나체" panose="020B0503000000000000" pitchFamily="50" charset="-127"/>
-              </a:rPr>
-              <a:t> </a:t>
-            </a:r>
-            <a:r>
-              <a:rPr lang="en-US" altLang="ko-KR" b="0">
-                <a:solidFill>
-                  <a:srgbClr val="89DDFF"/>
-                </a:solidFill>
-                <a:effectLst/>
-                <a:latin typeface="빙그레 메로나체" panose="020B0503000000000000" pitchFamily="50" charset="-127"/>
-                <a:ea typeface="빙그레 메로나체" panose="020B0503000000000000" pitchFamily="50" charset="-127"/>
-              </a:rPr>
-              <a:t>{</a:t>
+              <a:t>  </a:t>
+            </a:r>
+            <a:r>
+              <a:rPr lang="en-US" altLang="ko-KR" b="0">
+                <a:solidFill>
+                  <a:srgbClr val="89DDFF"/>
+                </a:solidFill>
+                <a:effectLst/>
+                <a:latin typeface="빙그레 메로나체" panose="020B0503000000000000" pitchFamily="50" charset="-127"/>
+                <a:ea typeface="빙그레 메로나체" panose="020B0503000000000000" pitchFamily="50" charset="-127"/>
+              </a:rPr>
+              <a:t>};</a:t>
             </a:r>
             <a:endParaRPr lang="en-US" altLang="ko-KR" b="0">
               <a:solidFill>
@@ -32997,18 +33546,18 @@
                 <a:latin typeface="빙그레 메로나체" panose="020B0503000000000000" pitchFamily="50" charset="-127"/>
                 <a:ea typeface="빙그레 메로나체" panose="020B0503000000000000" pitchFamily="50" charset="-127"/>
               </a:rPr>
-              <a:t>      target</a:t>
-            </a:r>
-            <a:r>
-              <a:rPr lang="en-US" altLang="ko-KR" b="0">
-                <a:solidFill>
-                  <a:srgbClr val="89DDFF"/>
-                </a:solidFill>
-                <a:effectLst/>
-                <a:latin typeface="빙그레 메로나체" panose="020B0503000000000000" pitchFamily="50" charset="-127"/>
-                <a:ea typeface="빙그레 메로나체" panose="020B0503000000000000" pitchFamily="50" charset="-127"/>
-              </a:rPr>
-              <a:t>:</a:t>
+              <a:t>  </a:t>
+            </a:r>
+            <a:r>
+              <a:rPr lang="en-US" altLang="ko-KR" b="0">
+                <a:solidFill>
+                  <a:srgbClr val="C792EA"/>
+                </a:solidFill>
+                <a:effectLst/>
+                <a:latin typeface="빙그레 메로나체" panose="020B0503000000000000" pitchFamily="50" charset="-127"/>
+                <a:ea typeface="빙그레 메로나체" panose="020B0503000000000000" pitchFamily="50" charset="-127"/>
+              </a:rPr>
+              <a:t>const</a:t>
             </a:r>
             <a:r>
               <a:rPr lang="en-US" altLang="ko-KR" b="0">
@@ -33024,6 +33573,116 @@
             <a:r>
               <a:rPr lang="en-US" altLang="ko-KR" b="0">
                 <a:solidFill>
+                  <a:srgbClr val="82AAFF"/>
+                </a:solidFill>
+                <a:effectLst/>
+                <a:latin typeface="빙그레 메로나체" panose="020B0503000000000000" pitchFamily="50" charset="-127"/>
+                <a:ea typeface="빙그레 메로나체" panose="020B0503000000000000" pitchFamily="50" charset="-127"/>
+              </a:rPr>
+              <a:t>onClick</a:t>
+            </a:r>
+            <a:r>
+              <a:rPr lang="en-US" altLang="ko-KR" b="0">
+                <a:solidFill>
+                  <a:srgbClr val="F07178"/>
+                </a:solidFill>
+                <a:effectLst/>
+                <a:latin typeface="빙그레 메로나체" panose="020B0503000000000000" pitchFamily="50" charset="-127"/>
+                <a:ea typeface="빙그레 메로나체" panose="020B0503000000000000" pitchFamily="50" charset="-127"/>
+              </a:rPr>
+              <a:t> </a:t>
+            </a:r>
+            <a:r>
+              <a:rPr lang="en-US" altLang="ko-KR" b="0">
+                <a:solidFill>
+                  <a:srgbClr val="89DDFF"/>
+                </a:solidFill>
+                <a:effectLst/>
+                <a:latin typeface="빙그레 메로나체" panose="020B0503000000000000" pitchFamily="50" charset="-127"/>
+                <a:ea typeface="빙그레 메로나체" panose="020B0503000000000000" pitchFamily="50" charset="-127"/>
+              </a:rPr>
+              <a:t>=</a:t>
+            </a:r>
+            <a:r>
+              <a:rPr lang="en-US" altLang="ko-KR" b="0">
+                <a:solidFill>
+                  <a:srgbClr val="F07178"/>
+                </a:solidFill>
+                <a:effectLst/>
+                <a:latin typeface="빙그레 메로나체" panose="020B0503000000000000" pitchFamily="50" charset="-127"/>
+                <a:ea typeface="빙그레 메로나체" panose="020B0503000000000000" pitchFamily="50" charset="-127"/>
+              </a:rPr>
+              <a:t> </a:t>
+            </a:r>
+            <a:r>
+              <a:rPr lang="en-US" altLang="ko-KR" b="0">
+                <a:solidFill>
+                  <a:srgbClr val="89DDFF"/>
+                </a:solidFill>
+                <a:effectLst/>
+                <a:latin typeface="빙그레 메로나체" panose="020B0503000000000000" pitchFamily="50" charset="-127"/>
+                <a:ea typeface="빙그레 메로나체" panose="020B0503000000000000" pitchFamily="50" charset="-127"/>
+              </a:rPr>
+              <a:t>(</a:t>
+            </a:r>
+            <a:r>
+              <a:rPr lang="en-US" altLang="ko-KR" b="0">
+                <a:solidFill>
+                  <a:srgbClr val="EEFFFF"/>
+                </a:solidFill>
+                <a:effectLst/>
+                <a:latin typeface="빙그레 메로나체" panose="020B0503000000000000" pitchFamily="50" charset="-127"/>
+                <a:ea typeface="빙그레 메로나체" panose="020B0503000000000000" pitchFamily="50" charset="-127"/>
+              </a:rPr>
+              <a:t>event</a:t>
+            </a:r>
+            <a:r>
+              <a:rPr lang="en-US" altLang="ko-KR" b="0">
+                <a:solidFill>
+                  <a:srgbClr val="89DDFF"/>
+                </a:solidFill>
+                <a:effectLst/>
+                <a:latin typeface="빙그레 메로나체" panose="020B0503000000000000" pitchFamily="50" charset="-127"/>
+                <a:ea typeface="빙그레 메로나체" panose="020B0503000000000000" pitchFamily="50" charset="-127"/>
+              </a:rPr>
+              <a:t>)</a:t>
+            </a:r>
+            <a:r>
+              <a:rPr lang="en-US" altLang="ko-KR" b="0">
+                <a:solidFill>
+                  <a:srgbClr val="F07178"/>
+                </a:solidFill>
+                <a:effectLst/>
+                <a:latin typeface="빙그레 메로나체" panose="020B0503000000000000" pitchFamily="50" charset="-127"/>
+                <a:ea typeface="빙그레 메로나체" panose="020B0503000000000000" pitchFamily="50" charset="-127"/>
+              </a:rPr>
+              <a:t> </a:t>
+            </a:r>
+            <a:r>
+              <a:rPr lang="en-US" altLang="ko-KR" b="0">
+                <a:solidFill>
+                  <a:srgbClr val="C792EA"/>
+                </a:solidFill>
+                <a:effectLst/>
+                <a:latin typeface="빙그레 메로나체" panose="020B0503000000000000" pitchFamily="50" charset="-127"/>
+                <a:ea typeface="빙그레 메로나체" panose="020B0503000000000000" pitchFamily="50" charset="-127"/>
+              </a:rPr>
+              <a:t>=&gt;</a:t>
+            </a:r>
+            <a:r>
+              <a:rPr lang="en-US" altLang="ko-KR" b="0">
+                <a:solidFill>
+                  <a:srgbClr val="F07178"/>
+                </a:solidFill>
+                <a:effectLst/>
+                <a:latin typeface="빙그레 메로나체" panose="020B0503000000000000" pitchFamily="50" charset="-127"/>
+                <a:ea typeface="빙그레 메로나체" panose="020B0503000000000000" pitchFamily="50" charset="-127"/>
+              </a:rPr>
+              <a:t> </a:t>
+            </a:r>
+            <a:r>
+              <a:rPr lang="en-US" altLang="ko-KR" b="0">
+                <a:solidFill>
                   <a:srgbClr val="89DDFF"/>
                 </a:solidFill>
                 <a:effectLst/>
@@ -33031,50 +33690,6 @@
                 <a:ea typeface="빙그레 메로나체" panose="020B0503000000000000" pitchFamily="50" charset="-127"/>
               </a:rPr>
               <a:t>{</a:t>
-            </a:r>
-            <a:r>
-              <a:rPr lang="en-US" altLang="ko-KR" b="0">
-                <a:solidFill>
-                  <a:srgbClr val="F07178"/>
-                </a:solidFill>
-                <a:effectLst/>
-                <a:latin typeface="빙그레 메로나체" panose="020B0503000000000000" pitchFamily="50" charset="-127"/>
-                <a:ea typeface="빙그레 메로나체" panose="020B0503000000000000" pitchFamily="50" charset="-127"/>
-              </a:rPr>
-              <a:t> </a:t>
-            </a:r>
-            <a:r>
-              <a:rPr lang="en-US" altLang="ko-KR" b="0">
-                <a:solidFill>
-                  <a:srgbClr val="EEFFFF"/>
-                </a:solidFill>
-                <a:effectLst/>
-                <a:latin typeface="빙그레 메로나체" panose="020B0503000000000000" pitchFamily="50" charset="-127"/>
-                <a:ea typeface="빙그레 메로나체" panose="020B0503000000000000" pitchFamily="50" charset="-127"/>
-              </a:rPr>
-              <a:t>value</a:t>
-            </a:r>
-            <a:r>
-              <a:rPr lang="en-US" altLang="ko-KR" b="0">
-                <a:solidFill>
-                  <a:srgbClr val="F07178"/>
-                </a:solidFill>
-                <a:effectLst/>
-                <a:latin typeface="빙그레 메로나체" panose="020B0503000000000000" pitchFamily="50" charset="-127"/>
-                <a:ea typeface="빙그레 메로나체" panose="020B0503000000000000" pitchFamily="50" charset="-127"/>
-              </a:rPr>
-              <a:t> </a:t>
-            </a:r>
-            <a:r>
-              <a:rPr lang="en-US" altLang="ko-KR" b="0">
-                <a:solidFill>
-                  <a:srgbClr val="89DDFF"/>
-                </a:solidFill>
-                <a:effectLst/>
-                <a:latin typeface="빙그레 메로나체" panose="020B0503000000000000" pitchFamily="50" charset="-127"/>
-                <a:ea typeface="빙그레 메로나체" panose="020B0503000000000000" pitchFamily="50" charset="-127"/>
-              </a:rPr>
-              <a:t>},</a:t>
             </a:r>
             <a:endParaRPr lang="en-US" altLang="ko-KR" b="0">
               <a:solidFill>
@@ -33100,50 +33715,6 @@
             <a:r>
               <a:rPr lang="en-US" altLang="ko-KR" b="0">
                 <a:solidFill>
-                  <a:srgbClr val="89DDFF"/>
-                </a:solidFill>
-                <a:effectLst/>
-                <a:latin typeface="빙그레 메로나체" panose="020B0503000000000000" pitchFamily="50" charset="-127"/>
-                <a:ea typeface="빙그레 메로나체" panose="020B0503000000000000" pitchFamily="50" charset="-127"/>
-              </a:rPr>
-              <a:t>}</a:t>
-            </a:r>
-            <a:r>
-              <a:rPr lang="en-US" altLang="ko-KR" b="0">
-                <a:solidFill>
-                  <a:srgbClr val="F07178"/>
-                </a:solidFill>
-                <a:effectLst/>
-                <a:latin typeface="빙그레 메로나체" panose="020B0503000000000000" pitchFamily="50" charset="-127"/>
-                <a:ea typeface="빙그레 메로나체" panose="020B0503000000000000" pitchFamily="50" charset="-127"/>
-              </a:rPr>
-              <a:t> </a:t>
-            </a:r>
-            <a:r>
-              <a:rPr lang="en-US" altLang="ko-KR" b="0">
-                <a:solidFill>
-                  <a:srgbClr val="89DDFF"/>
-                </a:solidFill>
-                <a:effectLst/>
-                <a:latin typeface="빙그레 메로나체" panose="020B0503000000000000" pitchFamily="50" charset="-127"/>
-                <a:ea typeface="빙그레 메로나체" panose="020B0503000000000000" pitchFamily="50" charset="-127"/>
-              </a:rPr>
-              <a:t>=</a:t>
-            </a:r>
-            <a:r>
-              <a:rPr lang="en-US" altLang="ko-KR" b="0">
-                <a:solidFill>
-                  <a:srgbClr val="F07178"/>
-                </a:solidFill>
-                <a:effectLst/>
-                <a:latin typeface="빙그레 메로나체" panose="020B0503000000000000" pitchFamily="50" charset="-127"/>
-                <a:ea typeface="빙그레 메로나체" panose="020B0503000000000000" pitchFamily="50" charset="-127"/>
-              </a:rPr>
-              <a:t> </a:t>
-            </a:r>
-            <a:r>
-              <a:rPr lang="en-US" altLang="ko-KR" b="0">
-                <a:solidFill>
                   <a:srgbClr val="EEFFFF"/>
                 </a:solidFill>
                 <a:effectLst/>
@@ -33161,28 +33732,7 @@
                 <a:latin typeface="빙그레 메로나체" panose="020B0503000000000000" pitchFamily="50" charset="-127"/>
                 <a:ea typeface="빙그레 메로나체" panose="020B0503000000000000" pitchFamily="50" charset="-127"/>
               </a:rPr>
-              <a:t>;</a:t>
-            </a:r>
-            <a:br>
-              <a:rPr lang="en-US" altLang="ko-KR" b="0">
-                <a:solidFill>
-                  <a:srgbClr val="EEFFFF"/>
-                </a:solidFill>
-                <a:effectLst/>
-                <a:latin typeface="빙그레 메로나체" panose="020B0503000000000000" pitchFamily="50" charset="-127"/>
-                <a:ea typeface="빙그레 메로나체" panose="020B0503000000000000" pitchFamily="50" charset="-127"/>
-              </a:rPr>
-            </a:br>
-            <a:r>
-              <a:rPr lang="en-US" altLang="ko-KR" b="0">
-                <a:solidFill>
-                  <a:srgbClr val="F07178"/>
-                </a:solidFill>
-                <a:effectLst/>
-                <a:latin typeface="빙그레 메로나체" panose="020B0503000000000000" pitchFamily="50" charset="-127"/>
-                <a:ea typeface="빙그레 메로나체" panose="020B0503000000000000" pitchFamily="50" charset="-127"/>
-              </a:rPr>
-              <a:t>    </a:t>
+              <a:t>.</a:t>
             </a:r>
             <a:r>
               <a:rPr lang="en-US" altLang="ko-KR" b="0">
@@ -33193,40 +33743,18 @@
                 <a:latin typeface="빙그레 메로나체" panose="020B0503000000000000" pitchFamily="50" charset="-127"/>
                 <a:ea typeface="빙그레 메로나체" panose="020B0503000000000000" pitchFamily="50" charset="-127"/>
               </a:rPr>
-              <a:t>setInput</a:t>
-            </a:r>
-            <a:r>
-              <a:rPr lang="en-US" altLang="ko-KR" b="0">
-                <a:solidFill>
-                  <a:srgbClr val="F07178"/>
-                </a:solidFill>
-                <a:effectLst/>
-                <a:latin typeface="빙그레 메로나체" panose="020B0503000000000000" pitchFamily="50" charset="-127"/>
-                <a:ea typeface="빙그레 메로나체" panose="020B0503000000000000" pitchFamily="50" charset="-127"/>
-              </a:rPr>
-              <a:t>(</a:t>
-            </a:r>
-            <a:r>
-              <a:rPr lang="en-US" altLang="ko-KR" b="0">
-                <a:solidFill>
-                  <a:srgbClr val="EEFFFF"/>
-                </a:solidFill>
-                <a:effectLst/>
-                <a:latin typeface="빙그레 메로나체" panose="020B0503000000000000" pitchFamily="50" charset="-127"/>
-                <a:ea typeface="빙그레 메로나체" panose="020B0503000000000000" pitchFamily="50" charset="-127"/>
-              </a:rPr>
-              <a:t>value</a:t>
-            </a:r>
-            <a:r>
-              <a:rPr lang="en-US" altLang="ko-KR" b="0">
-                <a:solidFill>
-                  <a:srgbClr val="F07178"/>
-                </a:solidFill>
-                <a:effectLst/>
-                <a:latin typeface="빙그레 메로나체" panose="020B0503000000000000" pitchFamily="50" charset="-127"/>
-                <a:ea typeface="빙그레 메로나체" panose="020B0503000000000000" pitchFamily="50" charset="-127"/>
-              </a:rPr>
-              <a:t>)</a:t>
+              <a:t>preventDefault</a:t>
+            </a:r>
+            <a:r>
+              <a:rPr lang="en-US" altLang="ko-KR" b="0">
+                <a:solidFill>
+                  <a:srgbClr val="F07178"/>
+                </a:solidFill>
+                <a:effectLst/>
+                <a:latin typeface="빙그레 메로나체" panose="020B0503000000000000" pitchFamily="50" charset="-127"/>
+                <a:ea typeface="빙그레 메로나체" panose="020B0503000000000000" pitchFamily="50" charset="-127"/>
+              </a:rPr>
+              <a:t>()</a:t>
             </a:r>
             <a:r>
               <a:rPr lang="en-US" altLang="ko-KR" b="0">
@@ -33258,18 +33786,73 @@
                 <a:latin typeface="빙그레 메로나체" panose="020B0503000000000000" pitchFamily="50" charset="-127"/>
                 <a:ea typeface="빙그레 메로나체" panose="020B0503000000000000" pitchFamily="50" charset="-127"/>
               </a:rPr>
-              <a:t>  </a:t>
-            </a:r>
-            <a:r>
-              <a:rPr lang="en-US" altLang="ko-KR" b="0">
-                <a:solidFill>
-                  <a:srgbClr val="89DDFF"/>
-                </a:solidFill>
-                <a:effectLst/>
-                <a:latin typeface="빙그레 메로나체" panose="020B0503000000000000" pitchFamily="50" charset="-127"/>
-                <a:ea typeface="빙그레 메로나체" panose="020B0503000000000000" pitchFamily="50" charset="-127"/>
-              </a:rPr>
-              <a:t>};</a:t>
+              <a:t>    </a:t>
+            </a:r>
+            <a:r>
+              <a:rPr lang="en-US" altLang="ko-KR" b="0">
+                <a:solidFill>
+                  <a:srgbClr val="82AAFF"/>
+                </a:solidFill>
+                <a:effectLst/>
+                <a:latin typeface="빙그레 메로나체" panose="020B0503000000000000" pitchFamily="50" charset="-127"/>
+                <a:ea typeface="빙그레 메로나체" panose="020B0503000000000000" pitchFamily="50" charset="-127"/>
+              </a:rPr>
+              <a:t>setFlag</a:t>
+            </a:r>
+            <a:r>
+              <a:rPr lang="en-US" altLang="ko-KR" b="0">
+                <a:solidFill>
+                  <a:srgbClr val="F07178"/>
+                </a:solidFill>
+                <a:effectLst/>
+                <a:latin typeface="빙그레 메로나체" panose="020B0503000000000000" pitchFamily="50" charset="-127"/>
+                <a:ea typeface="빙그레 메로나체" panose="020B0503000000000000" pitchFamily="50" charset="-127"/>
+              </a:rPr>
+              <a:t>(</a:t>
+            </a:r>
+            <a:r>
+              <a:rPr lang="en-US" altLang="ko-KR" b="0">
+                <a:solidFill>
+                  <a:srgbClr val="89DDFF"/>
+                </a:solidFill>
+                <a:effectLst/>
+                <a:latin typeface="빙그레 메로나체" panose="020B0503000000000000" pitchFamily="50" charset="-127"/>
+                <a:ea typeface="빙그레 메로나체" panose="020B0503000000000000" pitchFamily="50" charset="-127"/>
+              </a:rPr>
+              <a:t>!</a:t>
+            </a:r>
+            <a:r>
+              <a:rPr lang="en-US" altLang="ko-KR" b="0">
+                <a:solidFill>
+                  <a:srgbClr val="EEFFFF"/>
+                </a:solidFill>
+                <a:effectLst/>
+                <a:latin typeface="빙그레 메로나체" panose="020B0503000000000000" pitchFamily="50" charset="-127"/>
+                <a:ea typeface="빙그레 메로나체" panose="020B0503000000000000" pitchFamily="50" charset="-127"/>
+              </a:rPr>
+              <a:t>flag</a:t>
+            </a:r>
+            <a:r>
+              <a:rPr lang="en-US" altLang="ko-KR" b="0">
+                <a:solidFill>
+                  <a:srgbClr val="F07178"/>
+                </a:solidFill>
+                <a:effectLst/>
+                <a:latin typeface="빙그레 메로나체" panose="020B0503000000000000" pitchFamily="50" charset="-127"/>
+                <a:ea typeface="빙그레 메로나체" panose="020B0503000000000000" pitchFamily="50" charset="-127"/>
+              </a:rPr>
+              <a:t>)</a:t>
+            </a:r>
+            <a:r>
+              <a:rPr lang="en-US" altLang="ko-KR" b="0">
+                <a:solidFill>
+                  <a:srgbClr val="89DDFF"/>
+                </a:solidFill>
+                <a:effectLst/>
+                <a:latin typeface="빙그레 메로나체" panose="020B0503000000000000" pitchFamily="50" charset="-127"/>
+                <a:ea typeface="빙그레 메로나체" panose="020B0503000000000000" pitchFamily="50" charset="-127"/>
+              </a:rPr>
+              <a:t>;</a:t>
             </a:r>
             <a:endParaRPr lang="en-US" altLang="ko-KR" b="0">
               <a:solidFill>
@@ -33295,189 +33878,13 @@
             <a:r>
               <a:rPr lang="en-US" altLang="ko-KR" b="0">
                 <a:solidFill>
-                  <a:srgbClr val="C792EA"/>
-                </a:solidFill>
-                <a:effectLst/>
-                <a:latin typeface="빙그레 메로나체" panose="020B0503000000000000" pitchFamily="50" charset="-127"/>
-                <a:ea typeface="빙그레 메로나체" panose="020B0503000000000000" pitchFamily="50" charset="-127"/>
-              </a:rPr>
-              <a:t>const</a:t>
-            </a:r>
-            <a:r>
-              <a:rPr lang="en-US" altLang="ko-KR" b="0">
-                <a:solidFill>
-                  <a:srgbClr val="F07178"/>
-                </a:solidFill>
-                <a:effectLst/>
-                <a:latin typeface="빙그레 메로나체" panose="020B0503000000000000" pitchFamily="50" charset="-127"/>
-                <a:ea typeface="빙그레 메로나체" panose="020B0503000000000000" pitchFamily="50" charset="-127"/>
-              </a:rPr>
-              <a:t> </a:t>
-            </a:r>
-            <a:r>
-              <a:rPr lang="en-US" altLang="ko-KR" b="0">
-                <a:solidFill>
-                  <a:srgbClr val="EEFFFF"/>
-                </a:solidFill>
-                <a:effectLst/>
-                <a:latin typeface="빙그레 메로나체" panose="020B0503000000000000" pitchFamily="50" charset="-127"/>
-                <a:ea typeface="빙그레 메로나체" panose="020B0503000000000000" pitchFamily="50" charset="-127"/>
-              </a:rPr>
-              <a:t>value</a:t>
-            </a:r>
-            <a:r>
-              <a:rPr lang="en-US" altLang="ko-KR" b="0">
-                <a:solidFill>
-                  <a:srgbClr val="F07178"/>
-                </a:solidFill>
-                <a:effectLst/>
-                <a:latin typeface="빙그레 메로나체" panose="020B0503000000000000" pitchFamily="50" charset="-127"/>
-                <a:ea typeface="빙그레 메로나체" panose="020B0503000000000000" pitchFamily="50" charset="-127"/>
-              </a:rPr>
-              <a:t> </a:t>
-            </a:r>
-            <a:r>
-              <a:rPr lang="en-US" altLang="ko-KR" b="0">
-                <a:solidFill>
-                  <a:srgbClr val="89DDFF"/>
-                </a:solidFill>
-                <a:effectLst/>
-                <a:latin typeface="빙그레 메로나체" panose="020B0503000000000000" pitchFamily="50" charset="-127"/>
-                <a:ea typeface="빙그레 메로나체" panose="020B0503000000000000" pitchFamily="50" charset="-127"/>
-              </a:rPr>
-              <a:t>=</a:t>
-            </a:r>
-            <a:r>
-              <a:rPr lang="en-US" altLang="ko-KR" b="0">
-                <a:solidFill>
-                  <a:srgbClr val="F07178"/>
-                </a:solidFill>
-                <a:effectLst/>
-                <a:latin typeface="빙그레 메로나체" panose="020B0503000000000000" pitchFamily="50" charset="-127"/>
-                <a:ea typeface="빙그레 메로나체" panose="020B0503000000000000" pitchFamily="50" charset="-127"/>
-              </a:rPr>
-              <a:t> </a:t>
-            </a:r>
-            <a:r>
-              <a:rPr lang="en-US" altLang="ko-KR" b="0">
-                <a:solidFill>
-                  <a:srgbClr val="82AAFF"/>
-                </a:solidFill>
-                <a:effectLst/>
-                <a:latin typeface="빙그레 메로나체" panose="020B0503000000000000" pitchFamily="50" charset="-127"/>
-                <a:ea typeface="빙그레 메로나체" panose="020B0503000000000000" pitchFamily="50" charset="-127"/>
-              </a:rPr>
-              <a:t>useCallback</a:t>
-            </a:r>
-            <a:r>
-              <a:rPr lang="en-US" altLang="ko-KR" b="0">
-                <a:solidFill>
-                  <a:srgbClr val="F07178"/>
-                </a:solidFill>
-                <a:effectLst/>
-                <a:latin typeface="빙그레 메로나체" panose="020B0503000000000000" pitchFamily="50" charset="-127"/>
-                <a:ea typeface="빙그레 메로나체" panose="020B0503000000000000" pitchFamily="50" charset="-127"/>
-              </a:rPr>
-              <a:t>(</a:t>
-            </a:r>
-            <a:r>
-              <a:rPr lang="en-US" altLang="ko-KR" b="0">
-                <a:solidFill>
-                  <a:srgbClr val="89DDFF"/>
-                </a:solidFill>
-                <a:effectLst/>
-                <a:latin typeface="빙그레 메로나체" panose="020B0503000000000000" pitchFamily="50" charset="-127"/>
-                <a:ea typeface="빙그레 메로나체" panose="020B0503000000000000" pitchFamily="50" charset="-127"/>
-              </a:rPr>
-              <a:t>()</a:t>
-            </a:r>
-            <a:r>
-              <a:rPr lang="en-US" altLang="ko-KR" b="0">
-                <a:solidFill>
-                  <a:srgbClr val="F07178"/>
-                </a:solidFill>
-                <a:effectLst/>
-                <a:latin typeface="빙그레 메로나체" panose="020B0503000000000000" pitchFamily="50" charset="-127"/>
-                <a:ea typeface="빙그레 메로나체" panose="020B0503000000000000" pitchFamily="50" charset="-127"/>
-              </a:rPr>
-              <a:t> </a:t>
-            </a:r>
-            <a:r>
-              <a:rPr lang="en-US" altLang="ko-KR" b="0">
-                <a:solidFill>
-                  <a:srgbClr val="C792EA"/>
-                </a:solidFill>
-                <a:effectLst/>
-                <a:latin typeface="빙그레 메로나체" panose="020B0503000000000000" pitchFamily="50" charset="-127"/>
-                <a:ea typeface="빙그레 메로나체" panose="020B0503000000000000" pitchFamily="50" charset="-127"/>
-              </a:rPr>
-              <a:t>=&gt;</a:t>
-            </a:r>
-            <a:r>
-              <a:rPr lang="en-US" altLang="ko-KR" b="0">
-                <a:solidFill>
-                  <a:srgbClr val="F07178"/>
-                </a:solidFill>
-                <a:effectLst/>
-                <a:latin typeface="빙그레 메로나체" panose="020B0503000000000000" pitchFamily="50" charset="-127"/>
-                <a:ea typeface="빙그레 메로나체" panose="020B0503000000000000" pitchFamily="50" charset="-127"/>
-              </a:rPr>
-              <a:t> </a:t>
-            </a:r>
-            <a:r>
-              <a:rPr lang="en-US" altLang="ko-KR" b="0">
-                <a:solidFill>
-                  <a:srgbClr val="82AAFF"/>
-                </a:solidFill>
-                <a:effectLst/>
-                <a:latin typeface="빙그레 메로나체" panose="020B0503000000000000" pitchFamily="50" charset="-127"/>
-                <a:ea typeface="빙그레 메로나체" panose="020B0503000000000000" pitchFamily="50" charset="-127"/>
-              </a:rPr>
-              <a:t>printInput</a:t>
-            </a:r>
-            <a:r>
-              <a:rPr lang="en-US" altLang="ko-KR" b="0">
-                <a:solidFill>
-                  <a:srgbClr val="F07178"/>
-                </a:solidFill>
-                <a:effectLst/>
-                <a:latin typeface="빙그레 메로나체" panose="020B0503000000000000" pitchFamily="50" charset="-127"/>
-                <a:ea typeface="빙그레 메로나체" panose="020B0503000000000000" pitchFamily="50" charset="-127"/>
-              </a:rPr>
-              <a:t>()</a:t>
-            </a:r>
-            <a:r>
-              <a:rPr lang="en-US" altLang="ko-KR" b="0">
-                <a:solidFill>
-                  <a:srgbClr val="89DDFF"/>
-                </a:solidFill>
-                <a:effectLst/>
-                <a:latin typeface="빙그레 메로나체" panose="020B0503000000000000" pitchFamily="50" charset="-127"/>
-                <a:ea typeface="빙그레 메로나체" panose="020B0503000000000000" pitchFamily="50" charset="-127"/>
-              </a:rPr>
-              <a:t>,</a:t>
-            </a:r>
-            <a:r>
-              <a:rPr lang="en-US" altLang="ko-KR" b="0">
-                <a:solidFill>
-                  <a:srgbClr val="F07178"/>
-                </a:solidFill>
-                <a:effectLst/>
-                <a:latin typeface="빙그레 메로나체" panose="020B0503000000000000" pitchFamily="50" charset="-127"/>
-                <a:ea typeface="빙그레 메로나체" panose="020B0503000000000000" pitchFamily="50" charset="-127"/>
-              </a:rPr>
-              <a:t> [])</a:t>
-            </a:r>
-            <a:r>
-              <a:rPr lang="en-US" altLang="ko-KR" b="0">
-                <a:solidFill>
-                  <a:srgbClr val="89DDFF"/>
-                </a:solidFill>
-                <a:effectLst/>
-                <a:latin typeface="빙그레 메로나체" panose="020B0503000000000000" pitchFamily="50" charset="-127"/>
-                <a:ea typeface="빙그레 메로나체" panose="020B0503000000000000" pitchFamily="50" charset="-127"/>
-              </a:rPr>
-              <a:t>;</a:t>
+                  <a:srgbClr val="89DDFF"/>
+                </a:solidFill>
+                <a:effectLst/>
+                <a:latin typeface="빙그레 메로나체" panose="020B0503000000000000" pitchFamily="50" charset="-127"/>
+                <a:ea typeface="빙그레 메로나체" panose="020B0503000000000000" pitchFamily="50" charset="-127"/>
+              </a:rPr>
+              <a:t>};</a:t>
             </a:r>
             <a:endParaRPr lang="en-US" altLang="ko-KR" b="0">
               <a:solidFill>
@@ -33498,7 +33905,106 @@
                 <a:latin typeface="빙그레 메로나체" panose="020B0503000000000000" pitchFamily="50" charset="-127"/>
                 <a:ea typeface="빙그레 메로나체" panose="020B0503000000000000" pitchFamily="50" charset="-127"/>
               </a:rPr>
-              <a:t>  ...</a:t>
+              <a:t>  </a:t>
+            </a:r>
+            <a:r>
+              <a:rPr lang="en-US" altLang="ko-KR" b="0">
+                <a:solidFill>
+                  <a:srgbClr val="82AAFF"/>
+                </a:solidFill>
+                <a:effectLst/>
+                <a:latin typeface="빙그레 메로나체" panose="020B0503000000000000" pitchFamily="50" charset="-127"/>
+                <a:ea typeface="빙그레 메로나체" panose="020B0503000000000000" pitchFamily="50" charset="-127"/>
+              </a:rPr>
+              <a:t>useEffect</a:t>
+            </a:r>
+            <a:r>
+              <a:rPr lang="en-US" altLang="ko-KR" b="0">
+                <a:solidFill>
+                  <a:srgbClr val="F07178"/>
+                </a:solidFill>
+                <a:effectLst/>
+                <a:latin typeface="빙그레 메로나체" panose="020B0503000000000000" pitchFamily="50" charset="-127"/>
+                <a:ea typeface="빙그레 메로나체" panose="020B0503000000000000" pitchFamily="50" charset="-127"/>
+              </a:rPr>
+              <a:t>(</a:t>
+            </a:r>
+            <a:r>
+              <a:rPr lang="en-US" altLang="ko-KR" b="0">
+                <a:solidFill>
+                  <a:srgbClr val="89DDFF"/>
+                </a:solidFill>
+                <a:effectLst/>
+                <a:latin typeface="빙그레 메로나체" panose="020B0503000000000000" pitchFamily="50" charset="-127"/>
+                <a:ea typeface="빙그레 메로나체" panose="020B0503000000000000" pitchFamily="50" charset="-127"/>
+              </a:rPr>
+              <a:t>()</a:t>
+            </a:r>
+            <a:r>
+              <a:rPr lang="en-US" altLang="ko-KR" b="0">
+                <a:solidFill>
+                  <a:srgbClr val="F07178"/>
+                </a:solidFill>
+                <a:effectLst/>
+                <a:latin typeface="빙그레 메로나체" panose="020B0503000000000000" pitchFamily="50" charset="-127"/>
+                <a:ea typeface="빙그레 메로나체" panose="020B0503000000000000" pitchFamily="50" charset="-127"/>
+              </a:rPr>
+              <a:t> </a:t>
+            </a:r>
+            <a:r>
+              <a:rPr lang="en-US" altLang="ko-KR" b="0">
+                <a:solidFill>
+                  <a:srgbClr val="C792EA"/>
+                </a:solidFill>
+                <a:effectLst/>
+                <a:latin typeface="빙그레 메로나체" panose="020B0503000000000000" pitchFamily="50" charset="-127"/>
+                <a:ea typeface="빙그레 메로나체" panose="020B0503000000000000" pitchFamily="50" charset="-127"/>
+              </a:rPr>
+              <a:t>=&gt;</a:t>
+            </a:r>
+            <a:r>
+              <a:rPr lang="en-US" altLang="ko-KR" b="0">
+                <a:solidFill>
+                  <a:srgbClr val="F07178"/>
+                </a:solidFill>
+                <a:effectLst/>
+                <a:latin typeface="빙그레 메로나체" panose="020B0503000000000000" pitchFamily="50" charset="-127"/>
+                <a:ea typeface="빙그레 메로나체" panose="020B0503000000000000" pitchFamily="50" charset="-127"/>
+              </a:rPr>
+              <a:t> </a:t>
+            </a:r>
+            <a:r>
+              <a:rPr lang="en-US" altLang="ko-KR" b="0">
+                <a:solidFill>
+                  <a:srgbClr val="82AAFF"/>
+                </a:solidFill>
+                <a:effectLst/>
+                <a:latin typeface="빙그레 메로나체" panose="020B0503000000000000" pitchFamily="50" charset="-127"/>
+                <a:ea typeface="빙그레 메로나체" panose="020B0503000000000000" pitchFamily="50" charset="-127"/>
+              </a:rPr>
+              <a:t>printInput</a:t>
+            </a:r>
+            <a:r>
+              <a:rPr lang="en-US" altLang="ko-KR" b="0">
+                <a:solidFill>
+                  <a:srgbClr val="F07178"/>
+                </a:solidFill>
+                <a:effectLst/>
+                <a:latin typeface="빙그레 메로나체" panose="020B0503000000000000" pitchFamily="50" charset="-127"/>
+                <a:ea typeface="빙그레 메로나체" panose="020B0503000000000000" pitchFamily="50" charset="-127"/>
+              </a:rPr>
+              <a:t>())</a:t>
+            </a:r>
+            <a:r>
+              <a:rPr lang="en-US" altLang="ko-KR" b="0">
+                <a:solidFill>
+                  <a:srgbClr val="89DDFF"/>
+                </a:solidFill>
+                <a:effectLst/>
+                <a:latin typeface="빙그레 메로나체" panose="020B0503000000000000" pitchFamily="50" charset="-127"/>
+                <a:ea typeface="빙그레 메로나체" panose="020B0503000000000000" pitchFamily="50" charset="-127"/>
+              </a:rPr>
+              <a:t>;</a:t>
             </a:r>
             <a:endParaRPr lang="en-US" altLang="ko-KR" b="0">
               <a:solidFill>
@@ -33509,14 +34015,84 @@
               <a:ea typeface="빙그레 메로나체" panose="020B0503000000000000" pitchFamily="50" charset="-127"/>
             </a:endParaRPr>
           </a:p>
+          <a:p>
+            <a:r>
+              <a:rPr lang="en-US" altLang="ko-KR" b="0">
+                <a:solidFill>
+                  <a:srgbClr val="F07178"/>
+                </a:solidFill>
+                <a:effectLst/>
+                <a:latin typeface="빙그레 메로나체" panose="020B0503000000000000" pitchFamily="50" charset="-127"/>
+                <a:ea typeface="빙그레 메로나체" panose="020B0503000000000000" pitchFamily="50" charset="-127"/>
+              </a:rPr>
+              <a:t>  ...</a:t>
+            </a:r>
+            <a:endParaRPr lang="en-US" altLang="ko-KR" b="0">
+              <a:solidFill>
+                <a:srgbClr val="EEFFFF"/>
+              </a:solidFill>
+              <a:effectLst/>
+              <a:latin typeface="빙그레 메로나체" panose="020B0503000000000000" pitchFamily="50" charset="-127"/>
+              <a:ea typeface="빙그레 메로나체" panose="020B0503000000000000" pitchFamily="50" charset="-127"/>
+            </a:endParaRPr>
+          </a:p>
+        </p:txBody>
+      </p:sp>
+      <p:sp>
+        <p:nvSpPr>
+          <p:cNvPr id="16" name="TextBox 15">
+            <a:extLst>
+              <a:ext uri="{FF2B5EF4-FFF2-40B4-BE49-F238E27FC236}">
+                <a16:creationId xmlns:a16="http://schemas.microsoft.com/office/drawing/2014/main" id="{7064C7D1-4F4D-4883-85CF-A94DCB352E7C}"/>
+              </a:ext>
+            </a:extLst>
+          </p:cNvPr>
+          <p:cNvSpPr txBox="1"/>
+          <p:nvPr/>
+        </p:nvSpPr>
+        <p:spPr>
+          <a:xfrm>
+            <a:off x="7055936" y="6049855"/>
+            <a:ext cx="3326130" cy="369332"/>
+          </a:xfrm>
+          <a:prstGeom prst="rect">
+            <a:avLst/>
+          </a:prstGeom>
+          <a:noFill/>
+          <a:ln>
+            <a:noFill/>
+          </a:ln>
+        </p:spPr>
+        <p:txBody>
+          <a:bodyPr wrap="square" rtlCol="0">
+            <a:spAutoFit/>
+          </a:bodyPr>
+          <a:lstStyle/>
+          <a:p>
+            <a:pPr algn="ctr"/>
+            <a:r>
+              <a:rPr lang="en-US" altLang="ko-KR">
+                <a:ln>
+                  <a:solidFill>
+                    <a:schemeClr val="tx1">
+                      <a:alpha val="30000"/>
+                    </a:schemeClr>
+                  </a:solidFill>
+                </a:ln>
+                <a:latin typeface="빙그레 메로나체" panose="020B0503000000000000" pitchFamily="50" charset="-127"/>
+                <a:ea typeface="빙그레 메로나체" panose="020B0503000000000000" pitchFamily="50" charset="-127"/>
+              </a:rPr>
+              <a:t>useCallback - no deps </a:t>
+            </a:r>
+          </a:p>
         </p:txBody>
       </p:sp>
       <p:pic>
         <p:nvPicPr>
-          <p:cNvPr id="7" name="그림 6">
+          <p:cNvPr id="3" name="그림 2">
             <a:extLst>
               <a:ext uri="{FF2B5EF4-FFF2-40B4-BE49-F238E27FC236}">
-                <a16:creationId xmlns:a16="http://schemas.microsoft.com/office/drawing/2014/main" id="{BD173E65-C329-4449-B225-CD8E0F0130D3}"/>
+                <a16:creationId xmlns:a16="http://schemas.microsoft.com/office/drawing/2014/main" id="{586DE9EF-3644-448B-84D2-65AB5106A079}"/>
               </a:ext>
             </a:extLst>
           </p:cNvPr>
@@ -33533,8 +34109,8 @@
         </p:blipFill>
         <p:spPr>
           <a:xfrm>
-            <a:off x="7650725" y="2392922"/>
-            <a:ext cx="3487523" cy="3478489"/>
+            <a:off x="6606870" y="2132843"/>
+            <a:ext cx="4224262" cy="3641605"/>
           </a:xfrm>
           <a:prstGeom prst="rect">
             <a:avLst/>
@@ -33546,54 +34122,6 @@
           </a:ln>
         </p:spPr>
       </p:pic>
-      <p:sp>
-        <p:nvSpPr>
-          <p:cNvPr id="16" name="TextBox 15">
-            <a:extLst>
-              <a:ext uri="{FF2B5EF4-FFF2-40B4-BE49-F238E27FC236}">
-                <a16:creationId xmlns:a16="http://schemas.microsoft.com/office/drawing/2014/main" id="{7064C7D1-4F4D-4883-85CF-A94DCB352E7C}"/>
-              </a:ext>
-            </a:extLst>
-          </p:cNvPr>
-          <p:cNvSpPr txBox="1"/>
-          <p:nvPr/>
-        </p:nvSpPr>
-        <p:spPr>
-          <a:xfrm>
-            <a:off x="8174757" y="6070988"/>
-            <a:ext cx="3326130" cy="369332"/>
-          </a:xfrm>
-          <a:prstGeom prst="rect">
-            <a:avLst/>
-          </a:prstGeom>
-          <a:noFill/>
-          <a:ln>
-            <a:noFill/>
-          </a:ln>
-        </p:spPr>
-        <p:txBody>
-          <a:bodyPr wrap="square" rtlCol="0">
-            <a:spAutoFit/>
-          </a:bodyPr>
-          <a:lstStyle/>
-          <a:p>
-            <a:r>
-              <a:rPr lang="en-US" altLang="ko-KR">
-                <a:ln>
-                  <a:solidFill>
-                    <a:schemeClr val="tx1">
-                      <a:alpha val="30000"/>
-                    </a:schemeClr>
-                  </a:solidFill>
-                </a:ln>
-                <a:latin typeface="빙그레 메로나체" panose="020B0503000000000000" pitchFamily="50" charset="-127"/>
-                <a:ea typeface="빙그레 메로나체" panose="020B0503000000000000" pitchFamily="50" charset="-127"/>
-              </a:rPr>
-              <a:t>useCallback - no deps </a:t>
-            </a:r>
-          </a:p>
-        </p:txBody>
-      </p:sp>
     </p:spTree>
     <p:extLst>
       <p:ext uri="{BB962C8B-B14F-4D97-AF65-F5344CB8AC3E}">
@@ -33827,81 +34355,10 @@
       </p:sp>
       <p:sp>
         <p:nvSpPr>
-          <p:cNvPr id="14" name="사각형: 둥근 모서리 13">
+          <p:cNvPr id="9" name="TextBox 8">
             <a:extLst>
               <a:ext uri="{FF2B5EF4-FFF2-40B4-BE49-F238E27FC236}">
-                <a16:creationId xmlns:a16="http://schemas.microsoft.com/office/drawing/2014/main" id="{B1EB39EA-9BD1-49B7-A4F0-0661AE6E94F9}"/>
-              </a:ext>
-            </a:extLst>
-          </p:cNvPr>
-          <p:cNvSpPr/>
-          <p:nvPr/>
-        </p:nvSpPr>
-        <p:spPr>
-          <a:xfrm>
-            <a:off x="640080" y="1269625"/>
-            <a:ext cx="2021840" cy="529293"/>
-          </a:xfrm>
-          <a:prstGeom prst="roundRect">
-            <a:avLst/>
-          </a:prstGeom>
-          <a:solidFill>
-            <a:schemeClr val="accent1">
-              <a:lumMod val="20000"/>
-              <a:lumOff val="80000"/>
-            </a:schemeClr>
-          </a:solidFill>
-          <a:ln>
-            <a:noFill/>
-          </a:ln>
-        </p:spPr>
-        <p:style>
-          <a:lnRef idx="2">
-            <a:schemeClr val="accent1">
-              <a:shade val="50000"/>
-            </a:schemeClr>
-          </a:lnRef>
-          <a:fillRef idx="1">
-            <a:schemeClr val="accent1"/>
-          </a:fillRef>
-          <a:effectRef idx="0">
-            <a:schemeClr val="accent1"/>
-          </a:effectRef>
-          <a:fontRef idx="minor">
-            <a:schemeClr val="lt1"/>
-          </a:fontRef>
-        </p:style>
-        <p:txBody>
-          <a:bodyPr rtlCol="0" anchor="ctr"/>
-          <a:lstStyle/>
-          <a:p>
-            <a:pPr algn="ctr"/>
-            <a:r>
-              <a:rPr lang="en-US" altLang="ko-KR" sz="2400">
-                <a:ln>
-                  <a:solidFill>
-                    <a:schemeClr val="tx1">
-                      <a:alpha val="30000"/>
-                    </a:schemeClr>
-                  </a:solidFill>
-                </a:ln>
-                <a:solidFill>
-                  <a:schemeClr val="tx1"/>
-                </a:solidFill>
-                <a:latin typeface="빙그레 메로나체" panose="020B0503000000000000" pitchFamily="50" charset="-127"/>
-                <a:ea typeface="빙그레 메로나체" panose="020B0503000000000000" pitchFamily="50" charset="-127"/>
-              </a:rPr>
-              <a:t>useCallback</a:t>
-            </a:r>
-          </a:p>
-        </p:txBody>
-      </p:sp>
-      <p:sp>
-        <p:nvSpPr>
-          <p:cNvPr id="15" name="TextBox 14">
-            <a:extLst>
-              <a:ext uri="{FF2B5EF4-FFF2-40B4-BE49-F238E27FC236}">
-                <a16:creationId xmlns:a16="http://schemas.microsoft.com/office/drawing/2014/main" id="{03A6F7B5-ED82-4AAC-B1D2-371FD3E78F06}"/>
+                <a16:creationId xmlns:a16="http://schemas.microsoft.com/office/drawing/2014/main" id="{CB814D13-821D-4EE5-87D7-8A75633AFB8D}"/>
               </a:ext>
             </a:extLst>
           </p:cNvPr>
@@ -33910,8 +34367,1718 @@
         </p:nvSpPr>
         <p:spPr>
           <a:xfrm>
-            <a:off x="2790190" y="1211105"/>
-            <a:ext cx="9401810" cy="1200329"/>
+            <a:off x="1265861" y="1546304"/>
+            <a:ext cx="4735693" cy="4247317"/>
+          </a:xfrm>
+          <a:prstGeom prst="rect">
+            <a:avLst/>
+          </a:prstGeom>
+          <a:solidFill>
+            <a:schemeClr val="tx1"/>
+          </a:solidFill>
+        </p:spPr>
+        <p:txBody>
+          <a:bodyPr wrap="square">
+            <a:spAutoFit/>
+          </a:bodyPr>
+          <a:lstStyle/>
+          <a:p>
+            <a:r>
+              <a:rPr lang="en-US" altLang="ko-KR" b="0">
+                <a:solidFill>
+                  <a:srgbClr val="C792EA"/>
+                </a:solidFill>
+                <a:effectLst/>
+                <a:latin typeface="빙그레 메로나체" panose="020B0503000000000000" pitchFamily="50" charset="-127"/>
+                <a:ea typeface="빙그레 메로나체" panose="020B0503000000000000" pitchFamily="50" charset="-127"/>
+              </a:rPr>
+              <a:t>const</a:t>
+            </a:r>
+            <a:r>
+              <a:rPr lang="en-US" altLang="ko-KR" b="0">
+                <a:solidFill>
+                  <a:srgbClr val="EEFFFF"/>
+                </a:solidFill>
+                <a:effectLst/>
+                <a:latin typeface="빙그레 메로나체" panose="020B0503000000000000" pitchFamily="50" charset="-127"/>
+                <a:ea typeface="빙그레 메로나체" panose="020B0503000000000000" pitchFamily="50" charset="-127"/>
+              </a:rPr>
+              <a:t> </a:t>
+            </a:r>
+            <a:r>
+              <a:rPr lang="en-US" altLang="ko-KR" b="0">
+                <a:solidFill>
+                  <a:srgbClr val="82AAFF"/>
+                </a:solidFill>
+                <a:effectLst/>
+                <a:latin typeface="빙그레 메로나체" panose="020B0503000000000000" pitchFamily="50" charset="-127"/>
+                <a:ea typeface="빙그레 메로나체" panose="020B0503000000000000" pitchFamily="50" charset="-127"/>
+              </a:rPr>
+              <a:t>App</a:t>
+            </a:r>
+            <a:r>
+              <a:rPr lang="en-US" altLang="ko-KR" b="0">
+                <a:solidFill>
+                  <a:srgbClr val="EEFFFF"/>
+                </a:solidFill>
+                <a:effectLst/>
+                <a:latin typeface="빙그레 메로나체" panose="020B0503000000000000" pitchFamily="50" charset="-127"/>
+                <a:ea typeface="빙그레 메로나체" panose="020B0503000000000000" pitchFamily="50" charset="-127"/>
+              </a:rPr>
+              <a:t> </a:t>
+            </a:r>
+            <a:r>
+              <a:rPr lang="en-US" altLang="ko-KR" b="0">
+                <a:solidFill>
+                  <a:srgbClr val="89DDFF"/>
+                </a:solidFill>
+                <a:effectLst/>
+                <a:latin typeface="빙그레 메로나체" panose="020B0503000000000000" pitchFamily="50" charset="-127"/>
+                <a:ea typeface="빙그레 메로나체" panose="020B0503000000000000" pitchFamily="50" charset="-127"/>
+              </a:rPr>
+              <a:t>=</a:t>
+            </a:r>
+            <a:r>
+              <a:rPr lang="en-US" altLang="ko-KR" b="0">
+                <a:solidFill>
+                  <a:srgbClr val="EEFFFF"/>
+                </a:solidFill>
+                <a:effectLst/>
+                <a:latin typeface="빙그레 메로나체" panose="020B0503000000000000" pitchFamily="50" charset="-127"/>
+                <a:ea typeface="빙그레 메로나체" panose="020B0503000000000000" pitchFamily="50" charset="-127"/>
+              </a:rPr>
+              <a:t> </a:t>
+            </a:r>
+            <a:r>
+              <a:rPr lang="en-US" altLang="ko-KR" b="0">
+                <a:solidFill>
+                  <a:srgbClr val="89DDFF"/>
+                </a:solidFill>
+                <a:effectLst/>
+                <a:latin typeface="빙그레 메로나체" panose="020B0503000000000000" pitchFamily="50" charset="-127"/>
+                <a:ea typeface="빙그레 메로나체" panose="020B0503000000000000" pitchFamily="50" charset="-127"/>
+              </a:rPr>
+              <a:t>()</a:t>
+            </a:r>
+            <a:r>
+              <a:rPr lang="en-US" altLang="ko-KR" b="0">
+                <a:solidFill>
+                  <a:srgbClr val="EEFFFF"/>
+                </a:solidFill>
+                <a:effectLst/>
+                <a:latin typeface="빙그레 메로나체" panose="020B0503000000000000" pitchFamily="50" charset="-127"/>
+                <a:ea typeface="빙그레 메로나체" panose="020B0503000000000000" pitchFamily="50" charset="-127"/>
+              </a:rPr>
+              <a:t> </a:t>
+            </a:r>
+            <a:r>
+              <a:rPr lang="en-US" altLang="ko-KR" b="0">
+                <a:solidFill>
+                  <a:srgbClr val="C792EA"/>
+                </a:solidFill>
+                <a:effectLst/>
+                <a:latin typeface="빙그레 메로나체" panose="020B0503000000000000" pitchFamily="50" charset="-127"/>
+                <a:ea typeface="빙그레 메로나체" panose="020B0503000000000000" pitchFamily="50" charset="-127"/>
+              </a:rPr>
+              <a:t>=&gt;</a:t>
+            </a:r>
+            <a:r>
+              <a:rPr lang="en-US" altLang="ko-KR" b="0">
+                <a:solidFill>
+                  <a:srgbClr val="EEFFFF"/>
+                </a:solidFill>
+                <a:effectLst/>
+                <a:latin typeface="빙그레 메로나체" panose="020B0503000000000000" pitchFamily="50" charset="-127"/>
+                <a:ea typeface="빙그레 메로나체" panose="020B0503000000000000" pitchFamily="50" charset="-127"/>
+              </a:rPr>
+              <a:t> </a:t>
+            </a:r>
+            <a:r>
+              <a:rPr lang="en-US" altLang="ko-KR" b="0">
+                <a:solidFill>
+                  <a:srgbClr val="89DDFF"/>
+                </a:solidFill>
+                <a:effectLst/>
+                <a:latin typeface="빙그레 메로나체" panose="020B0503000000000000" pitchFamily="50" charset="-127"/>
+                <a:ea typeface="빙그레 메로나체" panose="020B0503000000000000" pitchFamily="50" charset="-127"/>
+              </a:rPr>
+              <a:t>{</a:t>
+            </a:r>
+            <a:endParaRPr lang="en-US" altLang="ko-KR" b="0">
+              <a:solidFill>
+                <a:srgbClr val="EEFFFF"/>
+              </a:solidFill>
+              <a:effectLst/>
+              <a:latin typeface="빙그레 메로나체" panose="020B0503000000000000" pitchFamily="50" charset="-127"/>
+              <a:ea typeface="빙그레 메로나체" panose="020B0503000000000000" pitchFamily="50" charset="-127"/>
+            </a:endParaRPr>
+          </a:p>
+          <a:p>
+            <a:r>
+              <a:rPr lang="en-US" altLang="ko-KR" b="0">
+                <a:solidFill>
+                  <a:srgbClr val="F07178"/>
+                </a:solidFill>
+                <a:effectLst/>
+                <a:latin typeface="빙그레 메로나체" panose="020B0503000000000000" pitchFamily="50" charset="-127"/>
+                <a:ea typeface="빙그레 메로나체" panose="020B0503000000000000" pitchFamily="50" charset="-127"/>
+              </a:rPr>
+              <a:t>  </a:t>
+            </a:r>
+            <a:r>
+              <a:rPr lang="en-US" altLang="ko-KR" b="0">
+                <a:solidFill>
+                  <a:srgbClr val="C792EA"/>
+                </a:solidFill>
+                <a:effectLst/>
+                <a:latin typeface="빙그레 메로나체" panose="020B0503000000000000" pitchFamily="50" charset="-127"/>
+                <a:ea typeface="빙그레 메로나체" panose="020B0503000000000000" pitchFamily="50" charset="-127"/>
+              </a:rPr>
+              <a:t>const</a:t>
+            </a:r>
+            <a:r>
+              <a:rPr lang="en-US" altLang="ko-KR" b="0">
+                <a:solidFill>
+                  <a:srgbClr val="F07178"/>
+                </a:solidFill>
+                <a:effectLst/>
+                <a:latin typeface="빙그레 메로나체" panose="020B0503000000000000" pitchFamily="50" charset="-127"/>
+                <a:ea typeface="빙그레 메로나체" panose="020B0503000000000000" pitchFamily="50" charset="-127"/>
+              </a:rPr>
+              <a:t> </a:t>
+            </a:r>
+            <a:r>
+              <a:rPr lang="en-US" altLang="ko-KR" b="0">
+                <a:solidFill>
+                  <a:srgbClr val="89DDFF"/>
+                </a:solidFill>
+                <a:effectLst/>
+                <a:latin typeface="빙그레 메로나체" panose="020B0503000000000000" pitchFamily="50" charset="-127"/>
+                <a:ea typeface="빙그레 메로나체" panose="020B0503000000000000" pitchFamily="50" charset="-127"/>
+              </a:rPr>
+              <a:t>[</a:t>
+            </a:r>
+            <a:r>
+              <a:rPr lang="en-US" altLang="ko-KR" b="0">
+                <a:solidFill>
+                  <a:srgbClr val="EEFFFF"/>
+                </a:solidFill>
+                <a:effectLst/>
+                <a:latin typeface="빙그레 메로나체" panose="020B0503000000000000" pitchFamily="50" charset="-127"/>
+                <a:ea typeface="빙그레 메로나체" panose="020B0503000000000000" pitchFamily="50" charset="-127"/>
+              </a:rPr>
+              <a:t>flag</a:t>
+            </a:r>
+            <a:r>
+              <a:rPr lang="en-US" altLang="ko-KR" b="0">
+                <a:solidFill>
+                  <a:srgbClr val="89DDFF"/>
+                </a:solidFill>
+                <a:effectLst/>
+                <a:latin typeface="빙그레 메로나체" panose="020B0503000000000000" pitchFamily="50" charset="-127"/>
+                <a:ea typeface="빙그레 메로나체" panose="020B0503000000000000" pitchFamily="50" charset="-127"/>
+              </a:rPr>
+              <a:t>,</a:t>
+            </a:r>
+            <a:r>
+              <a:rPr lang="en-US" altLang="ko-KR" b="0">
+                <a:solidFill>
+                  <a:srgbClr val="F07178"/>
+                </a:solidFill>
+                <a:effectLst/>
+                <a:latin typeface="빙그레 메로나체" panose="020B0503000000000000" pitchFamily="50" charset="-127"/>
+                <a:ea typeface="빙그레 메로나체" panose="020B0503000000000000" pitchFamily="50" charset="-127"/>
+              </a:rPr>
+              <a:t> </a:t>
+            </a:r>
+            <a:r>
+              <a:rPr lang="en-US" altLang="ko-KR" b="0">
+                <a:solidFill>
+                  <a:srgbClr val="82AAFF"/>
+                </a:solidFill>
+                <a:effectLst/>
+                <a:latin typeface="빙그레 메로나체" panose="020B0503000000000000" pitchFamily="50" charset="-127"/>
+                <a:ea typeface="빙그레 메로나체" panose="020B0503000000000000" pitchFamily="50" charset="-127"/>
+              </a:rPr>
+              <a:t>setFlag</a:t>
+            </a:r>
+            <a:r>
+              <a:rPr lang="en-US" altLang="ko-KR" b="0">
+                <a:solidFill>
+                  <a:srgbClr val="89DDFF"/>
+                </a:solidFill>
+                <a:effectLst/>
+                <a:latin typeface="빙그레 메로나체" panose="020B0503000000000000" pitchFamily="50" charset="-127"/>
+                <a:ea typeface="빙그레 메로나체" panose="020B0503000000000000" pitchFamily="50" charset="-127"/>
+              </a:rPr>
+              <a:t>]</a:t>
+            </a:r>
+            <a:r>
+              <a:rPr lang="en-US" altLang="ko-KR" b="0">
+                <a:solidFill>
+                  <a:srgbClr val="F07178"/>
+                </a:solidFill>
+                <a:effectLst/>
+                <a:latin typeface="빙그레 메로나체" panose="020B0503000000000000" pitchFamily="50" charset="-127"/>
+                <a:ea typeface="빙그레 메로나체" panose="020B0503000000000000" pitchFamily="50" charset="-127"/>
+              </a:rPr>
+              <a:t> </a:t>
+            </a:r>
+            <a:r>
+              <a:rPr lang="en-US" altLang="ko-KR" b="0">
+                <a:solidFill>
+                  <a:srgbClr val="89DDFF"/>
+                </a:solidFill>
+                <a:effectLst/>
+                <a:latin typeface="빙그레 메로나체" panose="020B0503000000000000" pitchFamily="50" charset="-127"/>
+                <a:ea typeface="빙그레 메로나체" panose="020B0503000000000000" pitchFamily="50" charset="-127"/>
+              </a:rPr>
+              <a:t>=</a:t>
+            </a:r>
+            <a:r>
+              <a:rPr lang="en-US" altLang="ko-KR" b="0">
+                <a:solidFill>
+                  <a:srgbClr val="F07178"/>
+                </a:solidFill>
+                <a:effectLst/>
+                <a:latin typeface="빙그레 메로나체" panose="020B0503000000000000" pitchFamily="50" charset="-127"/>
+                <a:ea typeface="빙그레 메로나체" panose="020B0503000000000000" pitchFamily="50" charset="-127"/>
+              </a:rPr>
+              <a:t> </a:t>
+            </a:r>
+            <a:r>
+              <a:rPr lang="en-US" altLang="ko-KR" b="0">
+                <a:solidFill>
+                  <a:srgbClr val="82AAFF"/>
+                </a:solidFill>
+                <a:effectLst/>
+                <a:latin typeface="빙그레 메로나체" panose="020B0503000000000000" pitchFamily="50" charset="-127"/>
+                <a:ea typeface="빙그레 메로나체" panose="020B0503000000000000" pitchFamily="50" charset="-127"/>
+              </a:rPr>
+              <a:t>useState</a:t>
+            </a:r>
+            <a:r>
+              <a:rPr lang="en-US" altLang="ko-KR" b="0">
+                <a:solidFill>
+                  <a:srgbClr val="F07178"/>
+                </a:solidFill>
+                <a:effectLst/>
+                <a:latin typeface="빙그레 메로나체" panose="020B0503000000000000" pitchFamily="50" charset="-127"/>
+                <a:ea typeface="빙그레 메로나체" panose="020B0503000000000000" pitchFamily="50" charset="-127"/>
+              </a:rPr>
+              <a:t>(</a:t>
+            </a:r>
+            <a:r>
+              <a:rPr lang="en-US" altLang="ko-KR" b="0">
+                <a:solidFill>
+                  <a:srgbClr val="FF9CAC"/>
+                </a:solidFill>
+                <a:effectLst/>
+                <a:latin typeface="빙그레 메로나체" panose="020B0503000000000000" pitchFamily="50" charset="-127"/>
+                <a:ea typeface="빙그레 메로나체" panose="020B0503000000000000" pitchFamily="50" charset="-127"/>
+              </a:rPr>
+              <a:t>false</a:t>
+            </a:r>
+            <a:r>
+              <a:rPr lang="en-US" altLang="ko-KR" b="0">
+                <a:solidFill>
+                  <a:srgbClr val="F07178"/>
+                </a:solidFill>
+                <a:effectLst/>
+                <a:latin typeface="빙그레 메로나체" panose="020B0503000000000000" pitchFamily="50" charset="-127"/>
+                <a:ea typeface="빙그레 메로나체" panose="020B0503000000000000" pitchFamily="50" charset="-127"/>
+              </a:rPr>
+              <a:t>)</a:t>
+            </a:r>
+            <a:r>
+              <a:rPr lang="en-US" altLang="ko-KR" b="0">
+                <a:solidFill>
+                  <a:srgbClr val="89DDFF"/>
+                </a:solidFill>
+                <a:effectLst/>
+                <a:latin typeface="빙그레 메로나체" panose="020B0503000000000000" pitchFamily="50" charset="-127"/>
+                <a:ea typeface="빙그레 메로나체" panose="020B0503000000000000" pitchFamily="50" charset="-127"/>
+              </a:rPr>
+              <a:t>;</a:t>
+            </a:r>
+            <a:endParaRPr lang="en-US" altLang="ko-KR" b="0">
+              <a:solidFill>
+                <a:srgbClr val="EEFFFF"/>
+              </a:solidFill>
+              <a:effectLst/>
+              <a:latin typeface="빙그레 메로나체" panose="020B0503000000000000" pitchFamily="50" charset="-127"/>
+              <a:ea typeface="빙그레 메로나체" panose="020B0503000000000000" pitchFamily="50" charset="-127"/>
+            </a:endParaRPr>
+          </a:p>
+          <a:p>
+            <a:r>
+              <a:rPr lang="en-US" altLang="ko-KR" b="0">
+                <a:solidFill>
+                  <a:srgbClr val="F07178"/>
+                </a:solidFill>
+                <a:effectLst/>
+                <a:latin typeface="빙그레 메로나체" panose="020B0503000000000000" pitchFamily="50" charset="-127"/>
+                <a:ea typeface="빙그레 메로나체" panose="020B0503000000000000" pitchFamily="50" charset="-127"/>
+              </a:rPr>
+              <a:t>  </a:t>
+            </a:r>
+            <a:r>
+              <a:rPr lang="en-US" altLang="ko-KR" b="0">
+                <a:solidFill>
+                  <a:srgbClr val="C792EA"/>
+                </a:solidFill>
+                <a:effectLst/>
+                <a:latin typeface="빙그레 메로나체" panose="020B0503000000000000" pitchFamily="50" charset="-127"/>
+                <a:ea typeface="빙그레 메로나체" panose="020B0503000000000000" pitchFamily="50" charset="-127"/>
+              </a:rPr>
+              <a:t>const</a:t>
+            </a:r>
+            <a:r>
+              <a:rPr lang="en-US" altLang="ko-KR" b="0">
+                <a:solidFill>
+                  <a:srgbClr val="F07178"/>
+                </a:solidFill>
+                <a:effectLst/>
+                <a:latin typeface="빙그레 메로나체" panose="020B0503000000000000" pitchFamily="50" charset="-127"/>
+                <a:ea typeface="빙그레 메로나체" panose="020B0503000000000000" pitchFamily="50" charset="-127"/>
+              </a:rPr>
+              <a:t> </a:t>
+            </a:r>
+            <a:r>
+              <a:rPr lang="en-US" altLang="ko-KR" b="0">
+                <a:solidFill>
+                  <a:srgbClr val="89DDFF"/>
+                </a:solidFill>
+                <a:effectLst/>
+                <a:latin typeface="빙그레 메로나체" panose="020B0503000000000000" pitchFamily="50" charset="-127"/>
+                <a:ea typeface="빙그레 메로나체" panose="020B0503000000000000" pitchFamily="50" charset="-127"/>
+              </a:rPr>
+              <a:t>[</a:t>
+            </a:r>
+            <a:r>
+              <a:rPr lang="en-US" altLang="ko-KR" b="0">
+                <a:solidFill>
+                  <a:srgbClr val="EEFFFF"/>
+                </a:solidFill>
+                <a:effectLst/>
+                <a:latin typeface="빙그레 메로나체" panose="020B0503000000000000" pitchFamily="50" charset="-127"/>
+                <a:ea typeface="빙그레 메로나체" panose="020B0503000000000000" pitchFamily="50" charset="-127"/>
+              </a:rPr>
+              <a:t>input</a:t>
+            </a:r>
+            <a:r>
+              <a:rPr lang="en-US" altLang="ko-KR" b="0">
+                <a:solidFill>
+                  <a:srgbClr val="89DDFF"/>
+                </a:solidFill>
+                <a:effectLst/>
+                <a:latin typeface="빙그레 메로나체" panose="020B0503000000000000" pitchFamily="50" charset="-127"/>
+                <a:ea typeface="빙그레 메로나체" panose="020B0503000000000000" pitchFamily="50" charset="-127"/>
+              </a:rPr>
+              <a:t>,</a:t>
+            </a:r>
+            <a:r>
+              <a:rPr lang="en-US" altLang="ko-KR" b="0">
+                <a:solidFill>
+                  <a:srgbClr val="F07178"/>
+                </a:solidFill>
+                <a:effectLst/>
+                <a:latin typeface="빙그레 메로나체" panose="020B0503000000000000" pitchFamily="50" charset="-127"/>
+                <a:ea typeface="빙그레 메로나체" panose="020B0503000000000000" pitchFamily="50" charset="-127"/>
+              </a:rPr>
+              <a:t> </a:t>
+            </a:r>
+            <a:r>
+              <a:rPr lang="en-US" altLang="ko-KR" b="0">
+                <a:solidFill>
+                  <a:srgbClr val="82AAFF"/>
+                </a:solidFill>
+                <a:effectLst/>
+                <a:latin typeface="빙그레 메로나체" panose="020B0503000000000000" pitchFamily="50" charset="-127"/>
+                <a:ea typeface="빙그레 메로나체" panose="020B0503000000000000" pitchFamily="50" charset="-127"/>
+              </a:rPr>
+              <a:t>setInput</a:t>
+            </a:r>
+            <a:r>
+              <a:rPr lang="en-US" altLang="ko-KR" b="0">
+                <a:solidFill>
+                  <a:srgbClr val="89DDFF"/>
+                </a:solidFill>
+                <a:effectLst/>
+                <a:latin typeface="빙그레 메로나체" panose="020B0503000000000000" pitchFamily="50" charset="-127"/>
+                <a:ea typeface="빙그레 메로나체" panose="020B0503000000000000" pitchFamily="50" charset="-127"/>
+              </a:rPr>
+              <a:t>]</a:t>
+            </a:r>
+            <a:r>
+              <a:rPr lang="en-US" altLang="ko-KR" b="0">
+                <a:solidFill>
+                  <a:srgbClr val="F07178"/>
+                </a:solidFill>
+                <a:effectLst/>
+                <a:latin typeface="빙그레 메로나체" panose="020B0503000000000000" pitchFamily="50" charset="-127"/>
+                <a:ea typeface="빙그레 메로나체" panose="020B0503000000000000" pitchFamily="50" charset="-127"/>
+              </a:rPr>
+              <a:t> </a:t>
+            </a:r>
+            <a:r>
+              <a:rPr lang="en-US" altLang="ko-KR" b="0">
+                <a:solidFill>
+                  <a:srgbClr val="89DDFF"/>
+                </a:solidFill>
+                <a:effectLst/>
+                <a:latin typeface="빙그레 메로나체" panose="020B0503000000000000" pitchFamily="50" charset="-127"/>
+                <a:ea typeface="빙그레 메로나체" panose="020B0503000000000000" pitchFamily="50" charset="-127"/>
+              </a:rPr>
+              <a:t>=</a:t>
+            </a:r>
+            <a:r>
+              <a:rPr lang="en-US" altLang="ko-KR" b="0">
+                <a:solidFill>
+                  <a:srgbClr val="F07178"/>
+                </a:solidFill>
+                <a:effectLst/>
+                <a:latin typeface="빙그레 메로나체" panose="020B0503000000000000" pitchFamily="50" charset="-127"/>
+                <a:ea typeface="빙그레 메로나체" panose="020B0503000000000000" pitchFamily="50" charset="-127"/>
+              </a:rPr>
+              <a:t> </a:t>
+            </a:r>
+            <a:r>
+              <a:rPr lang="en-US" altLang="ko-KR" b="0">
+                <a:solidFill>
+                  <a:srgbClr val="82AAFF"/>
+                </a:solidFill>
+                <a:effectLst/>
+                <a:latin typeface="빙그레 메로나체" panose="020B0503000000000000" pitchFamily="50" charset="-127"/>
+                <a:ea typeface="빙그레 메로나체" panose="020B0503000000000000" pitchFamily="50" charset="-127"/>
+              </a:rPr>
+              <a:t>useState</a:t>
+            </a:r>
+            <a:r>
+              <a:rPr lang="en-US" altLang="ko-KR" b="0">
+                <a:solidFill>
+                  <a:srgbClr val="F07178"/>
+                </a:solidFill>
+                <a:effectLst/>
+                <a:latin typeface="빙그레 메로나체" panose="020B0503000000000000" pitchFamily="50" charset="-127"/>
+                <a:ea typeface="빙그레 메로나체" panose="020B0503000000000000" pitchFamily="50" charset="-127"/>
+              </a:rPr>
+              <a:t>(</a:t>
+            </a:r>
+            <a:r>
+              <a:rPr lang="en-US" altLang="ko-KR" b="0">
+                <a:solidFill>
+                  <a:srgbClr val="89DDFF"/>
+                </a:solidFill>
+                <a:effectLst/>
+                <a:latin typeface="빙그레 메로나체" panose="020B0503000000000000" pitchFamily="50" charset="-127"/>
+                <a:ea typeface="빙그레 메로나체" panose="020B0503000000000000" pitchFamily="50" charset="-127"/>
+              </a:rPr>
+              <a:t>""</a:t>
+            </a:r>
+            <a:r>
+              <a:rPr lang="en-US" altLang="ko-KR" b="0">
+                <a:solidFill>
+                  <a:srgbClr val="F07178"/>
+                </a:solidFill>
+                <a:effectLst/>
+                <a:latin typeface="빙그레 메로나체" panose="020B0503000000000000" pitchFamily="50" charset="-127"/>
+                <a:ea typeface="빙그레 메로나체" panose="020B0503000000000000" pitchFamily="50" charset="-127"/>
+              </a:rPr>
+              <a:t>)</a:t>
+            </a:r>
+            <a:r>
+              <a:rPr lang="en-US" altLang="ko-KR" b="0">
+                <a:solidFill>
+                  <a:srgbClr val="89DDFF"/>
+                </a:solidFill>
+                <a:effectLst/>
+                <a:latin typeface="빙그레 메로나체" panose="020B0503000000000000" pitchFamily="50" charset="-127"/>
+                <a:ea typeface="빙그레 메로나체" panose="020B0503000000000000" pitchFamily="50" charset="-127"/>
+              </a:rPr>
+              <a:t>;</a:t>
+            </a:r>
+            <a:endParaRPr lang="en-US" altLang="ko-KR" b="0">
+              <a:solidFill>
+                <a:srgbClr val="EEFFFF"/>
+              </a:solidFill>
+              <a:effectLst/>
+              <a:latin typeface="빙그레 메로나체" panose="020B0503000000000000" pitchFamily="50" charset="-127"/>
+              <a:ea typeface="빙그레 메로나체" panose="020B0503000000000000" pitchFamily="50" charset="-127"/>
+            </a:endParaRPr>
+          </a:p>
+          <a:p>
+            <a:r>
+              <a:rPr lang="en-US" altLang="ko-KR" b="0">
+                <a:solidFill>
+                  <a:srgbClr val="F07178"/>
+                </a:solidFill>
+                <a:effectLst/>
+                <a:latin typeface="빙그레 메로나체" panose="020B0503000000000000" pitchFamily="50" charset="-127"/>
+                <a:ea typeface="빙그레 메로나체" panose="020B0503000000000000" pitchFamily="50" charset="-127"/>
+              </a:rPr>
+              <a:t>  </a:t>
+            </a:r>
+            <a:r>
+              <a:rPr lang="en-US" altLang="ko-KR" b="0">
+                <a:solidFill>
+                  <a:srgbClr val="C792EA"/>
+                </a:solidFill>
+                <a:effectLst/>
+                <a:latin typeface="빙그레 메로나체" panose="020B0503000000000000" pitchFamily="50" charset="-127"/>
+                <a:ea typeface="빙그레 메로나체" panose="020B0503000000000000" pitchFamily="50" charset="-127"/>
+              </a:rPr>
+              <a:t>const</a:t>
+            </a:r>
+            <a:r>
+              <a:rPr lang="en-US" altLang="ko-KR" b="0">
+                <a:solidFill>
+                  <a:srgbClr val="F07178"/>
+                </a:solidFill>
+                <a:effectLst/>
+                <a:latin typeface="빙그레 메로나체" panose="020B0503000000000000" pitchFamily="50" charset="-127"/>
+                <a:ea typeface="빙그레 메로나체" panose="020B0503000000000000" pitchFamily="50" charset="-127"/>
+              </a:rPr>
+              <a:t> </a:t>
+            </a:r>
+            <a:r>
+              <a:rPr lang="en-US" altLang="ko-KR" b="0">
+                <a:solidFill>
+                  <a:srgbClr val="82AAFF"/>
+                </a:solidFill>
+                <a:effectLst/>
+                <a:latin typeface="빙그레 메로나체" panose="020B0503000000000000" pitchFamily="50" charset="-127"/>
+                <a:ea typeface="빙그레 메로나체" panose="020B0503000000000000" pitchFamily="50" charset="-127"/>
+              </a:rPr>
+              <a:t>printInput</a:t>
+            </a:r>
+            <a:r>
+              <a:rPr lang="en-US" altLang="ko-KR" b="0">
+                <a:solidFill>
+                  <a:srgbClr val="F07178"/>
+                </a:solidFill>
+                <a:effectLst/>
+                <a:latin typeface="빙그레 메로나체" panose="020B0503000000000000" pitchFamily="50" charset="-127"/>
+                <a:ea typeface="빙그레 메로나체" panose="020B0503000000000000" pitchFamily="50" charset="-127"/>
+              </a:rPr>
+              <a:t> </a:t>
+            </a:r>
+            <a:r>
+              <a:rPr lang="en-US" altLang="ko-KR" b="0">
+                <a:solidFill>
+                  <a:srgbClr val="89DDFF"/>
+                </a:solidFill>
+                <a:effectLst/>
+                <a:latin typeface="빙그레 메로나체" panose="020B0503000000000000" pitchFamily="50" charset="-127"/>
+                <a:ea typeface="빙그레 메로나체" panose="020B0503000000000000" pitchFamily="50" charset="-127"/>
+              </a:rPr>
+              <a:t>=</a:t>
+            </a:r>
+            <a:r>
+              <a:rPr lang="en-US" altLang="ko-KR" b="0">
+                <a:solidFill>
+                  <a:srgbClr val="F07178"/>
+                </a:solidFill>
+                <a:effectLst/>
+                <a:latin typeface="빙그레 메로나체" panose="020B0503000000000000" pitchFamily="50" charset="-127"/>
+                <a:ea typeface="빙그레 메로나체" panose="020B0503000000000000" pitchFamily="50" charset="-127"/>
+              </a:rPr>
+              <a:t> </a:t>
+            </a:r>
+            <a:r>
+              <a:rPr lang="en-US" altLang="ko-KR" b="0">
+                <a:solidFill>
+                  <a:srgbClr val="82AAFF"/>
+                </a:solidFill>
+                <a:effectLst/>
+                <a:latin typeface="빙그레 메로나체" panose="020B0503000000000000" pitchFamily="50" charset="-127"/>
+                <a:ea typeface="빙그레 메로나체" panose="020B0503000000000000" pitchFamily="50" charset="-127"/>
+              </a:rPr>
+              <a:t>useCallback</a:t>
+            </a:r>
+            <a:r>
+              <a:rPr lang="en-US" altLang="ko-KR" b="0">
+                <a:solidFill>
+                  <a:srgbClr val="F07178"/>
+                </a:solidFill>
+                <a:effectLst/>
+                <a:latin typeface="빙그레 메로나체" panose="020B0503000000000000" pitchFamily="50" charset="-127"/>
+                <a:ea typeface="빙그레 메로나체" panose="020B0503000000000000" pitchFamily="50" charset="-127"/>
+              </a:rPr>
+              <a:t>(</a:t>
+            </a:r>
+            <a:r>
+              <a:rPr lang="en-US" altLang="ko-KR" b="0">
+                <a:solidFill>
+                  <a:srgbClr val="89DDFF"/>
+                </a:solidFill>
+                <a:effectLst/>
+                <a:latin typeface="빙그레 메로나체" panose="020B0503000000000000" pitchFamily="50" charset="-127"/>
+                <a:ea typeface="빙그레 메로나체" panose="020B0503000000000000" pitchFamily="50" charset="-127"/>
+              </a:rPr>
+              <a:t>()</a:t>
+            </a:r>
+            <a:r>
+              <a:rPr lang="en-US" altLang="ko-KR" b="0">
+                <a:solidFill>
+                  <a:srgbClr val="F07178"/>
+                </a:solidFill>
+                <a:effectLst/>
+                <a:latin typeface="빙그레 메로나체" panose="020B0503000000000000" pitchFamily="50" charset="-127"/>
+                <a:ea typeface="빙그레 메로나체" panose="020B0503000000000000" pitchFamily="50" charset="-127"/>
+              </a:rPr>
+              <a:t> </a:t>
+            </a:r>
+            <a:r>
+              <a:rPr lang="en-US" altLang="ko-KR" b="0">
+                <a:solidFill>
+                  <a:srgbClr val="C792EA"/>
+                </a:solidFill>
+                <a:effectLst/>
+                <a:latin typeface="빙그레 메로나체" panose="020B0503000000000000" pitchFamily="50" charset="-127"/>
+                <a:ea typeface="빙그레 메로나체" panose="020B0503000000000000" pitchFamily="50" charset="-127"/>
+              </a:rPr>
+              <a:t>=&gt;</a:t>
+            </a:r>
+            <a:r>
+              <a:rPr lang="en-US" altLang="ko-KR" b="0">
+                <a:solidFill>
+                  <a:srgbClr val="F07178"/>
+                </a:solidFill>
+                <a:effectLst/>
+                <a:latin typeface="빙그레 메로나체" panose="020B0503000000000000" pitchFamily="50" charset="-127"/>
+                <a:ea typeface="빙그레 메로나체" panose="020B0503000000000000" pitchFamily="50" charset="-127"/>
+              </a:rPr>
+              <a:t> </a:t>
+            </a:r>
+            <a:r>
+              <a:rPr lang="en-US" altLang="ko-KR" b="0">
+                <a:solidFill>
+                  <a:srgbClr val="89DDFF"/>
+                </a:solidFill>
+                <a:effectLst/>
+                <a:latin typeface="빙그레 메로나체" panose="020B0503000000000000" pitchFamily="50" charset="-127"/>
+                <a:ea typeface="빙그레 메로나체" panose="020B0503000000000000" pitchFamily="50" charset="-127"/>
+              </a:rPr>
+              <a:t>{</a:t>
+            </a:r>
+            <a:endParaRPr lang="en-US" altLang="ko-KR" b="0">
+              <a:solidFill>
+                <a:srgbClr val="EEFFFF"/>
+              </a:solidFill>
+              <a:effectLst/>
+              <a:latin typeface="빙그레 메로나체" panose="020B0503000000000000" pitchFamily="50" charset="-127"/>
+              <a:ea typeface="빙그레 메로나체" panose="020B0503000000000000" pitchFamily="50" charset="-127"/>
+            </a:endParaRPr>
+          </a:p>
+          <a:p>
+            <a:r>
+              <a:rPr lang="en-US" altLang="ko-KR" b="0">
+                <a:solidFill>
+                  <a:srgbClr val="F07178"/>
+                </a:solidFill>
+                <a:effectLst/>
+                <a:latin typeface="빙그레 메로나체" panose="020B0503000000000000" pitchFamily="50" charset="-127"/>
+                <a:ea typeface="빙그레 메로나체" panose="020B0503000000000000" pitchFamily="50" charset="-127"/>
+              </a:rPr>
+              <a:t>    </a:t>
+            </a:r>
+            <a:r>
+              <a:rPr lang="en-US" altLang="ko-KR" b="0">
+                <a:solidFill>
+                  <a:srgbClr val="EEFFFF"/>
+                </a:solidFill>
+                <a:effectLst/>
+                <a:latin typeface="빙그레 메로나체" panose="020B0503000000000000" pitchFamily="50" charset="-127"/>
+                <a:ea typeface="빙그레 메로나체" panose="020B0503000000000000" pitchFamily="50" charset="-127"/>
+              </a:rPr>
+              <a:t>console</a:t>
+            </a:r>
+            <a:r>
+              <a:rPr lang="en-US" altLang="ko-KR" b="0">
+                <a:solidFill>
+                  <a:srgbClr val="89DDFF"/>
+                </a:solidFill>
+                <a:effectLst/>
+                <a:latin typeface="빙그레 메로나체" panose="020B0503000000000000" pitchFamily="50" charset="-127"/>
+                <a:ea typeface="빙그레 메로나체" panose="020B0503000000000000" pitchFamily="50" charset="-127"/>
+              </a:rPr>
+              <a:t>.</a:t>
+            </a:r>
+            <a:r>
+              <a:rPr lang="en-US" altLang="ko-KR" b="0">
+                <a:solidFill>
+                  <a:srgbClr val="82AAFF"/>
+                </a:solidFill>
+                <a:effectLst/>
+                <a:latin typeface="빙그레 메로나체" panose="020B0503000000000000" pitchFamily="50" charset="-127"/>
+                <a:ea typeface="빙그레 메로나체" panose="020B0503000000000000" pitchFamily="50" charset="-127"/>
+              </a:rPr>
+              <a:t>log</a:t>
+            </a:r>
+            <a:r>
+              <a:rPr lang="en-US" altLang="ko-KR" b="0">
+                <a:solidFill>
+                  <a:srgbClr val="F07178"/>
+                </a:solidFill>
+                <a:effectLst/>
+                <a:latin typeface="빙그레 메로나체" panose="020B0503000000000000" pitchFamily="50" charset="-127"/>
+                <a:ea typeface="빙그레 메로나체" panose="020B0503000000000000" pitchFamily="50" charset="-127"/>
+              </a:rPr>
+              <a:t>(</a:t>
+            </a:r>
+            <a:r>
+              <a:rPr lang="en-US" altLang="ko-KR" b="0">
+                <a:solidFill>
+                  <a:srgbClr val="EEFFFF"/>
+                </a:solidFill>
+                <a:effectLst/>
+                <a:latin typeface="빙그레 메로나체" panose="020B0503000000000000" pitchFamily="50" charset="-127"/>
+                <a:ea typeface="빙그레 메로나체" panose="020B0503000000000000" pitchFamily="50" charset="-127"/>
+              </a:rPr>
+              <a:t>input</a:t>
+            </a:r>
+            <a:r>
+              <a:rPr lang="en-US" altLang="ko-KR" b="0">
+                <a:solidFill>
+                  <a:srgbClr val="F07178"/>
+                </a:solidFill>
+                <a:effectLst/>
+                <a:latin typeface="빙그레 메로나체" panose="020B0503000000000000" pitchFamily="50" charset="-127"/>
+                <a:ea typeface="빙그레 메로나체" panose="020B0503000000000000" pitchFamily="50" charset="-127"/>
+              </a:rPr>
+              <a:t>)</a:t>
+            </a:r>
+            <a:r>
+              <a:rPr lang="en-US" altLang="ko-KR" b="0">
+                <a:solidFill>
+                  <a:srgbClr val="89DDFF"/>
+                </a:solidFill>
+                <a:effectLst/>
+                <a:latin typeface="빙그레 메로나체" panose="020B0503000000000000" pitchFamily="50" charset="-127"/>
+                <a:ea typeface="빙그레 메로나체" panose="020B0503000000000000" pitchFamily="50" charset="-127"/>
+              </a:rPr>
+              <a:t>;</a:t>
+            </a:r>
+            <a:endParaRPr lang="en-US" altLang="ko-KR" b="0">
+              <a:solidFill>
+                <a:srgbClr val="EEFFFF"/>
+              </a:solidFill>
+              <a:effectLst/>
+              <a:latin typeface="빙그레 메로나체" panose="020B0503000000000000" pitchFamily="50" charset="-127"/>
+              <a:ea typeface="빙그레 메로나체" panose="020B0503000000000000" pitchFamily="50" charset="-127"/>
+            </a:endParaRPr>
+          </a:p>
+          <a:p>
+            <a:r>
+              <a:rPr lang="en-US" altLang="ko-KR" b="0">
+                <a:solidFill>
+                  <a:srgbClr val="F07178"/>
+                </a:solidFill>
+                <a:effectLst/>
+                <a:latin typeface="빙그레 메로나체" panose="020B0503000000000000" pitchFamily="50" charset="-127"/>
+                <a:ea typeface="빙그레 메로나체" panose="020B0503000000000000" pitchFamily="50" charset="-127"/>
+              </a:rPr>
+              <a:t>  </a:t>
+            </a:r>
+            <a:r>
+              <a:rPr lang="en-US" altLang="ko-KR" b="0">
+                <a:solidFill>
+                  <a:srgbClr val="89DDFF"/>
+                </a:solidFill>
+                <a:effectLst/>
+                <a:latin typeface="빙그레 메로나체" panose="020B0503000000000000" pitchFamily="50" charset="-127"/>
+                <a:ea typeface="빙그레 메로나체" panose="020B0503000000000000" pitchFamily="50" charset="-127"/>
+              </a:rPr>
+              <a:t>},</a:t>
+            </a:r>
+            <a:r>
+              <a:rPr lang="en-US" altLang="ko-KR" b="0">
+                <a:solidFill>
+                  <a:srgbClr val="F07178"/>
+                </a:solidFill>
+                <a:effectLst/>
+                <a:latin typeface="빙그레 메로나체" panose="020B0503000000000000" pitchFamily="50" charset="-127"/>
+                <a:ea typeface="빙그레 메로나체" panose="020B0503000000000000" pitchFamily="50" charset="-127"/>
+              </a:rPr>
+              <a:t> [</a:t>
+            </a:r>
+            <a:r>
+              <a:rPr lang="en-US" altLang="ko-KR" b="0">
+                <a:solidFill>
+                  <a:srgbClr val="EEFFFF"/>
+                </a:solidFill>
+                <a:effectLst/>
+                <a:latin typeface="빙그레 메로나체" panose="020B0503000000000000" pitchFamily="50" charset="-127"/>
+                <a:ea typeface="빙그레 메로나체" panose="020B0503000000000000" pitchFamily="50" charset="-127"/>
+              </a:rPr>
+              <a:t>input</a:t>
+            </a:r>
+            <a:r>
+              <a:rPr lang="en-US" altLang="ko-KR" b="0">
+                <a:solidFill>
+                  <a:srgbClr val="F07178"/>
+                </a:solidFill>
+                <a:effectLst/>
+                <a:latin typeface="빙그레 메로나체" panose="020B0503000000000000" pitchFamily="50" charset="-127"/>
+                <a:ea typeface="빙그레 메로나체" panose="020B0503000000000000" pitchFamily="50" charset="-127"/>
+              </a:rPr>
+              <a:t>])</a:t>
+            </a:r>
+            <a:r>
+              <a:rPr lang="en-US" altLang="ko-KR" b="0">
+                <a:solidFill>
+                  <a:srgbClr val="89DDFF"/>
+                </a:solidFill>
+                <a:effectLst/>
+                <a:latin typeface="빙그레 메로나체" panose="020B0503000000000000" pitchFamily="50" charset="-127"/>
+                <a:ea typeface="빙그레 메로나체" panose="020B0503000000000000" pitchFamily="50" charset="-127"/>
+              </a:rPr>
+              <a:t>;</a:t>
+            </a:r>
+            <a:endParaRPr lang="en-US" altLang="ko-KR" b="0">
+              <a:solidFill>
+                <a:srgbClr val="EEFFFF"/>
+              </a:solidFill>
+              <a:effectLst/>
+              <a:latin typeface="빙그레 메로나체" panose="020B0503000000000000" pitchFamily="50" charset="-127"/>
+              <a:ea typeface="빙그레 메로나체" panose="020B0503000000000000" pitchFamily="50" charset="-127"/>
+            </a:endParaRPr>
+          </a:p>
+          <a:p>
+            <a:r>
+              <a:rPr lang="en-US" altLang="ko-KR" b="0">
+                <a:solidFill>
+                  <a:srgbClr val="F07178"/>
+                </a:solidFill>
+                <a:effectLst/>
+                <a:latin typeface="빙그레 메로나체" panose="020B0503000000000000" pitchFamily="50" charset="-127"/>
+                <a:ea typeface="빙그레 메로나체" panose="020B0503000000000000" pitchFamily="50" charset="-127"/>
+              </a:rPr>
+              <a:t>  </a:t>
+            </a:r>
+            <a:r>
+              <a:rPr lang="en-US" altLang="ko-KR" b="0">
+                <a:solidFill>
+                  <a:srgbClr val="C792EA"/>
+                </a:solidFill>
+                <a:effectLst/>
+                <a:latin typeface="빙그레 메로나체" panose="020B0503000000000000" pitchFamily="50" charset="-127"/>
+                <a:ea typeface="빙그레 메로나체" panose="020B0503000000000000" pitchFamily="50" charset="-127"/>
+              </a:rPr>
+              <a:t>const</a:t>
+            </a:r>
+            <a:r>
+              <a:rPr lang="en-US" altLang="ko-KR" b="0">
+                <a:solidFill>
+                  <a:srgbClr val="F07178"/>
+                </a:solidFill>
+                <a:effectLst/>
+                <a:latin typeface="빙그레 메로나체" panose="020B0503000000000000" pitchFamily="50" charset="-127"/>
+                <a:ea typeface="빙그레 메로나체" panose="020B0503000000000000" pitchFamily="50" charset="-127"/>
+              </a:rPr>
+              <a:t> </a:t>
+            </a:r>
+            <a:r>
+              <a:rPr lang="en-US" altLang="ko-KR" b="0">
+                <a:solidFill>
+                  <a:srgbClr val="82AAFF"/>
+                </a:solidFill>
+                <a:effectLst/>
+                <a:latin typeface="빙그레 메로나체" panose="020B0503000000000000" pitchFamily="50" charset="-127"/>
+                <a:ea typeface="빙그레 메로나체" panose="020B0503000000000000" pitchFamily="50" charset="-127"/>
+              </a:rPr>
+              <a:t>onChange</a:t>
+            </a:r>
+            <a:r>
+              <a:rPr lang="en-US" altLang="ko-KR" b="0">
+                <a:solidFill>
+                  <a:srgbClr val="F07178"/>
+                </a:solidFill>
+                <a:effectLst/>
+                <a:latin typeface="빙그레 메로나체" panose="020B0503000000000000" pitchFamily="50" charset="-127"/>
+                <a:ea typeface="빙그레 메로나체" panose="020B0503000000000000" pitchFamily="50" charset="-127"/>
+              </a:rPr>
+              <a:t> </a:t>
+            </a:r>
+            <a:r>
+              <a:rPr lang="en-US" altLang="ko-KR" b="0">
+                <a:solidFill>
+                  <a:srgbClr val="89DDFF"/>
+                </a:solidFill>
+                <a:effectLst/>
+                <a:latin typeface="빙그레 메로나체" panose="020B0503000000000000" pitchFamily="50" charset="-127"/>
+                <a:ea typeface="빙그레 메로나체" panose="020B0503000000000000" pitchFamily="50" charset="-127"/>
+              </a:rPr>
+              <a:t>=</a:t>
+            </a:r>
+            <a:r>
+              <a:rPr lang="en-US" altLang="ko-KR" b="0">
+                <a:solidFill>
+                  <a:srgbClr val="F07178"/>
+                </a:solidFill>
+                <a:effectLst/>
+                <a:latin typeface="빙그레 메로나체" panose="020B0503000000000000" pitchFamily="50" charset="-127"/>
+                <a:ea typeface="빙그레 메로나체" panose="020B0503000000000000" pitchFamily="50" charset="-127"/>
+              </a:rPr>
+              <a:t> </a:t>
+            </a:r>
+            <a:r>
+              <a:rPr lang="en-US" altLang="ko-KR" b="0">
+                <a:solidFill>
+                  <a:srgbClr val="89DDFF"/>
+                </a:solidFill>
+                <a:effectLst/>
+                <a:latin typeface="빙그레 메로나체" panose="020B0503000000000000" pitchFamily="50" charset="-127"/>
+                <a:ea typeface="빙그레 메로나체" panose="020B0503000000000000" pitchFamily="50" charset="-127"/>
+              </a:rPr>
+              <a:t>(</a:t>
+            </a:r>
+            <a:r>
+              <a:rPr lang="en-US" altLang="ko-KR" b="0">
+                <a:solidFill>
+                  <a:srgbClr val="EEFFFF"/>
+                </a:solidFill>
+                <a:effectLst/>
+                <a:latin typeface="빙그레 메로나체" panose="020B0503000000000000" pitchFamily="50" charset="-127"/>
+                <a:ea typeface="빙그레 메로나체" panose="020B0503000000000000" pitchFamily="50" charset="-127"/>
+              </a:rPr>
+              <a:t>event</a:t>
+            </a:r>
+            <a:r>
+              <a:rPr lang="en-US" altLang="ko-KR" b="0">
+                <a:solidFill>
+                  <a:srgbClr val="89DDFF"/>
+                </a:solidFill>
+                <a:effectLst/>
+                <a:latin typeface="빙그레 메로나체" panose="020B0503000000000000" pitchFamily="50" charset="-127"/>
+                <a:ea typeface="빙그레 메로나체" panose="020B0503000000000000" pitchFamily="50" charset="-127"/>
+              </a:rPr>
+              <a:t>)</a:t>
+            </a:r>
+            <a:r>
+              <a:rPr lang="en-US" altLang="ko-KR" b="0">
+                <a:solidFill>
+                  <a:srgbClr val="F07178"/>
+                </a:solidFill>
+                <a:effectLst/>
+                <a:latin typeface="빙그레 메로나체" panose="020B0503000000000000" pitchFamily="50" charset="-127"/>
+                <a:ea typeface="빙그레 메로나체" panose="020B0503000000000000" pitchFamily="50" charset="-127"/>
+              </a:rPr>
+              <a:t> </a:t>
+            </a:r>
+            <a:r>
+              <a:rPr lang="en-US" altLang="ko-KR" b="0">
+                <a:solidFill>
+                  <a:srgbClr val="C792EA"/>
+                </a:solidFill>
+                <a:effectLst/>
+                <a:latin typeface="빙그레 메로나체" panose="020B0503000000000000" pitchFamily="50" charset="-127"/>
+                <a:ea typeface="빙그레 메로나체" panose="020B0503000000000000" pitchFamily="50" charset="-127"/>
+              </a:rPr>
+              <a:t>=&gt;</a:t>
+            </a:r>
+            <a:r>
+              <a:rPr lang="en-US" altLang="ko-KR" b="0">
+                <a:solidFill>
+                  <a:srgbClr val="F07178"/>
+                </a:solidFill>
+                <a:effectLst/>
+                <a:latin typeface="빙그레 메로나체" panose="020B0503000000000000" pitchFamily="50" charset="-127"/>
+                <a:ea typeface="빙그레 메로나체" panose="020B0503000000000000" pitchFamily="50" charset="-127"/>
+              </a:rPr>
+              <a:t> </a:t>
+            </a:r>
+            <a:r>
+              <a:rPr lang="en-US" altLang="ko-KR" b="0">
+                <a:solidFill>
+                  <a:srgbClr val="89DDFF"/>
+                </a:solidFill>
+                <a:effectLst/>
+                <a:latin typeface="빙그레 메로나체" panose="020B0503000000000000" pitchFamily="50" charset="-127"/>
+                <a:ea typeface="빙그레 메로나체" panose="020B0503000000000000" pitchFamily="50" charset="-127"/>
+              </a:rPr>
+              <a:t>{</a:t>
+            </a:r>
+            <a:endParaRPr lang="en-US" altLang="ko-KR" b="0">
+              <a:solidFill>
+                <a:srgbClr val="EEFFFF"/>
+              </a:solidFill>
+              <a:effectLst/>
+              <a:latin typeface="빙그레 메로나체" panose="020B0503000000000000" pitchFamily="50" charset="-127"/>
+              <a:ea typeface="빙그레 메로나체" panose="020B0503000000000000" pitchFamily="50" charset="-127"/>
+            </a:endParaRPr>
+          </a:p>
+          <a:p>
+            <a:r>
+              <a:rPr lang="en-US" altLang="ko-KR" b="0">
+                <a:solidFill>
+                  <a:srgbClr val="F07178"/>
+                </a:solidFill>
+                <a:effectLst/>
+                <a:latin typeface="빙그레 메로나체" panose="020B0503000000000000" pitchFamily="50" charset="-127"/>
+                <a:ea typeface="빙그레 메로나체" panose="020B0503000000000000" pitchFamily="50" charset="-127"/>
+              </a:rPr>
+              <a:t>    </a:t>
+            </a:r>
+            <a:r>
+              <a:rPr lang="en-US" altLang="ko-KR" b="0">
+                <a:solidFill>
+                  <a:srgbClr val="82AAFF"/>
+                </a:solidFill>
+                <a:effectLst/>
+                <a:latin typeface="빙그레 메로나체" panose="020B0503000000000000" pitchFamily="50" charset="-127"/>
+                <a:ea typeface="빙그레 메로나체" panose="020B0503000000000000" pitchFamily="50" charset="-127"/>
+              </a:rPr>
+              <a:t>setInput</a:t>
+            </a:r>
+            <a:r>
+              <a:rPr lang="en-US" altLang="ko-KR" b="0">
+                <a:solidFill>
+                  <a:srgbClr val="F07178"/>
+                </a:solidFill>
+                <a:effectLst/>
+                <a:latin typeface="빙그레 메로나체" panose="020B0503000000000000" pitchFamily="50" charset="-127"/>
+                <a:ea typeface="빙그레 메로나체" panose="020B0503000000000000" pitchFamily="50" charset="-127"/>
+              </a:rPr>
+              <a:t>(</a:t>
+            </a:r>
+            <a:r>
+              <a:rPr lang="en-US" altLang="ko-KR" b="0">
+                <a:solidFill>
+                  <a:srgbClr val="EEFFFF"/>
+                </a:solidFill>
+                <a:effectLst/>
+                <a:latin typeface="빙그레 메로나체" panose="020B0503000000000000" pitchFamily="50" charset="-127"/>
+                <a:ea typeface="빙그레 메로나체" panose="020B0503000000000000" pitchFamily="50" charset="-127"/>
+              </a:rPr>
+              <a:t>event</a:t>
+            </a:r>
+            <a:r>
+              <a:rPr lang="en-US" altLang="ko-KR" b="0">
+                <a:solidFill>
+                  <a:srgbClr val="89DDFF"/>
+                </a:solidFill>
+                <a:effectLst/>
+                <a:latin typeface="빙그레 메로나체" panose="020B0503000000000000" pitchFamily="50" charset="-127"/>
+                <a:ea typeface="빙그레 메로나체" panose="020B0503000000000000" pitchFamily="50" charset="-127"/>
+              </a:rPr>
+              <a:t>.</a:t>
+            </a:r>
+            <a:r>
+              <a:rPr lang="en-US" altLang="ko-KR" b="0">
+                <a:solidFill>
+                  <a:srgbClr val="EEFFFF"/>
+                </a:solidFill>
+                <a:effectLst/>
+                <a:latin typeface="빙그레 메로나체" panose="020B0503000000000000" pitchFamily="50" charset="-127"/>
+                <a:ea typeface="빙그레 메로나체" panose="020B0503000000000000" pitchFamily="50" charset="-127"/>
+              </a:rPr>
+              <a:t>target</a:t>
+            </a:r>
+            <a:r>
+              <a:rPr lang="en-US" altLang="ko-KR" b="0">
+                <a:solidFill>
+                  <a:srgbClr val="89DDFF"/>
+                </a:solidFill>
+                <a:effectLst/>
+                <a:latin typeface="빙그레 메로나체" panose="020B0503000000000000" pitchFamily="50" charset="-127"/>
+                <a:ea typeface="빙그레 메로나체" panose="020B0503000000000000" pitchFamily="50" charset="-127"/>
+              </a:rPr>
+              <a:t>.</a:t>
+            </a:r>
+            <a:r>
+              <a:rPr lang="en-US" altLang="ko-KR" b="0">
+                <a:solidFill>
+                  <a:srgbClr val="EEFFFF"/>
+                </a:solidFill>
+                <a:effectLst/>
+                <a:latin typeface="빙그레 메로나체" panose="020B0503000000000000" pitchFamily="50" charset="-127"/>
+                <a:ea typeface="빙그레 메로나체" panose="020B0503000000000000" pitchFamily="50" charset="-127"/>
+              </a:rPr>
+              <a:t>value</a:t>
+            </a:r>
+            <a:r>
+              <a:rPr lang="en-US" altLang="ko-KR" b="0">
+                <a:solidFill>
+                  <a:srgbClr val="F07178"/>
+                </a:solidFill>
+                <a:effectLst/>
+                <a:latin typeface="빙그레 메로나체" panose="020B0503000000000000" pitchFamily="50" charset="-127"/>
+                <a:ea typeface="빙그레 메로나체" panose="020B0503000000000000" pitchFamily="50" charset="-127"/>
+              </a:rPr>
+              <a:t>)</a:t>
+            </a:r>
+            <a:r>
+              <a:rPr lang="en-US" altLang="ko-KR" b="0">
+                <a:solidFill>
+                  <a:srgbClr val="89DDFF"/>
+                </a:solidFill>
+                <a:effectLst/>
+                <a:latin typeface="빙그레 메로나체" panose="020B0503000000000000" pitchFamily="50" charset="-127"/>
+                <a:ea typeface="빙그레 메로나체" panose="020B0503000000000000" pitchFamily="50" charset="-127"/>
+              </a:rPr>
+              <a:t>;</a:t>
+            </a:r>
+            <a:endParaRPr lang="en-US" altLang="ko-KR" b="0">
+              <a:solidFill>
+                <a:srgbClr val="EEFFFF"/>
+              </a:solidFill>
+              <a:effectLst/>
+              <a:latin typeface="빙그레 메로나체" panose="020B0503000000000000" pitchFamily="50" charset="-127"/>
+              <a:ea typeface="빙그레 메로나체" panose="020B0503000000000000" pitchFamily="50" charset="-127"/>
+            </a:endParaRPr>
+          </a:p>
+          <a:p>
+            <a:r>
+              <a:rPr lang="en-US" altLang="ko-KR" b="0">
+                <a:solidFill>
+                  <a:srgbClr val="F07178"/>
+                </a:solidFill>
+                <a:effectLst/>
+                <a:latin typeface="빙그레 메로나체" panose="020B0503000000000000" pitchFamily="50" charset="-127"/>
+                <a:ea typeface="빙그레 메로나체" panose="020B0503000000000000" pitchFamily="50" charset="-127"/>
+              </a:rPr>
+              <a:t>  </a:t>
+            </a:r>
+            <a:r>
+              <a:rPr lang="en-US" altLang="ko-KR" b="0">
+                <a:solidFill>
+                  <a:srgbClr val="89DDFF"/>
+                </a:solidFill>
+                <a:effectLst/>
+                <a:latin typeface="빙그레 메로나체" panose="020B0503000000000000" pitchFamily="50" charset="-127"/>
+                <a:ea typeface="빙그레 메로나체" panose="020B0503000000000000" pitchFamily="50" charset="-127"/>
+              </a:rPr>
+              <a:t>};</a:t>
+            </a:r>
+            <a:endParaRPr lang="en-US" altLang="ko-KR" b="0">
+              <a:solidFill>
+                <a:srgbClr val="EEFFFF"/>
+              </a:solidFill>
+              <a:effectLst/>
+              <a:latin typeface="빙그레 메로나체" panose="020B0503000000000000" pitchFamily="50" charset="-127"/>
+              <a:ea typeface="빙그레 메로나체" panose="020B0503000000000000" pitchFamily="50" charset="-127"/>
+            </a:endParaRPr>
+          </a:p>
+          <a:p>
+            <a:r>
+              <a:rPr lang="en-US" altLang="ko-KR" b="0">
+                <a:solidFill>
+                  <a:srgbClr val="F07178"/>
+                </a:solidFill>
+                <a:effectLst/>
+                <a:latin typeface="빙그레 메로나체" panose="020B0503000000000000" pitchFamily="50" charset="-127"/>
+                <a:ea typeface="빙그레 메로나체" panose="020B0503000000000000" pitchFamily="50" charset="-127"/>
+              </a:rPr>
+              <a:t>  </a:t>
+            </a:r>
+            <a:r>
+              <a:rPr lang="en-US" altLang="ko-KR" b="0">
+                <a:solidFill>
+                  <a:srgbClr val="C792EA"/>
+                </a:solidFill>
+                <a:effectLst/>
+                <a:latin typeface="빙그레 메로나체" panose="020B0503000000000000" pitchFamily="50" charset="-127"/>
+                <a:ea typeface="빙그레 메로나체" panose="020B0503000000000000" pitchFamily="50" charset="-127"/>
+              </a:rPr>
+              <a:t>const</a:t>
+            </a:r>
+            <a:r>
+              <a:rPr lang="en-US" altLang="ko-KR" b="0">
+                <a:solidFill>
+                  <a:srgbClr val="F07178"/>
+                </a:solidFill>
+                <a:effectLst/>
+                <a:latin typeface="빙그레 메로나체" panose="020B0503000000000000" pitchFamily="50" charset="-127"/>
+                <a:ea typeface="빙그레 메로나체" panose="020B0503000000000000" pitchFamily="50" charset="-127"/>
+              </a:rPr>
+              <a:t> </a:t>
+            </a:r>
+            <a:r>
+              <a:rPr lang="en-US" altLang="ko-KR" b="0">
+                <a:solidFill>
+                  <a:srgbClr val="82AAFF"/>
+                </a:solidFill>
+                <a:effectLst/>
+                <a:latin typeface="빙그레 메로나체" panose="020B0503000000000000" pitchFamily="50" charset="-127"/>
+                <a:ea typeface="빙그레 메로나체" panose="020B0503000000000000" pitchFamily="50" charset="-127"/>
+              </a:rPr>
+              <a:t>onClick</a:t>
+            </a:r>
+            <a:r>
+              <a:rPr lang="en-US" altLang="ko-KR" b="0">
+                <a:solidFill>
+                  <a:srgbClr val="F07178"/>
+                </a:solidFill>
+                <a:effectLst/>
+                <a:latin typeface="빙그레 메로나체" panose="020B0503000000000000" pitchFamily="50" charset="-127"/>
+                <a:ea typeface="빙그레 메로나체" panose="020B0503000000000000" pitchFamily="50" charset="-127"/>
+              </a:rPr>
+              <a:t> </a:t>
+            </a:r>
+            <a:r>
+              <a:rPr lang="en-US" altLang="ko-KR" b="0">
+                <a:solidFill>
+                  <a:srgbClr val="89DDFF"/>
+                </a:solidFill>
+                <a:effectLst/>
+                <a:latin typeface="빙그레 메로나체" panose="020B0503000000000000" pitchFamily="50" charset="-127"/>
+                <a:ea typeface="빙그레 메로나체" panose="020B0503000000000000" pitchFamily="50" charset="-127"/>
+              </a:rPr>
+              <a:t>=</a:t>
+            </a:r>
+            <a:r>
+              <a:rPr lang="en-US" altLang="ko-KR" b="0">
+                <a:solidFill>
+                  <a:srgbClr val="F07178"/>
+                </a:solidFill>
+                <a:effectLst/>
+                <a:latin typeface="빙그레 메로나체" panose="020B0503000000000000" pitchFamily="50" charset="-127"/>
+                <a:ea typeface="빙그레 메로나체" panose="020B0503000000000000" pitchFamily="50" charset="-127"/>
+              </a:rPr>
+              <a:t> </a:t>
+            </a:r>
+            <a:r>
+              <a:rPr lang="en-US" altLang="ko-KR" b="0">
+                <a:solidFill>
+                  <a:srgbClr val="89DDFF"/>
+                </a:solidFill>
+                <a:effectLst/>
+                <a:latin typeface="빙그레 메로나체" panose="020B0503000000000000" pitchFamily="50" charset="-127"/>
+                <a:ea typeface="빙그레 메로나체" panose="020B0503000000000000" pitchFamily="50" charset="-127"/>
+              </a:rPr>
+              <a:t>(</a:t>
+            </a:r>
+            <a:r>
+              <a:rPr lang="en-US" altLang="ko-KR" b="0">
+                <a:solidFill>
+                  <a:srgbClr val="EEFFFF"/>
+                </a:solidFill>
+                <a:effectLst/>
+                <a:latin typeface="빙그레 메로나체" panose="020B0503000000000000" pitchFamily="50" charset="-127"/>
+                <a:ea typeface="빙그레 메로나체" panose="020B0503000000000000" pitchFamily="50" charset="-127"/>
+              </a:rPr>
+              <a:t>event</a:t>
+            </a:r>
+            <a:r>
+              <a:rPr lang="en-US" altLang="ko-KR" b="0">
+                <a:solidFill>
+                  <a:srgbClr val="89DDFF"/>
+                </a:solidFill>
+                <a:effectLst/>
+                <a:latin typeface="빙그레 메로나체" panose="020B0503000000000000" pitchFamily="50" charset="-127"/>
+                <a:ea typeface="빙그레 메로나체" panose="020B0503000000000000" pitchFamily="50" charset="-127"/>
+              </a:rPr>
+              <a:t>)</a:t>
+            </a:r>
+            <a:r>
+              <a:rPr lang="en-US" altLang="ko-KR" b="0">
+                <a:solidFill>
+                  <a:srgbClr val="F07178"/>
+                </a:solidFill>
+                <a:effectLst/>
+                <a:latin typeface="빙그레 메로나체" panose="020B0503000000000000" pitchFamily="50" charset="-127"/>
+                <a:ea typeface="빙그레 메로나체" panose="020B0503000000000000" pitchFamily="50" charset="-127"/>
+              </a:rPr>
+              <a:t> </a:t>
+            </a:r>
+            <a:r>
+              <a:rPr lang="en-US" altLang="ko-KR" b="0">
+                <a:solidFill>
+                  <a:srgbClr val="C792EA"/>
+                </a:solidFill>
+                <a:effectLst/>
+                <a:latin typeface="빙그레 메로나체" panose="020B0503000000000000" pitchFamily="50" charset="-127"/>
+                <a:ea typeface="빙그레 메로나체" panose="020B0503000000000000" pitchFamily="50" charset="-127"/>
+              </a:rPr>
+              <a:t>=&gt;</a:t>
+            </a:r>
+            <a:r>
+              <a:rPr lang="en-US" altLang="ko-KR" b="0">
+                <a:solidFill>
+                  <a:srgbClr val="F07178"/>
+                </a:solidFill>
+                <a:effectLst/>
+                <a:latin typeface="빙그레 메로나체" panose="020B0503000000000000" pitchFamily="50" charset="-127"/>
+                <a:ea typeface="빙그레 메로나체" panose="020B0503000000000000" pitchFamily="50" charset="-127"/>
+              </a:rPr>
+              <a:t> </a:t>
+            </a:r>
+            <a:r>
+              <a:rPr lang="en-US" altLang="ko-KR" b="0">
+                <a:solidFill>
+                  <a:srgbClr val="89DDFF"/>
+                </a:solidFill>
+                <a:effectLst/>
+                <a:latin typeface="빙그레 메로나체" panose="020B0503000000000000" pitchFamily="50" charset="-127"/>
+                <a:ea typeface="빙그레 메로나체" panose="020B0503000000000000" pitchFamily="50" charset="-127"/>
+              </a:rPr>
+              <a:t>{</a:t>
+            </a:r>
+            <a:endParaRPr lang="en-US" altLang="ko-KR" b="0">
+              <a:solidFill>
+                <a:srgbClr val="EEFFFF"/>
+              </a:solidFill>
+              <a:effectLst/>
+              <a:latin typeface="빙그레 메로나체" panose="020B0503000000000000" pitchFamily="50" charset="-127"/>
+              <a:ea typeface="빙그레 메로나체" panose="020B0503000000000000" pitchFamily="50" charset="-127"/>
+            </a:endParaRPr>
+          </a:p>
+          <a:p>
+            <a:r>
+              <a:rPr lang="en-US" altLang="ko-KR" b="0">
+                <a:solidFill>
+                  <a:srgbClr val="F07178"/>
+                </a:solidFill>
+                <a:effectLst/>
+                <a:latin typeface="빙그레 메로나체" panose="020B0503000000000000" pitchFamily="50" charset="-127"/>
+                <a:ea typeface="빙그레 메로나체" panose="020B0503000000000000" pitchFamily="50" charset="-127"/>
+              </a:rPr>
+              <a:t>    </a:t>
+            </a:r>
+            <a:r>
+              <a:rPr lang="en-US" altLang="ko-KR" b="0">
+                <a:solidFill>
+                  <a:srgbClr val="EEFFFF"/>
+                </a:solidFill>
+                <a:effectLst/>
+                <a:latin typeface="빙그레 메로나체" panose="020B0503000000000000" pitchFamily="50" charset="-127"/>
+                <a:ea typeface="빙그레 메로나체" panose="020B0503000000000000" pitchFamily="50" charset="-127"/>
+              </a:rPr>
+              <a:t>event</a:t>
+            </a:r>
+            <a:r>
+              <a:rPr lang="en-US" altLang="ko-KR" b="0">
+                <a:solidFill>
+                  <a:srgbClr val="89DDFF"/>
+                </a:solidFill>
+                <a:effectLst/>
+                <a:latin typeface="빙그레 메로나체" panose="020B0503000000000000" pitchFamily="50" charset="-127"/>
+                <a:ea typeface="빙그레 메로나체" panose="020B0503000000000000" pitchFamily="50" charset="-127"/>
+              </a:rPr>
+              <a:t>.</a:t>
+            </a:r>
+            <a:r>
+              <a:rPr lang="en-US" altLang="ko-KR" b="0">
+                <a:solidFill>
+                  <a:srgbClr val="82AAFF"/>
+                </a:solidFill>
+                <a:effectLst/>
+                <a:latin typeface="빙그레 메로나체" panose="020B0503000000000000" pitchFamily="50" charset="-127"/>
+                <a:ea typeface="빙그레 메로나체" panose="020B0503000000000000" pitchFamily="50" charset="-127"/>
+              </a:rPr>
+              <a:t>preventDefault</a:t>
+            </a:r>
+            <a:r>
+              <a:rPr lang="en-US" altLang="ko-KR" b="0">
+                <a:solidFill>
+                  <a:srgbClr val="F07178"/>
+                </a:solidFill>
+                <a:effectLst/>
+                <a:latin typeface="빙그레 메로나체" panose="020B0503000000000000" pitchFamily="50" charset="-127"/>
+                <a:ea typeface="빙그레 메로나체" panose="020B0503000000000000" pitchFamily="50" charset="-127"/>
+              </a:rPr>
+              <a:t>()</a:t>
+            </a:r>
+            <a:r>
+              <a:rPr lang="en-US" altLang="ko-KR" b="0">
+                <a:solidFill>
+                  <a:srgbClr val="89DDFF"/>
+                </a:solidFill>
+                <a:effectLst/>
+                <a:latin typeface="빙그레 메로나체" panose="020B0503000000000000" pitchFamily="50" charset="-127"/>
+                <a:ea typeface="빙그레 메로나체" panose="020B0503000000000000" pitchFamily="50" charset="-127"/>
+              </a:rPr>
+              <a:t>;</a:t>
+            </a:r>
+            <a:endParaRPr lang="en-US" altLang="ko-KR" b="0">
+              <a:solidFill>
+                <a:srgbClr val="EEFFFF"/>
+              </a:solidFill>
+              <a:effectLst/>
+              <a:latin typeface="빙그레 메로나체" panose="020B0503000000000000" pitchFamily="50" charset="-127"/>
+              <a:ea typeface="빙그레 메로나체" panose="020B0503000000000000" pitchFamily="50" charset="-127"/>
+            </a:endParaRPr>
+          </a:p>
+          <a:p>
+            <a:r>
+              <a:rPr lang="en-US" altLang="ko-KR" b="0">
+                <a:solidFill>
+                  <a:srgbClr val="F07178"/>
+                </a:solidFill>
+                <a:effectLst/>
+                <a:latin typeface="빙그레 메로나체" panose="020B0503000000000000" pitchFamily="50" charset="-127"/>
+                <a:ea typeface="빙그레 메로나체" panose="020B0503000000000000" pitchFamily="50" charset="-127"/>
+              </a:rPr>
+              <a:t>    </a:t>
+            </a:r>
+            <a:r>
+              <a:rPr lang="en-US" altLang="ko-KR" b="0">
+                <a:solidFill>
+                  <a:srgbClr val="82AAFF"/>
+                </a:solidFill>
+                <a:effectLst/>
+                <a:latin typeface="빙그레 메로나체" panose="020B0503000000000000" pitchFamily="50" charset="-127"/>
+                <a:ea typeface="빙그레 메로나체" panose="020B0503000000000000" pitchFamily="50" charset="-127"/>
+              </a:rPr>
+              <a:t>setFlag</a:t>
+            </a:r>
+            <a:r>
+              <a:rPr lang="en-US" altLang="ko-KR" b="0">
+                <a:solidFill>
+                  <a:srgbClr val="F07178"/>
+                </a:solidFill>
+                <a:effectLst/>
+                <a:latin typeface="빙그레 메로나체" panose="020B0503000000000000" pitchFamily="50" charset="-127"/>
+                <a:ea typeface="빙그레 메로나체" panose="020B0503000000000000" pitchFamily="50" charset="-127"/>
+              </a:rPr>
+              <a:t>(</a:t>
+            </a:r>
+            <a:r>
+              <a:rPr lang="en-US" altLang="ko-KR" b="0">
+                <a:solidFill>
+                  <a:srgbClr val="89DDFF"/>
+                </a:solidFill>
+                <a:effectLst/>
+                <a:latin typeface="빙그레 메로나체" panose="020B0503000000000000" pitchFamily="50" charset="-127"/>
+                <a:ea typeface="빙그레 메로나체" panose="020B0503000000000000" pitchFamily="50" charset="-127"/>
+              </a:rPr>
+              <a:t>!</a:t>
+            </a:r>
+            <a:r>
+              <a:rPr lang="en-US" altLang="ko-KR" b="0">
+                <a:solidFill>
+                  <a:srgbClr val="EEFFFF"/>
+                </a:solidFill>
+                <a:effectLst/>
+                <a:latin typeface="빙그레 메로나체" panose="020B0503000000000000" pitchFamily="50" charset="-127"/>
+                <a:ea typeface="빙그레 메로나체" panose="020B0503000000000000" pitchFamily="50" charset="-127"/>
+              </a:rPr>
+              <a:t>flag</a:t>
+            </a:r>
+            <a:r>
+              <a:rPr lang="en-US" altLang="ko-KR" b="0">
+                <a:solidFill>
+                  <a:srgbClr val="F07178"/>
+                </a:solidFill>
+                <a:effectLst/>
+                <a:latin typeface="빙그레 메로나체" panose="020B0503000000000000" pitchFamily="50" charset="-127"/>
+                <a:ea typeface="빙그레 메로나체" panose="020B0503000000000000" pitchFamily="50" charset="-127"/>
+              </a:rPr>
+              <a:t>)</a:t>
+            </a:r>
+            <a:r>
+              <a:rPr lang="en-US" altLang="ko-KR" b="0">
+                <a:solidFill>
+                  <a:srgbClr val="89DDFF"/>
+                </a:solidFill>
+                <a:effectLst/>
+                <a:latin typeface="빙그레 메로나체" panose="020B0503000000000000" pitchFamily="50" charset="-127"/>
+                <a:ea typeface="빙그레 메로나체" panose="020B0503000000000000" pitchFamily="50" charset="-127"/>
+              </a:rPr>
+              <a:t>;</a:t>
+            </a:r>
+            <a:endParaRPr lang="en-US" altLang="ko-KR" b="0">
+              <a:solidFill>
+                <a:srgbClr val="EEFFFF"/>
+              </a:solidFill>
+              <a:effectLst/>
+              <a:latin typeface="빙그레 메로나체" panose="020B0503000000000000" pitchFamily="50" charset="-127"/>
+              <a:ea typeface="빙그레 메로나체" panose="020B0503000000000000" pitchFamily="50" charset="-127"/>
+            </a:endParaRPr>
+          </a:p>
+          <a:p>
+            <a:r>
+              <a:rPr lang="en-US" altLang="ko-KR" b="0">
+                <a:solidFill>
+                  <a:srgbClr val="F07178"/>
+                </a:solidFill>
+                <a:effectLst/>
+                <a:latin typeface="빙그레 메로나체" panose="020B0503000000000000" pitchFamily="50" charset="-127"/>
+                <a:ea typeface="빙그레 메로나체" panose="020B0503000000000000" pitchFamily="50" charset="-127"/>
+              </a:rPr>
+              <a:t>  </a:t>
+            </a:r>
+            <a:r>
+              <a:rPr lang="en-US" altLang="ko-KR" b="0">
+                <a:solidFill>
+                  <a:srgbClr val="89DDFF"/>
+                </a:solidFill>
+                <a:effectLst/>
+                <a:latin typeface="빙그레 메로나체" panose="020B0503000000000000" pitchFamily="50" charset="-127"/>
+                <a:ea typeface="빙그레 메로나체" panose="020B0503000000000000" pitchFamily="50" charset="-127"/>
+              </a:rPr>
+              <a:t>};</a:t>
+            </a:r>
+            <a:endParaRPr lang="en-US" altLang="ko-KR" b="0">
+              <a:solidFill>
+                <a:srgbClr val="EEFFFF"/>
+              </a:solidFill>
+              <a:effectLst/>
+              <a:latin typeface="빙그레 메로나체" panose="020B0503000000000000" pitchFamily="50" charset="-127"/>
+              <a:ea typeface="빙그레 메로나체" panose="020B0503000000000000" pitchFamily="50" charset="-127"/>
+            </a:endParaRPr>
+          </a:p>
+          <a:p>
+            <a:r>
+              <a:rPr lang="en-US" altLang="ko-KR" b="0">
+                <a:solidFill>
+                  <a:srgbClr val="F07178"/>
+                </a:solidFill>
+                <a:effectLst/>
+                <a:latin typeface="빙그레 메로나체" panose="020B0503000000000000" pitchFamily="50" charset="-127"/>
+                <a:ea typeface="빙그레 메로나체" panose="020B0503000000000000" pitchFamily="50" charset="-127"/>
+              </a:rPr>
+              <a:t>  </a:t>
+            </a:r>
+            <a:r>
+              <a:rPr lang="en-US" altLang="ko-KR" b="0">
+                <a:solidFill>
+                  <a:srgbClr val="82AAFF"/>
+                </a:solidFill>
+                <a:effectLst/>
+                <a:latin typeface="빙그레 메로나체" panose="020B0503000000000000" pitchFamily="50" charset="-127"/>
+                <a:ea typeface="빙그레 메로나체" panose="020B0503000000000000" pitchFamily="50" charset="-127"/>
+              </a:rPr>
+              <a:t>useEffect</a:t>
+            </a:r>
+            <a:r>
+              <a:rPr lang="en-US" altLang="ko-KR" b="0">
+                <a:solidFill>
+                  <a:srgbClr val="F07178"/>
+                </a:solidFill>
+                <a:effectLst/>
+                <a:latin typeface="빙그레 메로나체" panose="020B0503000000000000" pitchFamily="50" charset="-127"/>
+                <a:ea typeface="빙그레 메로나체" panose="020B0503000000000000" pitchFamily="50" charset="-127"/>
+              </a:rPr>
+              <a:t>(</a:t>
+            </a:r>
+            <a:r>
+              <a:rPr lang="en-US" altLang="ko-KR" b="0">
+                <a:solidFill>
+                  <a:srgbClr val="89DDFF"/>
+                </a:solidFill>
+                <a:effectLst/>
+                <a:latin typeface="빙그레 메로나체" panose="020B0503000000000000" pitchFamily="50" charset="-127"/>
+                <a:ea typeface="빙그레 메로나체" panose="020B0503000000000000" pitchFamily="50" charset="-127"/>
+              </a:rPr>
+              <a:t>()</a:t>
+            </a:r>
+            <a:r>
+              <a:rPr lang="en-US" altLang="ko-KR" b="0">
+                <a:solidFill>
+                  <a:srgbClr val="F07178"/>
+                </a:solidFill>
+                <a:effectLst/>
+                <a:latin typeface="빙그레 메로나체" panose="020B0503000000000000" pitchFamily="50" charset="-127"/>
+                <a:ea typeface="빙그레 메로나체" panose="020B0503000000000000" pitchFamily="50" charset="-127"/>
+              </a:rPr>
+              <a:t> </a:t>
+            </a:r>
+            <a:r>
+              <a:rPr lang="en-US" altLang="ko-KR" b="0">
+                <a:solidFill>
+                  <a:srgbClr val="C792EA"/>
+                </a:solidFill>
+                <a:effectLst/>
+                <a:latin typeface="빙그레 메로나체" panose="020B0503000000000000" pitchFamily="50" charset="-127"/>
+                <a:ea typeface="빙그레 메로나체" panose="020B0503000000000000" pitchFamily="50" charset="-127"/>
+              </a:rPr>
+              <a:t>=&gt;</a:t>
+            </a:r>
+            <a:r>
+              <a:rPr lang="en-US" altLang="ko-KR" b="0">
+                <a:solidFill>
+                  <a:srgbClr val="F07178"/>
+                </a:solidFill>
+                <a:effectLst/>
+                <a:latin typeface="빙그레 메로나체" panose="020B0503000000000000" pitchFamily="50" charset="-127"/>
+                <a:ea typeface="빙그레 메로나체" panose="020B0503000000000000" pitchFamily="50" charset="-127"/>
+              </a:rPr>
+              <a:t> </a:t>
+            </a:r>
+            <a:r>
+              <a:rPr lang="en-US" altLang="ko-KR" b="0">
+                <a:solidFill>
+                  <a:srgbClr val="82AAFF"/>
+                </a:solidFill>
+                <a:effectLst/>
+                <a:latin typeface="빙그레 메로나체" panose="020B0503000000000000" pitchFamily="50" charset="-127"/>
+                <a:ea typeface="빙그레 메로나체" panose="020B0503000000000000" pitchFamily="50" charset="-127"/>
+              </a:rPr>
+              <a:t>printInput</a:t>
+            </a:r>
+            <a:r>
+              <a:rPr lang="en-US" altLang="ko-KR" b="0">
+                <a:solidFill>
+                  <a:srgbClr val="F07178"/>
+                </a:solidFill>
+                <a:effectLst/>
+                <a:latin typeface="빙그레 메로나체" panose="020B0503000000000000" pitchFamily="50" charset="-127"/>
+                <a:ea typeface="빙그레 메로나체" panose="020B0503000000000000" pitchFamily="50" charset="-127"/>
+              </a:rPr>
+              <a:t>())</a:t>
+            </a:r>
+            <a:r>
+              <a:rPr lang="en-US" altLang="ko-KR" b="0">
+                <a:solidFill>
+                  <a:srgbClr val="89DDFF"/>
+                </a:solidFill>
+                <a:effectLst/>
+                <a:latin typeface="빙그레 메로나체" panose="020B0503000000000000" pitchFamily="50" charset="-127"/>
+                <a:ea typeface="빙그레 메로나체" panose="020B0503000000000000" pitchFamily="50" charset="-127"/>
+              </a:rPr>
+              <a:t>;</a:t>
+            </a:r>
+            <a:endParaRPr lang="en-US" altLang="ko-KR" b="0">
+              <a:solidFill>
+                <a:srgbClr val="EEFFFF"/>
+              </a:solidFill>
+              <a:effectLst/>
+              <a:latin typeface="빙그레 메로나체" panose="020B0503000000000000" pitchFamily="50" charset="-127"/>
+              <a:ea typeface="빙그레 메로나체" panose="020B0503000000000000" pitchFamily="50" charset="-127"/>
+            </a:endParaRPr>
+          </a:p>
+          <a:p>
+            <a:r>
+              <a:rPr lang="en-US" altLang="ko-KR" b="0">
+                <a:solidFill>
+                  <a:srgbClr val="F07178"/>
+                </a:solidFill>
+                <a:effectLst/>
+                <a:latin typeface="빙그레 메로나체" panose="020B0503000000000000" pitchFamily="50" charset="-127"/>
+                <a:ea typeface="빙그레 메로나체" panose="020B0503000000000000" pitchFamily="50" charset="-127"/>
+              </a:rPr>
+              <a:t>  ...</a:t>
+            </a:r>
+            <a:endParaRPr lang="en-US" altLang="ko-KR" b="0">
+              <a:solidFill>
+                <a:srgbClr val="EEFFFF"/>
+              </a:solidFill>
+              <a:effectLst/>
+              <a:latin typeface="빙그레 메로나체" panose="020B0503000000000000" pitchFamily="50" charset="-127"/>
+              <a:ea typeface="빙그레 메로나체" panose="020B0503000000000000" pitchFamily="50" charset="-127"/>
+            </a:endParaRPr>
+          </a:p>
+        </p:txBody>
+      </p:sp>
+      <p:sp>
+        <p:nvSpPr>
+          <p:cNvPr id="12" name="TextBox 11">
+            <a:extLst>
+              <a:ext uri="{FF2B5EF4-FFF2-40B4-BE49-F238E27FC236}">
+                <a16:creationId xmlns:a16="http://schemas.microsoft.com/office/drawing/2014/main" id="{9874584C-1182-4D06-A5AE-C9C79BE4465F}"/>
+              </a:ext>
+            </a:extLst>
+          </p:cNvPr>
+          <p:cNvSpPr txBox="1"/>
+          <p:nvPr/>
+        </p:nvSpPr>
+        <p:spPr>
+          <a:xfrm>
+            <a:off x="4432935" y="6118152"/>
+            <a:ext cx="3326130" cy="369332"/>
           </a:xfrm>
           <a:prstGeom prst="rect">
             <a:avLst/>
@@ -33927,6 +36094,7 @@
           </a:bodyPr>
           <a:lstStyle/>
           <a:p>
+            <a:pPr algn="ctr"/>
             <a:r>
               <a:rPr lang="en-US" altLang="ko-KR">
                 <a:ln>
@@ -33939,10 +36107,231 @@
                 <a:latin typeface="빙그레 메로나체" panose="020B0503000000000000" pitchFamily="50" charset="-127"/>
                 <a:ea typeface="빙그레 메로나체" panose="020B0503000000000000" pitchFamily="50" charset="-127"/>
               </a:rPr>
-              <a:t>useMemo</a:t>
-            </a:r>
-            <a:r>
-              <a:rPr lang="ko-KR" altLang="en-US">
+              <a:t>useCallback - deps - input</a:t>
+            </a:r>
+          </a:p>
+        </p:txBody>
+      </p:sp>
+      <p:pic>
+        <p:nvPicPr>
+          <p:cNvPr id="3" name="그림 2">
+            <a:extLst>
+              <a:ext uri="{FF2B5EF4-FFF2-40B4-BE49-F238E27FC236}">
+                <a16:creationId xmlns:a16="http://schemas.microsoft.com/office/drawing/2014/main" id="{C0112C31-CADC-4E22-9E1C-8D52590B2594}"/>
+              </a:ext>
+            </a:extLst>
+          </p:cNvPr>
+          <p:cNvPicPr>
+            <a:picLocks noChangeAspect="1"/>
+          </p:cNvPicPr>
+          <p:nvPr/>
+        </p:nvPicPr>
+        <p:blipFill>
+          <a:blip r:embed="rId3"/>
+          <a:stretch>
+            <a:fillRect/>
+          </a:stretch>
+        </p:blipFill>
+        <p:spPr>
+          <a:xfrm>
+            <a:off x="6529013" y="1546304"/>
+            <a:ext cx="4886544" cy="4146158"/>
+          </a:xfrm>
+          <a:prstGeom prst="rect">
+            <a:avLst/>
+          </a:prstGeom>
+          <a:ln>
+            <a:solidFill>
+              <a:schemeClr val="tx1"/>
+            </a:solidFill>
+          </a:ln>
+        </p:spPr>
+      </p:pic>
+    </p:spTree>
+    <p:extLst>
+      <p:ext uri="{BB962C8B-B14F-4D97-AF65-F5344CB8AC3E}">
+        <p14:creationId xmlns:p14="http://schemas.microsoft.com/office/powerpoint/2010/main" val="125865540"/>
+      </p:ext>
+    </p:extLst>
+  </p:cSld>
+  <p:clrMapOvr>
+    <a:masterClrMapping/>
+  </p:clrMapOvr>
+</p:sld>
+</file>
+
+<file path=ppt/slides/slide26.xml><?xml version="1.0" encoding="utf-8"?>
+<p:sld xmlns:a="http://schemas.openxmlformats.org/drawingml/2006/main" xmlns:r="http://schemas.openxmlformats.org/officeDocument/2006/relationships" xmlns:p="http://schemas.openxmlformats.org/presentationml/2006/main">
+  <p:cSld>
+    <p:spTree>
+      <p:nvGrpSpPr>
+        <p:cNvPr id="1" name=""/>
+        <p:cNvGrpSpPr/>
+        <p:nvPr/>
+      </p:nvGrpSpPr>
+      <p:grpSpPr>
+        <a:xfrm>
+          <a:off x="0" y="0"/>
+          <a:ext cx="0" cy="0"/>
+          <a:chOff x="0" y="0"/>
+          <a:chExt cx="0" cy="0"/>
+        </a:xfrm>
+      </p:grpSpPr>
+      <p:grpSp>
+        <p:nvGrpSpPr>
+          <p:cNvPr id="6" name="그룹 5">
+            <a:extLst>
+              <a:ext uri="{FF2B5EF4-FFF2-40B4-BE49-F238E27FC236}">
+                <a16:creationId xmlns:a16="http://schemas.microsoft.com/office/drawing/2014/main" id="{CA7BD838-D4FB-4EA7-B68C-FA7B6D147BA2}"/>
+              </a:ext>
+            </a:extLst>
+          </p:cNvPr>
+          <p:cNvGrpSpPr/>
+          <p:nvPr/>
+        </p:nvGrpSpPr>
+        <p:grpSpPr>
+          <a:xfrm>
+            <a:off x="159192" y="182880"/>
+            <a:ext cx="1852488" cy="854227"/>
+            <a:chOff x="640080" y="-971550"/>
+            <a:chExt cx="1660746" cy="765810"/>
+          </a:xfrm>
+        </p:grpSpPr>
+        <p:sp>
+          <p:nvSpPr>
+            <p:cNvPr id="18" name="TextBox 17">
+              <a:extLst>
+                <a:ext uri="{FF2B5EF4-FFF2-40B4-BE49-F238E27FC236}">
+                  <a16:creationId xmlns:a16="http://schemas.microsoft.com/office/drawing/2014/main" id="{D7B7EE40-BAD9-4569-9BF6-F6E9ACA78A3C}"/>
+                </a:ext>
+              </a:extLst>
+            </p:cNvPr>
+            <p:cNvSpPr txBox="1"/>
+            <p:nvPr/>
+          </p:nvSpPr>
+          <p:spPr>
+            <a:xfrm>
+              <a:off x="683325" y="-770703"/>
+              <a:ext cx="1576513" cy="358697"/>
+            </a:xfrm>
+            <a:prstGeom prst="rect">
+              <a:avLst/>
+            </a:prstGeom>
+            <a:noFill/>
+          </p:spPr>
+          <p:txBody>
+            <a:bodyPr wrap="square" rtlCol="0" anchor="ctr">
+              <a:spAutoFit/>
+            </a:bodyPr>
+            <a:lstStyle/>
+            <a:p>
+              <a:pPr algn="ctr"/>
+              <a:r>
+                <a:rPr lang="en-US" altLang="ko-KR" sz="2000">
+                  <a:ln>
+                    <a:solidFill>
+                      <a:schemeClr val="tx1">
+                        <a:alpha val="30000"/>
+                      </a:schemeClr>
+                    </a:solidFill>
+                  </a:ln>
+                  <a:latin typeface="빙그레 메로나체" panose="020B0503000000000000" pitchFamily="50" charset="-127"/>
+                  <a:ea typeface="빙그레 메로나체" panose="020B0503000000000000" pitchFamily="50" charset="-127"/>
+                </a:rPr>
+                <a:t>React</a:t>
+              </a:r>
+            </a:p>
+          </p:txBody>
+        </p:sp>
+        <p:sp>
+          <p:nvSpPr>
+            <p:cNvPr id="5" name="직사각형 4">
+              <a:extLst>
+                <a:ext uri="{FF2B5EF4-FFF2-40B4-BE49-F238E27FC236}">
+                  <a16:creationId xmlns:a16="http://schemas.microsoft.com/office/drawing/2014/main" id="{AB4C8245-D0E4-4D79-B3E9-2FB89CE6FE84}"/>
+                </a:ext>
+              </a:extLst>
+            </p:cNvPr>
+            <p:cNvSpPr/>
+            <p:nvPr/>
+          </p:nvSpPr>
+          <p:spPr>
+            <a:xfrm>
+              <a:off x="640080" y="-971550"/>
+              <a:ext cx="1660746" cy="765810"/>
+            </a:xfrm>
+            <a:prstGeom prst="rect">
+              <a:avLst/>
+            </a:prstGeom>
+            <a:noFill/>
+            <a:ln w="25400">
+              <a:solidFill>
+                <a:schemeClr val="tx1"/>
+              </a:solidFill>
+            </a:ln>
+          </p:spPr>
+          <p:style>
+            <a:lnRef idx="2">
+              <a:schemeClr val="accent1">
+                <a:shade val="50000"/>
+              </a:schemeClr>
+            </a:lnRef>
+            <a:fillRef idx="1">
+              <a:schemeClr val="accent1"/>
+            </a:fillRef>
+            <a:effectRef idx="0">
+              <a:schemeClr val="accent1"/>
+            </a:effectRef>
+            <a:fontRef idx="minor">
+              <a:schemeClr val="lt1"/>
+            </a:fontRef>
+          </p:style>
+          <p:txBody>
+            <a:bodyPr rtlCol="0" anchor="ctr"/>
+            <a:lstStyle/>
+            <a:p>
+              <a:pPr algn="ctr"/>
+              <a:endParaRPr lang="ko-KR" altLang="en-US">
+                <a:latin typeface="빙그레 메로나체" panose="020B0503000000000000" pitchFamily="50" charset="-127"/>
+                <a:ea typeface="빙그레 메로나체" panose="020B0503000000000000" pitchFamily="50" charset="-127"/>
+              </a:endParaRPr>
+            </a:p>
+          </p:txBody>
+        </p:sp>
+      </p:grpSp>
+      <p:sp>
+        <p:nvSpPr>
+          <p:cNvPr id="30" name="TextBox 29">
+            <a:extLst>
+              <a:ext uri="{FF2B5EF4-FFF2-40B4-BE49-F238E27FC236}">
+                <a16:creationId xmlns:a16="http://schemas.microsoft.com/office/drawing/2014/main" id="{706566D1-60CB-4C10-9859-0656D082B2B7}"/>
+              </a:ext>
+            </a:extLst>
+          </p:cNvPr>
+          <p:cNvSpPr txBox="1"/>
+          <p:nvPr/>
+        </p:nvSpPr>
+        <p:spPr>
+          <a:xfrm>
+            <a:off x="2388870" y="422305"/>
+            <a:ext cx="3326130" cy="369332"/>
+          </a:xfrm>
+          <a:prstGeom prst="rect">
+            <a:avLst/>
+          </a:prstGeom>
+          <a:noFill/>
+          <a:ln>
+            <a:noFill/>
+          </a:ln>
+        </p:spPr>
+        <p:txBody>
+          <a:bodyPr wrap="square" rtlCol="0">
+            <a:spAutoFit/>
+          </a:bodyPr>
+          <a:lstStyle/>
+          <a:p>
+            <a:r>
+              <a:rPr lang="en-US" altLang="ko-KR">
                 <a:ln>
                   <a:solidFill>
                     <a:schemeClr val="tx1">
@@ -33953,86 +36342,39 @@
                 <a:latin typeface="빙그레 메로나체" panose="020B0503000000000000" pitchFamily="50" charset="-127"/>
                 <a:ea typeface="빙그레 메로나체" panose="020B0503000000000000" pitchFamily="50" charset="-127"/>
               </a:rPr>
-              <a:t>와 비슷한 함수</a:t>
-            </a:r>
-            <a:endParaRPr lang="en-US" altLang="ko-KR">
-              <a:ln>
-                <a:solidFill>
-                  <a:schemeClr val="tx1">
-                    <a:alpha val="30000"/>
-                  </a:schemeClr>
-                </a:solidFill>
-              </a:ln>
-              <a:latin typeface="빙그레 메로나체" panose="020B0503000000000000" pitchFamily="50" charset="-127"/>
-              <a:ea typeface="빙그레 메로나체" panose="020B0503000000000000" pitchFamily="50" charset="-127"/>
-            </a:endParaRPr>
-          </a:p>
-          <a:p>
-            <a:r>
-              <a:rPr lang="ko-KR" altLang="en-US">
-                <a:ln>
-                  <a:solidFill>
-                    <a:schemeClr val="tx1">
-                      <a:alpha val="30000"/>
-                    </a:schemeClr>
-                  </a:solidFill>
-                </a:ln>
-                <a:latin typeface="빙그레 메로나체" panose="020B0503000000000000" pitchFamily="50" charset="-127"/>
-                <a:ea typeface="빙그레 메로나체" panose="020B0503000000000000" pitchFamily="50" charset="-127"/>
-              </a:rPr>
-              <a:t>주로 렌더링 성능을 최적화해야하는 상황에서 사용</a:t>
-            </a:r>
-            <a:endParaRPr lang="en-US" altLang="ko-KR">
-              <a:ln>
-                <a:solidFill>
-                  <a:schemeClr val="tx1">
-                    <a:alpha val="30000"/>
-                  </a:schemeClr>
-                </a:solidFill>
-              </a:ln>
-              <a:latin typeface="빙그레 메로나체" panose="020B0503000000000000" pitchFamily="50" charset="-127"/>
-              <a:ea typeface="빙그레 메로나체" panose="020B0503000000000000" pitchFamily="50" charset="-127"/>
-            </a:endParaRPr>
-          </a:p>
-          <a:p>
-            <a:r>
-              <a:rPr lang="ko-KR" altLang="en-US">
-                <a:ln>
-                  <a:solidFill>
-                    <a:schemeClr val="tx1">
-                      <a:alpha val="30000"/>
-                    </a:schemeClr>
-                  </a:solidFill>
-                </a:ln>
-                <a:latin typeface="빙그레 메로나체" panose="020B0503000000000000" pitchFamily="50" charset="-127"/>
-                <a:ea typeface="빙그레 메로나체" panose="020B0503000000000000" pitchFamily="50" charset="-127"/>
-              </a:rPr>
-              <a:t>만들어 놓은 함수를 재사용 가능</a:t>
-            </a:r>
-            <a:endParaRPr lang="en-US" altLang="ko-KR">
-              <a:ln>
-                <a:solidFill>
-                  <a:schemeClr val="tx1">
-                    <a:alpha val="30000"/>
-                  </a:schemeClr>
-                </a:solidFill>
-              </a:ln>
-              <a:latin typeface="빙그레 메로나체" panose="020B0503000000000000" pitchFamily="50" charset="-127"/>
-              <a:ea typeface="빙그레 메로나체" panose="020B0503000000000000" pitchFamily="50" charset="-127"/>
-            </a:endParaRPr>
-          </a:p>
-          <a:p>
-            <a:endParaRPr lang="en-US" altLang="ko-KR">
-              <a:ln>
-                <a:solidFill>
-                  <a:schemeClr val="tx1">
-                    <a:alpha val="30000"/>
-                  </a:schemeClr>
-                </a:solidFill>
-              </a:ln>
-              <a:latin typeface="빙그레 메로나체" panose="020B0503000000000000" pitchFamily="50" charset="-127"/>
-              <a:ea typeface="빙그레 메로나체" panose="020B0503000000000000" pitchFamily="50" charset="-127"/>
-            </a:endParaRPr>
+              <a:t>Hooks - useCallback</a:t>
+            </a:r>
+          </a:p>
+        </p:txBody>
+      </p:sp>
+      <p:sp>
+        <p:nvSpPr>
+          <p:cNvPr id="10" name="슬라이드 번호 개체 틀 9">
+            <a:extLst>
+              <a:ext uri="{FF2B5EF4-FFF2-40B4-BE49-F238E27FC236}">
+                <a16:creationId xmlns:a16="http://schemas.microsoft.com/office/drawing/2014/main" id="{6F1C1DC9-3B79-47A0-95A5-B5A14A6B4906}"/>
+              </a:ext>
+            </a:extLst>
+          </p:cNvPr>
+          <p:cNvSpPr>
+            <a:spLocks noGrp="1"/>
+          </p:cNvSpPr>
+          <p:nvPr>
+            <p:ph type="sldNum" sz="quarter" idx="12"/>
+          </p:nvPr>
+        </p:nvSpPr>
+        <p:spPr/>
+        <p:txBody>
+          <a:bodyPr/>
+          <a:lstStyle/>
+          <a:p>
+            <a:pPr algn="ctr"/>
+            <a:fld id="{4AE1E1EF-90A0-4171-8CF9-B3BC5042A8FC}" type="slidenum">
+              <a:rPr lang="ko-KR" altLang="en-US" smtClean="0"/>
+              <a:pPr algn="ctr"/>
+              <a:t>26</a:t>
+            </a:fld>
+            <a:endParaRPr lang="ko-KR" altLang="en-US"/>
           </a:p>
         </p:txBody>
       </p:sp>
@@ -34050,8 +36392,8 @@
         </p:nvSpPr>
         <p:spPr>
           <a:xfrm>
-            <a:off x="312825" y="2344794"/>
-            <a:ext cx="7098628" cy="4247317"/>
+            <a:off x="969645" y="1546304"/>
+            <a:ext cx="4735693" cy="4247317"/>
           </a:xfrm>
           <a:prstGeom prst="rect">
             <a:avLst/>
@@ -34250,7 +36592,7 @@
                 <a:latin typeface="빙그레 메로나체" panose="020B0503000000000000" pitchFamily="50" charset="-127"/>
                 <a:ea typeface="빙그레 메로나체" panose="020B0503000000000000" pitchFamily="50" charset="-127"/>
               </a:rPr>
-              <a:t>input</a:t>
+              <a:t>flag</a:t>
             </a:r>
             <a:r>
               <a:rPr lang="en-US" altLang="ko-KR" b="0">
@@ -34283,7 +36625,7 @@
                 <a:latin typeface="빙그레 메로나체" panose="020B0503000000000000" pitchFamily="50" charset="-127"/>
                 <a:ea typeface="빙그레 메로나체" panose="020B0503000000000000" pitchFamily="50" charset="-127"/>
               </a:rPr>
-              <a:t>setInput</a:t>
+              <a:t>setFlag</a:t>
             </a:r>
             <a:r>
               <a:rPr lang="en-US" altLang="ko-KR" b="0">
@@ -34354,13 +36696,13 @@
             <a:r>
               <a:rPr lang="en-US" altLang="ko-KR" b="0">
                 <a:solidFill>
-                  <a:srgbClr val="89DDFF"/>
-                </a:solidFill>
-                <a:effectLst/>
-                <a:latin typeface="빙그레 메로나체" panose="020B0503000000000000" pitchFamily="50" charset="-127"/>
-                <a:ea typeface="빙그레 메로나체" panose="020B0503000000000000" pitchFamily="50" charset="-127"/>
-              </a:rPr>
-              <a:t>""</a:t>
+                  <a:srgbClr val="FF9CAC"/>
+                </a:solidFill>
+                <a:effectLst/>
+                <a:latin typeface="빙그레 메로나체" panose="020B0503000000000000" pitchFamily="50" charset="-127"/>
+                <a:ea typeface="빙그레 메로나체" panose="020B0503000000000000" pitchFamily="50" charset="-127"/>
+              </a:rPr>
+              <a:t>false</a:t>
             </a:r>
             <a:r>
               <a:rPr lang="en-US" altLang="ko-KR" b="0">
@@ -34430,13 +36772,35 @@
             <a:r>
               <a:rPr lang="en-US" altLang="ko-KR" b="0">
                 <a:solidFill>
+                  <a:srgbClr val="89DDFF"/>
+                </a:solidFill>
+                <a:effectLst/>
+                <a:latin typeface="빙그레 메로나체" panose="020B0503000000000000" pitchFamily="50" charset="-127"/>
+                <a:ea typeface="빙그레 메로나체" panose="020B0503000000000000" pitchFamily="50" charset="-127"/>
+              </a:rPr>
+              <a:t>[</a:t>
+            </a:r>
+            <a:r>
+              <a:rPr lang="en-US" altLang="ko-KR" b="0">
+                <a:solidFill>
                   <a:srgbClr val="EEFFFF"/>
                 </a:solidFill>
                 <a:effectLst/>
                 <a:latin typeface="빙그레 메로나체" panose="020B0503000000000000" pitchFamily="50" charset="-127"/>
                 <a:ea typeface="빙그레 메로나체" panose="020B0503000000000000" pitchFamily="50" charset="-127"/>
               </a:rPr>
-              <a:t>inputRef</a:t>
+              <a:t>input</a:t>
+            </a:r>
+            <a:r>
+              <a:rPr lang="en-US" altLang="ko-KR" b="0">
+                <a:solidFill>
+                  <a:srgbClr val="89DDFF"/>
+                </a:solidFill>
+                <a:effectLst/>
+                <a:latin typeface="빙그레 메로나체" panose="020B0503000000000000" pitchFamily="50" charset="-127"/>
+                <a:ea typeface="빙그레 메로나체" panose="020B0503000000000000" pitchFamily="50" charset="-127"/>
+              </a:rPr>
+              <a:t>,</a:t>
             </a:r>
             <a:r>
               <a:rPr lang="en-US" altLang="ko-KR" b="0">
@@ -34452,6 +36816,39 @@
             <a:r>
               <a:rPr lang="en-US" altLang="ko-KR" b="0">
                 <a:solidFill>
+                  <a:srgbClr val="82AAFF"/>
+                </a:solidFill>
+                <a:effectLst/>
+                <a:latin typeface="빙그레 메로나체" panose="020B0503000000000000" pitchFamily="50" charset="-127"/>
+                <a:ea typeface="빙그레 메로나체" panose="020B0503000000000000" pitchFamily="50" charset="-127"/>
+              </a:rPr>
+              <a:t>setInput</a:t>
+            </a:r>
+            <a:r>
+              <a:rPr lang="en-US" altLang="ko-KR" b="0">
+                <a:solidFill>
+                  <a:srgbClr val="89DDFF"/>
+                </a:solidFill>
+                <a:effectLst/>
+                <a:latin typeface="빙그레 메로나체" panose="020B0503000000000000" pitchFamily="50" charset="-127"/>
+                <a:ea typeface="빙그레 메로나체" panose="020B0503000000000000" pitchFamily="50" charset="-127"/>
+              </a:rPr>
+              <a:t>]</a:t>
+            </a:r>
+            <a:r>
+              <a:rPr lang="en-US" altLang="ko-KR" b="0">
+                <a:solidFill>
+                  <a:srgbClr val="F07178"/>
+                </a:solidFill>
+                <a:effectLst/>
+                <a:latin typeface="빙그레 메로나체" panose="020B0503000000000000" pitchFamily="50" charset="-127"/>
+                <a:ea typeface="빙그레 메로나체" panose="020B0503000000000000" pitchFamily="50" charset="-127"/>
+              </a:rPr>
+              <a:t> </a:t>
+            </a:r>
+            <a:r>
+              <a:rPr lang="en-US" altLang="ko-KR" b="0">
+                <a:solidFill>
                   <a:srgbClr val="89DDFF"/>
                 </a:solidFill>
                 <a:effectLst/>
@@ -34480,18 +36877,40 @@
                 <a:latin typeface="빙그레 메로나체" panose="020B0503000000000000" pitchFamily="50" charset="-127"/>
                 <a:ea typeface="빙그레 메로나체" panose="020B0503000000000000" pitchFamily="50" charset="-127"/>
               </a:rPr>
-              <a:t>useRef</a:t>
-            </a:r>
-            <a:r>
-              <a:rPr lang="en-US" altLang="ko-KR" b="0">
-                <a:solidFill>
-                  <a:srgbClr val="F07178"/>
-                </a:solidFill>
-                <a:effectLst/>
-                <a:latin typeface="빙그레 메로나체" panose="020B0503000000000000" pitchFamily="50" charset="-127"/>
-                <a:ea typeface="빙그레 메로나체" panose="020B0503000000000000" pitchFamily="50" charset="-127"/>
-              </a:rPr>
-              <a:t>()</a:t>
+              <a:t>useState</a:t>
+            </a:r>
+            <a:r>
+              <a:rPr lang="en-US" altLang="ko-KR" b="0">
+                <a:solidFill>
+                  <a:srgbClr val="F07178"/>
+                </a:solidFill>
+                <a:effectLst/>
+                <a:latin typeface="빙그레 메로나체" panose="020B0503000000000000" pitchFamily="50" charset="-127"/>
+                <a:ea typeface="빙그레 메로나체" panose="020B0503000000000000" pitchFamily="50" charset="-127"/>
+              </a:rPr>
+              <a:t>(</a:t>
+            </a:r>
+            <a:r>
+              <a:rPr lang="en-US" altLang="ko-KR" b="0">
+                <a:solidFill>
+                  <a:srgbClr val="89DDFF"/>
+                </a:solidFill>
+                <a:effectLst/>
+                <a:latin typeface="빙그레 메로나체" panose="020B0503000000000000" pitchFamily="50" charset="-127"/>
+                <a:ea typeface="빙그레 메로나체" panose="020B0503000000000000" pitchFamily="50" charset="-127"/>
+              </a:rPr>
+              <a:t>""</a:t>
+            </a:r>
+            <a:r>
+              <a:rPr lang="en-US" altLang="ko-KR" b="0">
+                <a:solidFill>
+                  <a:srgbClr val="F07178"/>
+                </a:solidFill>
+                <a:effectLst/>
+                <a:latin typeface="빙그레 메로나체" panose="020B0503000000000000" pitchFamily="50" charset="-127"/>
+                <a:ea typeface="빙그레 메로나체" panose="020B0503000000000000" pitchFamily="50" charset="-127"/>
+              </a:rPr>
+              <a:t>)</a:t>
             </a:r>
             <a:r>
               <a:rPr lang="en-US" altLang="ko-KR" b="0">
@@ -34594,6 +37013,28 @@
             <a:r>
               <a:rPr lang="en-US" altLang="ko-KR" b="0">
                 <a:solidFill>
+                  <a:srgbClr val="82AAFF"/>
+                </a:solidFill>
+                <a:effectLst/>
+                <a:latin typeface="빙그레 메로나체" panose="020B0503000000000000" pitchFamily="50" charset="-127"/>
+                <a:ea typeface="빙그레 메로나체" panose="020B0503000000000000" pitchFamily="50" charset="-127"/>
+              </a:rPr>
+              <a:t>useCallback</a:t>
+            </a:r>
+            <a:r>
+              <a:rPr lang="en-US" altLang="ko-KR" b="0">
+                <a:solidFill>
+                  <a:srgbClr val="F07178"/>
+                </a:solidFill>
+                <a:effectLst/>
+                <a:latin typeface="빙그레 메로나체" panose="020B0503000000000000" pitchFamily="50" charset="-127"/>
+                <a:ea typeface="빙그레 메로나체" panose="020B0503000000000000" pitchFamily="50" charset="-127"/>
+              </a:rPr>
+              <a:t>(</a:t>
+            </a:r>
+            <a:r>
+              <a:rPr lang="en-US" altLang="ko-KR" b="0">
+                <a:solidFill>
                   <a:srgbClr val="89DDFF"/>
                 </a:solidFill>
                 <a:effectLst/>
@@ -34714,28 +37155,6 @@
             <a:r>
               <a:rPr lang="en-US" altLang="ko-KR" b="0">
                 <a:solidFill>
-                  <a:srgbClr val="89DDFF"/>
-                </a:solidFill>
-                <a:effectLst/>
-                <a:latin typeface="빙그레 메로나체" panose="020B0503000000000000" pitchFamily="50" charset="-127"/>
-                <a:ea typeface="빙그레 메로나체" panose="020B0503000000000000" pitchFamily="50" charset="-127"/>
-              </a:rPr>
-              <a:t>{</a:t>
-            </a:r>
-            <a:r>
-              <a:rPr lang="en-US" altLang="ko-KR" b="0">
-                <a:solidFill>
-                  <a:srgbClr val="F07178"/>
-                </a:solidFill>
-                <a:effectLst/>
-                <a:latin typeface="빙그레 메로나체" panose="020B0503000000000000" pitchFamily="50" charset="-127"/>
-                <a:ea typeface="빙그레 메로나체" panose="020B0503000000000000" pitchFamily="50" charset="-127"/>
-              </a:rPr>
-              <a:t> </a:t>
-            </a:r>
-            <a:r>
-              <a:rPr lang="en-US" altLang="ko-KR" b="0">
-                <a:solidFill>
                   <a:srgbClr val="EEFFFF"/>
                 </a:solidFill>
                 <a:effectLst/>
@@ -34743,28 +37162,6 @@
                 <a:ea typeface="빙그레 메로나체" panose="020B0503000000000000" pitchFamily="50" charset="-127"/>
               </a:rPr>
               <a:t>input</a:t>
-            </a:r>
-            <a:r>
-              <a:rPr lang="en-US" altLang="ko-KR" b="0">
-                <a:solidFill>
-                  <a:srgbClr val="F07178"/>
-                </a:solidFill>
-                <a:effectLst/>
-                <a:latin typeface="빙그레 메로나체" panose="020B0503000000000000" pitchFamily="50" charset="-127"/>
-                <a:ea typeface="빙그레 메로나체" panose="020B0503000000000000" pitchFamily="50" charset="-127"/>
-              </a:rPr>
-              <a:t> </a:t>
-            </a:r>
-            <a:r>
-              <a:rPr lang="en-US" altLang="ko-KR" b="0">
-                <a:solidFill>
-                  <a:srgbClr val="89DDFF"/>
-                </a:solidFill>
-                <a:effectLst/>
-                <a:latin typeface="빙그레 메로나체" panose="020B0503000000000000" pitchFamily="50" charset="-127"/>
-                <a:ea typeface="빙그레 메로나체" panose="020B0503000000000000" pitchFamily="50" charset="-127"/>
-              </a:rPr>
-              <a:t>}</a:t>
             </a:r>
             <a:r>
               <a:rPr lang="en-US" altLang="ko-KR" b="0">
@@ -34807,29 +37204,29 @@
                 <a:latin typeface="빙그레 메로나체" panose="020B0503000000000000" pitchFamily="50" charset="-127"/>
                 <a:ea typeface="빙그레 메로나체" panose="020B0503000000000000" pitchFamily="50" charset="-127"/>
               </a:rPr>
-              <a:t>    </a:t>
-            </a:r>
-            <a:r>
-              <a:rPr lang="en-US" altLang="ko-KR" b="0" i="1">
-                <a:solidFill>
-                  <a:srgbClr val="89DDFF"/>
-                </a:solidFill>
-                <a:effectLst/>
-                <a:latin typeface="빙그레 메로나체" panose="020B0503000000000000" pitchFamily="50" charset="-127"/>
-                <a:ea typeface="빙그레 메로나체" panose="020B0503000000000000" pitchFamily="50" charset="-127"/>
-              </a:rPr>
-              <a:t>return</a:t>
-            </a:r>
-            <a:r>
-              <a:rPr lang="en-US" altLang="ko-KR" b="0">
-                <a:solidFill>
-                  <a:srgbClr val="F07178"/>
-                </a:solidFill>
-                <a:effectLst/>
-                <a:latin typeface="빙그레 메로나체" panose="020B0503000000000000" pitchFamily="50" charset="-127"/>
-                <a:ea typeface="빙그레 메로나체" panose="020B0503000000000000" pitchFamily="50" charset="-127"/>
-              </a:rPr>
-              <a:t> </a:t>
+              <a:t>  </a:t>
+            </a:r>
+            <a:r>
+              <a:rPr lang="en-US" altLang="ko-KR" b="0">
+                <a:solidFill>
+                  <a:srgbClr val="89DDFF"/>
+                </a:solidFill>
+                <a:effectLst/>
+                <a:latin typeface="빙그레 메로나체" panose="020B0503000000000000" pitchFamily="50" charset="-127"/>
+                <a:ea typeface="빙그레 메로나체" panose="020B0503000000000000" pitchFamily="50" charset="-127"/>
+              </a:rPr>
+              <a:t>},</a:t>
+            </a:r>
+            <a:r>
+              <a:rPr lang="en-US" altLang="ko-KR" b="0">
+                <a:solidFill>
+                  <a:srgbClr val="F07178"/>
+                </a:solidFill>
+                <a:effectLst/>
+                <a:latin typeface="빙그레 메로나체" panose="020B0503000000000000" pitchFamily="50" charset="-127"/>
+                <a:ea typeface="빙그레 메로나체" panose="020B0503000000000000" pitchFamily="50" charset="-127"/>
+              </a:rPr>
+              <a:t> [</a:t>
             </a:r>
             <a:r>
               <a:rPr lang="en-US" altLang="ko-KR" b="0">
@@ -34840,7 +37237,18 @@
                 <a:latin typeface="빙그레 메로나체" panose="020B0503000000000000" pitchFamily="50" charset="-127"/>
                 <a:ea typeface="빙그레 메로나체" panose="020B0503000000000000" pitchFamily="50" charset="-127"/>
               </a:rPr>
-              <a:t>input</a:t>
+              <a:t>flag</a:t>
+            </a:r>
+            <a:r>
+              <a:rPr lang="en-US" altLang="ko-KR" b="0">
+                <a:solidFill>
+                  <a:srgbClr val="F07178"/>
+                </a:solidFill>
+                <a:effectLst/>
+                <a:latin typeface="빙그레 메로나체" panose="020B0503000000000000" pitchFamily="50" charset="-127"/>
+                <a:ea typeface="빙그레 메로나체" panose="020B0503000000000000" pitchFamily="50" charset="-127"/>
+              </a:rPr>
+              <a:t>])</a:t>
             </a:r>
             <a:r>
               <a:rPr lang="en-US" altLang="ko-KR" b="0">
@@ -34877,13 +37285,145 @@
             <a:r>
               <a:rPr lang="en-US" altLang="ko-KR" b="0">
                 <a:solidFill>
-                  <a:srgbClr val="89DDFF"/>
-                </a:solidFill>
-                <a:effectLst/>
-                <a:latin typeface="빙그레 메로나체" panose="020B0503000000000000" pitchFamily="50" charset="-127"/>
-                <a:ea typeface="빙그레 메로나체" panose="020B0503000000000000" pitchFamily="50" charset="-127"/>
-              </a:rPr>
-              <a:t>};</a:t>
+                  <a:srgbClr val="C792EA"/>
+                </a:solidFill>
+                <a:effectLst/>
+                <a:latin typeface="빙그레 메로나체" panose="020B0503000000000000" pitchFamily="50" charset="-127"/>
+                <a:ea typeface="빙그레 메로나체" panose="020B0503000000000000" pitchFamily="50" charset="-127"/>
+              </a:rPr>
+              <a:t>const</a:t>
+            </a:r>
+            <a:r>
+              <a:rPr lang="en-US" altLang="ko-KR" b="0">
+                <a:solidFill>
+                  <a:srgbClr val="F07178"/>
+                </a:solidFill>
+                <a:effectLst/>
+                <a:latin typeface="빙그레 메로나체" panose="020B0503000000000000" pitchFamily="50" charset="-127"/>
+                <a:ea typeface="빙그레 메로나체" panose="020B0503000000000000" pitchFamily="50" charset="-127"/>
+              </a:rPr>
+              <a:t> </a:t>
+            </a:r>
+            <a:r>
+              <a:rPr lang="en-US" altLang="ko-KR" b="0">
+                <a:solidFill>
+                  <a:srgbClr val="82AAFF"/>
+                </a:solidFill>
+                <a:effectLst/>
+                <a:latin typeface="빙그레 메로나체" panose="020B0503000000000000" pitchFamily="50" charset="-127"/>
+                <a:ea typeface="빙그레 메로나체" panose="020B0503000000000000" pitchFamily="50" charset="-127"/>
+              </a:rPr>
+              <a:t>onChange</a:t>
+            </a:r>
+            <a:r>
+              <a:rPr lang="en-US" altLang="ko-KR" b="0">
+                <a:solidFill>
+                  <a:srgbClr val="F07178"/>
+                </a:solidFill>
+                <a:effectLst/>
+                <a:latin typeface="빙그레 메로나체" panose="020B0503000000000000" pitchFamily="50" charset="-127"/>
+                <a:ea typeface="빙그레 메로나체" panose="020B0503000000000000" pitchFamily="50" charset="-127"/>
+              </a:rPr>
+              <a:t> </a:t>
+            </a:r>
+            <a:r>
+              <a:rPr lang="en-US" altLang="ko-KR" b="0">
+                <a:solidFill>
+                  <a:srgbClr val="89DDFF"/>
+                </a:solidFill>
+                <a:effectLst/>
+                <a:latin typeface="빙그레 메로나체" panose="020B0503000000000000" pitchFamily="50" charset="-127"/>
+                <a:ea typeface="빙그레 메로나체" panose="020B0503000000000000" pitchFamily="50" charset="-127"/>
+              </a:rPr>
+              <a:t>=</a:t>
+            </a:r>
+            <a:r>
+              <a:rPr lang="en-US" altLang="ko-KR" b="0">
+                <a:solidFill>
+                  <a:srgbClr val="F07178"/>
+                </a:solidFill>
+                <a:effectLst/>
+                <a:latin typeface="빙그레 메로나체" panose="020B0503000000000000" pitchFamily="50" charset="-127"/>
+                <a:ea typeface="빙그레 메로나체" panose="020B0503000000000000" pitchFamily="50" charset="-127"/>
+              </a:rPr>
+              <a:t> </a:t>
+            </a:r>
+            <a:r>
+              <a:rPr lang="en-US" altLang="ko-KR" b="0">
+                <a:solidFill>
+                  <a:srgbClr val="89DDFF"/>
+                </a:solidFill>
+                <a:effectLst/>
+                <a:latin typeface="빙그레 메로나체" panose="020B0503000000000000" pitchFamily="50" charset="-127"/>
+                <a:ea typeface="빙그레 메로나체" panose="020B0503000000000000" pitchFamily="50" charset="-127"/>
+              </a:rPr>
+              <a:t>(</a:t>
+            </a:r>
+            <a:r>
+              <a:rPr lang="en-US" altLang="ko-KR" b="0">
+                <a:solidFill>
+                  <a:srgbClr val="EEFFFF"/>
+                </a:solidFill>
+                <a:effectLst/>
+                <a:latin typeface="빙그레 메로나체" panose="020B0503000000000000" pitchFamily="50" charset="-127"/>
+                <a:ea typeface="빙그레 메로나체" panose="020B0503000000000000" pitchFamily="50" charset="-127"/>
+              </a:rPr>
+              <a:t>event</a:t>
+            </a:r>
+            <a:r>
+              <a:rPr lang="en-US" altLang="ko-KR" b="0">
+                <a:solidFill>
+                  <a:srgbClr val="89DDFF"/>
+                </a:solidFill>
+                <a:effectLst/>
+                <a:latin typeface="빙그레 메로나체" panose="020B0503000000000000" pitchFamily="50" charset="-127"/>
+                <a:ea typeface="빙그레 메로나체" panose="020B0503000000000000" pitchFamily="50" charset="-127"/>
+              </a:rPr>
+              <a:t>)</a:t>
+            </a:r>
+            <a:r>
+              <a:rPr lang="en-US" altLang="ko-KR" b="0">
+                <a:solidFill>
+                  <a:srgbClr val="F07178"/>
+                </a:solidFill>
+                <a:effectLst/>
+                <a:latin typeface="빙그레 메로나체" panose="020B0503000000000000" pitchFamily="50" charset="-127"/>
+                <a:ea typeface="빙그레 메로나체" panose="020B0503000000000000" pitchFamily="50" charset="-127"/>
+              </a:rPr>
+              <a:t> </a:t>
+            </a:r>
+            <a:r>
+              <a:rPr lang="en-US" altLang="ko-KR" b="0">
+                <a:solidFill>
+                  <a:srgbClr val="C792EA"/>
+                </a:solidFill>
+                <a:effectLst/>
+                <a:latin typeface="빙그레 메로나체" panose="020B0503000000000000" pitchFamily="50" charset="-127"/>
+                <a:ea typeface="빙그레 메로나체" panose="020B0503000000000000" pitchFamily="50" charset="-127"/>
+              </a:rPr>
+              <a:t>=&gt;</a:t>
+            </a:r>
+            <a:r>
+              <a:rPr lang="en-US" altLang="ko-KR" b="0">
+                <a:solidFill>
+                  <a:srgbClr val="F07178"/>
+                </a:solidFill>
+                <a:effectLst/>
+                <a:latin typeface="빙그레 메로나체" panose="020B0503000000000000" pitchFamily="50" charset="-127"/>
+                <a:ea typeface="빙그레 메로나체" panose="020B0503000000000000" pitchFamily="50" charset="-127"/>
+              </a:rPr>
+              <a:t> </a:t>
+            </a:r>
+            <a:r>
+              <a:rPr lang="en-US" altLang="ko-KR" b="0">
+                <a:solidFill>
+                  <a:srgbClr val="89DDFF"/>
+                </a:solidFill>
+                <a:effectLst/>
+                <a:latin typeface="빙그레 메로나체" panose="020B0503000000000000" pitchFamily="50" charset="-127"/>
+                <a:ea typeface="빙그레 메로나체" panose="020B0503000000000000" pitchFamily="50" charset="-127"/>
+              </a:rPr>
+              <a:t>{</a:t>
             </a:r>
             <a:endParaRPr lang="en-US" altLang="ko-KR" b="0">
               <a:solidFill>
@@ -34904,29 +37444,7 @@
                 <a:latin typeface="빙그레 메로나체" panose="020B0503000000000000" pitchFamily="50" charset="-127"/>
                 <a:ea typeface="빙그레 메로나체" panose="020B0503000000000000" pitchFamily="50" charset="-127"/>
               </a:rPr>
-              <a:t>  </a:t>
-            </a:r>
-            <a:r>
-              <a:rPr lang="en-US" altLang="ko-KR" b="0">
-                <a:solidFill>
-                  <a:srgbClr val="C792EA"/>
-                </a:solidFill>
-                <a:effectLst/>
-                <a:latin typeface="빙그레 메로나체" panose="020B0503000000000000" pitchFamily="50" charset="-127"/>
-                <a:ea typeface="빙그레 메로나체" panose="020B0503000000000000" pitchFamily="50" charset="-127"/>
-              </a:rPr>
-              <a:t>const</a:t>
-            </a:r>
-            <a:r>
-              <a:rPr lang="en-US" altLang="ko-KR" b="0">
-                <a:solidFill>
-                  <a:srgbClr val="F07178"/>
-                </a:solidFill>
-                <a:effectLst/>
-                <a:latin typeface="빙그레 메로나체" panose="020B0503000000000000" pitchFamily="50" charset="-127"/>
-                <a:ea typeface="빙그레 메로나체" panose="020B0503000000000000" pitchFamily="50" charset="-127"/>
-              </a:rPr>
-              <a:t> </a:t>
+              <a:t>    </a:t>
             </a:r>
             <a:r>
               <a:rPr lang="en-US" altLang="ko-KR" b="0">
@@ -34937,45 +37455,12 @@
                 <a:latin typeface="빙그레 메로나체" panose="020B0503000000000000" pitchFamily="50" charset="-127"/>
                 <a:ea typeface="빙그레 메로나체" panose="020B0503000000000000" pitchFamily="50" charset="-127"/>
               </a:rPr>
-              <a:t>onChange</a:t>
-            </a:r>
-            <a:r>
-              <a:rPr lang="en-US" altLang="ko-KR" b="0">
-                <a:solidFill>
-                  <a:srgbClr val="F07178"/>
-                </a:solidFill>
-                <a:effectLst/>
-                <a:latin typeface="빙그레 메로나체" panose="020B0503000000000000" pitchFamily="50" charset="-127"/>
-                <a:ea typeface="빙그레 메로나체" panose="020B0503000000000000" pitchFamily="50" charset="-127"/>
-              </a:rPr>
-              <a:t> </a:t>
-            </a:r>
-            <a:r>
-              <a:rPr lang="en-US" altLang="ko-KR" b="0">
-                <a:solidFill>
-                  <a:srgbClr val="89DDFF"/>
-                </a:solidFill>
-                <a:effectLst/>
-                <a:latin typeface="빙그레 메로나체" panose="020B0503000000000000" pitchFamily="50" charset="-127"/>
-                <a:ea typeface="빙그레 메로나체" panose="020B0503000000000000" pitchFamily="50" charset="-127"/>
-              </a:rPr>
-              <a:t>=</a:t>
-            </a:r>
-            <a:r>
-              <a:rPr lang="en-US" altLang="ko-KR" b="0">
-                <a:solidFill>
-                  <a:srgbClr val="F07178"/>
-                </a:solidFill>
-                <a:effectLst/>
-                <a:latin typeface="빙그레 메로나체" panose="020B0503000000000000" pitchFamily="50" charset="-127"/>
-                <a:ea typeface="빙그레 메로나체" panose="020B0503000000000000" pitchFamily="50" charset="-127"/>
-              </a:rPr>
-              <a:t> </a:t>
-            </a:r>
-            <a:r>
-              <a:rPr lang="en-US" altLang="ko-KR" b="0">
-                <a:solidFill>
-                  <a:srgbClr val="89DDFF"/>
+              <a:t>setInput</a:t>
+            </a:r>
+            <a:r>
+              <a:rPr lang="en-US" altLang="ko-KR" b="0">
+                <a:solidFill>
+                  <a:srgbClr val="F07178"/>
                 </a:solidFill>
                 <a:effectLst/>
                 <a:latin typeface="빙그레 메로나체" panose="020B0503000000000000" pitchFamily="50" charset="-127"/>
@@ -35003,51 +37488,62 @@
                 <a:latin typeface="빙그레 메로나체" panose="020B0503000000000000" pitchFamily="50" charset="-127"/>
                 <a:ea typeface="빙그레 메로나체" panose="020B0503000000000000" pitchFamily="50" charset="-127"/>
               </a:rPr>
+              <a:t>.</a:t>
+            </a:r>
+            <a:r>
+              <a:rPr lang="en-US" altLang="ko-KR" b="0">
+                <a:solidFill>
+                  <a:srgbClr val="EEFFFF"/>
+                </a:solidFill>
+                <a:effectLst/>
+                <a:latin typeface="빙그레 메로나체" panose="020B0503000000000000" pitchFamily="50" charset="-127"/>
+                <a:ea typeface="빙그레 메로나체" panose="020B0503000000000000" pitchFamily="50" charset="-127"/>
+              </a:rPr>
+              <a:t>target</a:t>
+            </a:r>
+            <a:r>
+              <a:rPr lang="en-US" altLang="ko-KR" b="0">
+                <a:solidFill>
+                  <a:srgbClr val="89DDFF"/>
+                </a:solidFill>
+                <a:effectLst/>
+                <a:latin typeface="빙그레 메로나체" panose="020B0503000000000000" pitchFamily="50" charset="-127"/>
+                <a:ea typeface="빙그레 메로나체" panose="020B0503000000000000" pitchFamily="50" charset="-127"/>
+              </a:rPr>
+              <a:t>.</a:t>
+            </a:r>
+            <a:r>
+              <a:rPr lang="en-US" altLang="ko-KR" b="0">
+                <a:solidFill>
+                  <a:srgbClr val="EEFFFF"/>
+                </a:solidFill>
+                <a:effectLst/>
+                <a:latin typeface="빙그레 메로나체" panose="020B0503000000000000" pitchFamily="50" charset="-127"/>
+                <a:ea typeface="빙그레 메로나체" panose="020B0503000000000000" pitchFamily="50" charset="-127"/>
+              </a:rPr>
+              <a:t>value</a:t>
+            </a:r>
+            <a:r>
+              <a:rPr lang="en-US" altLang="ko-KR" b="0">
+                <a:solidFill>
+                  <a:srgbClr val="F07178"/>
+                </a:solidFill>
+                <a:effectLst/>
+                <a:latin typeface="빙그레 메로나체" panose="020B0503000000000000" pitchFamily="50" charset="-127"/>
+                <a:ea typeface="빙그레 메로나체" panose="020B0503000000000000" pitchFamily="50" charset="-127"/>
+              </a:rPr>
               <a:t>)</a:t>
             </a:r>
             <a:r>
               <a:rPr lang="en-US" altLang="ko-KR" b="0">
                 <a:solidFill>
-                  <a:srgbClr val="F07178"/>
-                </a:solidFill>
-                <a:effectLst/>
-                <a:latin typeface="빙그레 메로나체" panose="020B0503000000000000" pitchFamily="50" charset="-127"/>
-                <a:ea typeface="빙그레 메로나체" panose="020B0503000000000000" pitchFamily="50" charset="-127"/>
-              </a:rPr>
-              <a:t> </a:t>
-            </a:r>
-            <a:r>
-              <a:rPr lang="en-US" altLang="ko-KR" b="0">
-                <a:solidFill>
-                  <a:srgbClr val="C792EA"/>
-                </a:solidFill>
-                <a:effectLst/>
-                <a:latin typeface="빙그레 메로나체" panose="020B0503000000000000" pitchFamily="50" charset="-127"/>
-                <a:ea typeface="빙그레 메로나체" panose="020B0503000000000000" pitchFamily="50" charset="-127"/>
-              </a:rPr>
-              <a:t>=&gt;</a:t>
-            </a:r>
-            <a:r>
-              <a:rPr lang="en-US" altLang="ko-KR" b="0">
-                <a:solidFill>
-                  <a:srgbClr val="F07178"/>
-                </a:solidFill>
-                <a:effectLst/>
-                <a:latin typeface="빙그레 메로나체" panose="020B0503000000000000" pitchFamily="50" charset="-127"/>
-                <a:ea typeface="빙그레 메로나체" panose="020B0503000000000000" pitchFamily="50" charset="-127"/>
-              </a:rPr>
-              <a:t> </a:t>
-            </a:r>
-            <a:r>
-              <a:rPr lang="en-US" altLang="ko-KR" b="0">
-                <a:solidFill>
-                  <a:srgbClr val="89DDFF"/>
-                </a:solidFill>
-                <a:effectLst/>
-                <a:latin typeface="빙그레 메로나체" panose="020B0503000000000000" pitchFamily="50" charset="-127"/>
-                <a:ea typeface="빙그레 메로나체" panose="020B0503000000000000" pitchFamily="50" charset="-127"/>
-              </a:rPr>
-              <a:t>{</a:t>
+                  <a:srgbClr val="89DDFF"/>
+                </a:solidFill>
+                <a:effectLst/>
+                <a:latin typeface="빙그레 메로나체" panose="020B0503000000000000" pitchFamily="50" charset="-127"/>
+                <a:ea typeface="빙그레 메로나체" panose="020B0503000000000000" pitchFamily="50" charset="-127"/>
+              </a:rPr>
+              <a:t>;</a:t>
             </a:r>
             <a:endParaRPr lang="en-US" altLang="ko-KR" b="0">
               <a:solidFill>
@@ -35068,40 +37564,18 @@
                 <a:latin typeface="빙그레 메로나체" panose="020B0503000000000000" pitchFamily="50" charset="-127"/>
                 <a:ea typeface="빙그레 메로나체" panose="020B0503000000000000" pitchFamily="50" charset="-127"/>
               </a:rPr>
-              <a:t>    </a:t>
-            </a:r>
-            <a:r>
-              <a:rPr lang="en-US" altLang="ko-KR" b="0">
-                <a:solidFill>
-                  <a:srgbClr val="C792EA"/>
-                </a:solidFill>
-                <a:effectLst/>
-                <a:latin typeface="빙그레 메로나체" panose="020B0503000000000000" pitchFamily="50" charset="-127"/>
-                <a:ea typeface="빙그레 메로나체" panose="020B0503000000000000" pitchFamily="50" charset="-127"/>
-              </a:rPr>
-              <a:t>const</a:t>
-            </a:r>
-            <a:r>
-              <a:rPr lang="en-US" altLang="ko-KR" b="0">
-                <a:solidFill>
-                  <a:srgbClr val="F07178"/>
-                </a:solidFill>
-                <a:effectLst/>
-                <a:latin typeface="빙그레 메로나체" panose="020B0503000000000000" pitchFamily="50" charset="-127"/>
-                <a:ea typeface="빙그레 메로나체" panose="020B0503000000000000" pitchFamily="50" charset="-127"/>
-              </a:rPr>
-              <a:t> </a:t>
-            </a:r>
-            <a:r>
-              <a:rPr lang="en-US" altLang="ko-KR" b="0">
-                <a:solidFill>
-                  <a:srgbClr val="89DDFF"/>
-                </a:solidFill>
-                <a:effectLst/>
-                <a:latin typeface="빙그레 메로나체" panose="020B0503000000000000" pitchFamily="50" charset="-127"/>
-                <a:ea typeface="빙그레 메로나체" panose="020B0503000000000000" pitchFamily="50" charset="-127"/>
-              </a:rPr>
-              <a:t>{</a:t>
+              <a:t>  </a:t>
+            </a:r>
+            <a:r>
+              <a:rPr lang="en-US" altLang="ko-KR" b="0">
+                <a:solidFill>
+                  <a:srgbClr val="89DDFF"/>
+                </a:solidFill>
+                <a:effectLst/>
+                <a:latin typeface="빙그레 메로나체" panose="020B0503000000000000" pitchFamily="50" charset="-127"/>
+                <a:ea typeface="빙그레 메로나체" panose="020B0503000000000000" pitchFamily="50" charset="-127"/>
+              </a:rPr>
+              <a:t>};</a:t>
             </a:r>
             <a:endParaRPr lang="en-US" altLang="ko-KR" b="0">
               <a:solidFill>
@@ -35122,18 +37596,18 @@
                 <a:latin typeface="빙그레 메로나체" panose="020B0503000000000000" pitchFamily="50" charset="-127"/>
                 <a:ea typeface="빙그레 메로나체" panose="020B0503000000000000" pitchFamily="50" charset="-127"/>
               </a:rPr>
-              <a:t>      target</a:t>
-            </a:r>
-            <a:r>
-              <a:rPr lang="en-US" altLang="ko-KR" b="0">
-                <a:solidFill>
-                  <a:srgbClr val="89DDFF"/>
-                </a:solidFill>
-                <a:effectLst/>
-                <a:latin typeface="빙그레 메로나체" panose="020B0503000000000000" pitchFamily="50" charset="-127"/>
-                <a:ea typeface="빙그레 메로나체" panose="020B0503000000000000" pitchFamily="50" charset="-127"/>
-              </a:rPr>
-              <a:t>:</a:t>
+              <a:t>  </a:t>
+            </a:r>
+            <a:r>
+              <a:rPr lang="en-US" altLang="ko-KR" b="0">
+                <a:solidFill>
+                  <a:srgbClr val="C792EA"/>
+                </a:solidFill>
+                <a:effectLst/>
+                <a:latin typeface="빙그레 메로나체" panose="020B0503000000000000" pitchFamily="50" charset="-127"/>
+                <a:ea typeface="빙그레 메로나체" panose="020B0503000000000000" pitchFamily="50" charset="-127"/>
+              </a:rPr>
+              <a:t>const</a:t>
             </a:r>
             <a:r>
               <a:rPr lang="en-US" altLang="ko-KR" b="0">
@@ -35149,6 +37623,116 @@
             <a:r>
               <a:rPr lang="en-US" altLang="ko-KR" b="0">
                 <a:solidFill>
+                  <a:srgbClr val="82AAFF"/>
+                </a:solidFill>
+                <a:effectLst/>
+                <a:latin typeface="빙그레 메로나체" panose="020B0503000000000000" pitchFamily="50" charset="-127"/>
+                <a:ea typeface="빙그레 메로나체" panose="020B0503000000000000" pitchFamily="50" charset="-127"/>
+              </a:rPr>
+              <a:t>onClick</a:t>
+            </a:r>
+            <a:r>
+              <a:rPr lang="en-US" altLang="ko-KR" b="0">
+                <a:solidFill>
+                  <a:srgbClr val="F07178"/>
+                </a:solidFill>
+                <a:effectLst/>
+                <a:latin typeface="빙그레 메로나체" panose="020B0503000000000000" pitchFamily="50" charset="-127"/>
+                <a:ea typeface="빙그레 메로나체" panose="020B0503000000000000" pitchFamily="50" charset="-127"/>
+              </a:rPr>
+              <a:t> </a:t>
+            </a:r>
+            <a:r>
+              <a:rPr lang="en-US" altLang="ko-KR" b="0">
+                <a:solidFill>
+                  <a:srgbClr val="89DDFF"/>
+                </a:solidFill>
+                <a:effectLst/>
+                <a:latin typeface="빙그레 메로나체" panose="020B0503000000000000" pitchFamily="50" charset="-127"/>
+                <a:ea typeface="빙그레 메로나체" panose="020B0503000000000000" pitchFamily="50" charset="-127"/>
+              </a:rPr>
+              <a:t>=</a:t>
+            </a:r>
+            <a:r>
+              <a:rPr lang="en-US" altLang="ko-KR" b="0">
+                <a:solidFill>
+                  <a:srgbClr val="F07178"/>
+                </a:solidFill>
+                <a:effectLst/>
+                <a:latin typeface="빙그레 메로나체" panose="020B0503000000000000" pitchFamily="50" charset="-127"/>
+                <a:ea typeface="빙그레 메로나체" panose="020B0503000000000000" pitchFamily="50" charset="-127"/>
+              </a:rPr>
+              <a:t> </a:t>
+            </a:r>
+            <a:r>
+              <a:rPr lang="en-US" altLang="ko-KR" b="0">
+                <a:solidFill>
+                  <a:srgbClr val="89DDFF"/>
+                </a:solidFill>
+                <a:effectLst/>
+                <a:latin typeface="빙그레 메로나체" panose="020B0503000000000000" pitchFamily="50" charset="-127"/>
+                <a:ea typeface="빙그레 메로나체" panose="020B0503000000000000" pitchFamily="50" charset="-127"/>
+              </a:rPr>
+              <a:t>(</a:t>
+            </a:r>
+            <a:r>
+              <a:rPr lang="en-US" altLang="ko-KR" b="0">
+                <a:solidFill>
+                  <a:srgbClr val="EEFFFF"/>
+                </a:solidFill>
+                <a:effectLst/>
+                <a:latin typeface="빙그레 메로나체" panose="020B0503000000000000" pitchFamily="50" charset="-127"/>
+                <a:ea typeface="빙그레 메로나체" panose="020B0503000000000000" pitchFamily="50" charset="-127"/>
+              </a:rPr>
+              <a:t>event</a:t>
+            </a:r>
+            <a:r>
+              <a:rPr lang="en-US" altLang="ko-KR" b="0">
+                <a:solidFill>
+                  <a:srgbClr val="89DDFF"/>
+                </a:solidFill>
+                <a:effectLst/>
+                <a:latin typeface="빙그레 메로나체" panose="020B0503000000000000" pitchFamily="50" charset="-127"/>
+                <a:ea typeface="빙그레 메로나체" panose="020B0503000000000000" pitchFamily="50" charset="-127"/>
+              </a:rPr>
+              <a:t>)</a:t>
+            </a:r>
+            <a:r>
+              <a:rPr lang="en-US" altLang="ko-KR" b="0">
+                <a:solidFill>
+                  <a:srgbClr val="F07178"/>
+                </a:solidFill>
+                <a:effectLst/>
+                <a:latin typeface="빙그레 메로나체" panose="020B0503000000000000" pitchFamily="50" charset="-127"/>
+                <a:ea typeface="빙그레 메로나체" panose="020B0503000000000000" pitchFamily="50" charset="-127"/>
+              </a:rPr>
+              <a:t> </a:t>
+            </a:r>
+            <a:r>
+              <a:rPr lang="en-US" altLang="ko-KR" b="0">
+                <a:solidFill>
+                  <a:srgbClr val="C792EA"/>
+                </a:solidFill>
+                <a:effectLst/>
+                <a:latin typeface="빙그레 메로나체" panose="020B0503000000000000" pitchFamily="50" charset="-127"/>
+                <a:ea typeface="빙그레 메로나체" panose="020B0503000000000000" pitchFamily="50" charset="-127"/>
+              </a:rPr>
+              <a:t>=&gt;</a:t>
+            </a:r>
+            <a:r>
+              <a:rPr lang="en-US" altLang="ko-KR" b="0">
+                <a:solidFill>
+                  <a:srgbClr val="F07178"/>
+                </a:solidFill>
+                <a:effectLst/>
+                <a:latin typeface="빙그레 메로나체" panose="020B0503000000000000" pitchFamily="50" charset="-127"/>
+                <a:ea typeface="빙그레 메로나체" panose="020B0503000000000000" pitchFamily="50" charset="-127"/>
+              </a:rPr>
+              <a:t> </a:t>
+            </a:r>
+            <a:r>
+              <a:rPr lang="en-US" altLang="ko-KR" b="0">
+                <a:solidFill>
                   <a:srgbClr val="89DDFF"/>
                 </a:solidFill>
                 <a:effectLst/>
@@ -35156,50 +37740,6 @@
                 <a:ea typeface="빙그레 메로나체" panose="020B0503000000000000" pitchFamily="50" charset="-127"/>
               </a:rPr>
               <a:t>{</a:t>
-            </a:r>
-            <a:r>
-              <a:rPr lang="en-US" altLang="ko-KR" b="0">
-                <a:solidFill>
-                  <a:srgbClr val="F07178"/>
-                </a:solidFill>
-                <a:effectLst/>
-                <a:latin typeface="빙그레 메로나체" panose="020B0503000000000000" pitchFamily="50" charset="-127"/>
-                <a:ea typeface="빙그레 메로나체" panose="020B0503000000000000" pitchFamily="50" charset="-127"/>
-              </a:rPr>
-              <a:t> </a:t>
-            </a:r>
-            <a:r>
-              <a:rPr lang="en-US" altLang="ko-KR" b="0">
-                <a:solidFill>
-                  <a:srgbClr val="EEFFFF"/>
-                </a:solidFill>
-                <a:effectLst/>
-                <a:latin typeface="빙그레 메로나체" panose="020B0503000000000000" pitchFamily="50" charset="-127"/>
-                <a:ea typeface="빙그레 메로나체" panose="020B0503000000000000" pitchFamily="50" charset="-127"/>
-              </a:rPr>
-              <a:t>value</a:t>
-            </a:r>
-            <a:r>
-              <a:rPr lang="en-US" altLang="ko-KR" b="0">
-                <a:solidFill>
-                  <a:srgbClr val="F07178"/>
-                </a:solidFill>
-                <a:effectLst/>
-                <a:latin typeface="빙그레 메로나체" panose="020B0503000000000000" pitchFamily="50" charset="-127"/>
-                <a:ea typeface="빙그레 메로나체" panose="020B0503000000000000" pitchFamily="50" charset="-127"/>
-              </a:rPr>
-              <a:t> </a:t>
-            </a:r>
-            <a:r>
-              <a:rPr lang="en-US" altLang="ko-KR" b="0">
-                <a:solidFill>
-                  <a:srgbClr val="89DDFF"/>
-                </a:solidFill>
-                <a:effectLst/>
-                <a:latin typeface="빙그레 메로나체" panose="020B0503000000000000" pitchFamily="50" charset="-127"/>
-                <a:ea typeface="빙그레 메로나체" panose="020B0503000000000000" pitchFamily="50" charset="-127"/>
-              </a:rPr>
-              <a:t>},</a:t>
             </a:r>
             <a:endParaRPr lang="en-US" altLang="ko-KR" b="0">
               <a:solidFill>
@@ -35225,50 +37765,6 @@
             <a:r>
               <a:rPr lang="en-US" altLang="ko-KR" b="0">
                 <a:solidFill>
-                  <a:srgbClr val="89DDFF"/>
-                </a:solidFill>
-                <a:effectLst/>
-                <a:latin typeface="빙그레 메로나체" panose="020B0503000000000000" pitchFamily="50" charset="-127"/>
-                <a:ea typeface="빙그레 메로나체" panose="020B0503000000000000" pitchFamily="50" charset="-127"/>
-              </a:rPr>
-              <a:t>}</a:t>
-            </a:r>
-            <a:r>
-              <a:rPr lang="en-US" altLang="ko-KR" b="0">
-                <a:solidFill>
-                  <a:srgbClr val="F07178"/>
-                </a:solidFill>
-                <a:effectLst/>
-                <a:latin typeface="빙그레 메로나체" panose="020B0503000000000000" pitchFamily="50" charset="-127"/>
-                <a:ea typeface="빙그레 메로나체" panose="020B0503000000000000" pitchFamily="50" charset="-127"/>
-              </a:rPr>
-              <a:t> </a:t>
-            </a:r>
-            <a:r>
-              <a:rPr lang="en-US" altLang="ko-KR" b="0">
-                <a:solidFill>
-                  <a:srgbClr val="89DDFF"/>
-                </a:solidFill>
-                <a:effectLst/>
-                <a:latin typeface="빙그레 메로나체" panose="020B0503000000000000" pitchFamily="50" charset="-127"/>
-                <a:ea typeface="빙그레 메로나체" panose="020B0503000000000000" pitchFamily="50" charset="-127"/>
-              </a:rPr>
-              <a:t>=</a:t>
-            </a:r>
-            <a:r>
-              <a:rPr lang="en-US" altLang="ko-KR" b="0">
-                <a:solidFill>
-                  <a:srgbClr val="F07178"/>
-                </a:solidFill>
-                <a:effectLst/>
-                <a:latin typeface="빙그레 메로나체" panose="020B0503000000000000" pitchFamily="50" charset="-127"/>
-                <a:ea typeface="빙그레 메로나체" panose="020B0503000000000000" pitchFamily="50" charset="-127"/>
-              </a:rPr>
-              <a:t> </a:t>
-            </a:r>
-            <a:r>
-              <a:rPr lang="en-US" altLang="ko-KR" b="0">
-                <a:solidFill>
                   <a:srgbClr val="EEFFFF"/>
                 </a:solidFill>
                 <a:effectLst/>
@@ -35286,28 +37782,7 @@
                 <a:latin typeface="빙그레 메로나체" panose="020B0503000000000000" pitchFamily="50" charset="-127"/>
                 <a:ea typeface="빙그레 메로나체" panose="020B0503000000000000" pitchFamily="50" charset="-127"/>
               </a:rPr>
-              <a:t>;</a:t>
-            </a:r>
-            <a:br>
-              <a:rPr lang="en-US" altLang="ko-KR" b="0">
-                <a:solidFill>
-                  <a:srgbClr val="EEFFFF"/>
-                </a:solidFill>
-                <a:effectLst/>
-                <a:latin typeface="빙그레 메로나체" panose="020B0503000000000000" pitchFamily="50" charset="-127"/>
-                <a:ea typeface="빙그레 메로나체" panose="020B0503000000000000" pitchFamily="50" charset="-127"/>
-              </a:rPr>
-            </a:br>
-            <a:r>
-              <a:rPr lang="en-US" altLang="ko-KR" b="0">
-                <a:solidFill>
-                  <a:srgbClr val="F07178"/>
-                </a:solidFill>
-                <a:effectLst/>
-                <a:latin typeface="빙그레 메로나체" panose="020B0503000000000000" pitchFamily="50" charset="-127"/>
-                <a:ea typeface="빙그레 메로나체" panose="020B0503000000000000" pitchFamily="50" charset="-127"/>
-              </a:rPr>
-              <a:t>    </a:t>
+              <a:t>.</a:t>
             </a:r>
             <a:r>
               <a:rPr lang="en-US" altLang="ko-KR" b="0">
@@ -35318,40 +37793,18 @@
                 <a:latin typeface="빙그레 메로나체" panose="020B0503000000000000" pitchFamily="50" charset="-127"/>
                 <a:ea typeface="빙그레 메로나체" panose="020B0503000000000000" pitchFamily="50" charset="-127"/>
               </a:rPr>
-              <a:t>setInput</a:t>
-            </a:r>
-            <a:r>
-              <a:rPr lang="en-US" altLang="ko-KR" b="0">
-                <a:solidFill>
-                  <a:srgbClr val="F07178"/>
-                </a:solidFill>
-                <a:effectLst/>
-                <a:latin typeface="빙그레 메로나체" panose="020B0503000000000000" pitchFamily="50" charset="-127"/>
-                <a:ea typeface="빙그레 메로나체" panose="020B0503000000000000" pitchFamily="50" charset="-127"/>
-              </a:rPr>
-              <a:t>(</a:t>
-            </a:r>
-            <a:r>
-              <a:rPr lang="en-US" altLang="ko-KR" b="0">
-                <a:solidFill>
-                  <a:srgbClr val="EEFFFF"/>
-                </a:solidFill>
-                <a:effectLst/>
-                <a:latin typeface="빙그레 메로나체" panose="020B0503000000000000" pitchFamily="50" charset="-127"/>
-                <a:ea typeface="빙그레 메로나체" panose="020B0503000000000000" pitchFamily="50" charset="-127"/>
-              </a:rPr>
-              <a:t>value</a:t>
-            </a:r>
-            <a:r>
-              <a:rPr lang="en-US" altLang="ko-KR" b="0">
-                <a:solidFill>
-                  <a:srgbClr val="F07178"/>
-                </a:solidFill>
-                <a:effectLst/>
-                <a:latin typeface="빙그레 메로나체" panose="020B0503000000000000" pitchFamily="50" charset="-127"/>
-                <a:ea typeface="빙그레 메로나체" panose="020B0503000000000000" pitchFamily="50" charset="-127"/>
-              </a:rPr>
-              <a:t>)</a:t>
+              <a:t>preventDefault</a:t>
+            </a:r>
+            <a:r>
+              <a:rPr lang="en-US" altLang="ko-KR" b="0">
+                <a:solidFill>
+                  <a:srgbClr val="F07178"/>
+                </a:solidFill>
+                <a:effectLst/>
+                <a:latin typeface="빙그레 메로나체" panose="020B0503000000000000" pitchFamily="50" charset="-127"/>
+                <a:ea typeface="빙그레 메로나체" panose="020B0503000000000000" pitchFamily="50" charset="-127"/>
+              </a:rPr>
+              <a:t>()</a:t>
             </a:r>
             <a:r>
               <a:rPr lang="en-US" altLang="ko-KR" b="0">
@@ -35383,18 +37836,73 @@
                 <a:latin typeface="빙그레 메로나체" panose="020B0503000000000000" pitchFamily="50" charset="-127"/>
                 <a:ea typeface="빙그레 메로나체" panose="020B0503000000000000" pitchFamily="50" charset="-127"/>
               </a:rPr>
-              <a:t>  </a:t>
-            </a:r>
-            <a:r>
-              <a:rPr lang="en-US" altLang="ko-KR" b="0">
-                <a:solidFill>
-                  <a:srgbClr val="89DDFF"/>
-                </a:solidFill>
-                <a:effectLst/>
-                <a:latin typeface="빙그레 메로나체" panose="020B0503000000000000" pitchFamily="50" charset="-127"/>
-                <a:ea typeface="빙그레 메로나체" panose="020B0503000000000000" pitchFamily="50" charset="-127"/>
-              </a:rPr>
-              <a:t>};</a:t>
+              <a:t>    </a:t>
+            </a:r>
+            <a:r>
+              <a:rPr lang="en-US" altLang="ko-KR" b="0">
+                <a:solidFill>
+                  <a:srgbClr val="82AAFF"/>
+                </a:solidFill>
+                <a:effectLst/>
+                <a:latin typeface="빙그레 메로나체" panose="020B0503000000000000" pitchFamily="50" charset="-127"/>
+                <a:ea typeface="빙그레 메로나체" panose="020B0503000000000000" pitchFamily="50" charset="-127"/>
+              </a:rPr>
+              <a:t>setFlag</a:t>
+            </a:r>
+            <a:r>
+              <a:rPr lang="en-US" altLang="ko-KR" b="0">
+                <a:solidFill>
+                  <a:srgbClr val="F07178"/>
+                </a:solidFill>
+                <a:effectLst/>
+                <a:latin typeface="빙그레 메로나체" panose="020B0503000000000000" pitchFamily="50" charset="-127"/>
+                <a:ea typeface="빙그레 메로나체" panose="020B0503000000000000" pitchFamily="50" charset="-127"/>
+              </a:rPr>
+              <a:t>(</a:t>
+            </a:r>
+            <a:r>
+              <a:rPr lang="en-US" altLang="ko-KR" b="0">
+                <a:solidFill>
+                  <a:srgbClr val="89DDFF"/>
+                </a:solidFill>
+                <a:effectLst/>
+                <a:latin typeface="빙그레 메로나체" panose="020B0503000000000000" pitchFamily="50" charset="-127"/>
+                <a:ea typeface="빙그레 메로나체" panose="020B0503000000000000" pitchFamily="50" charset="-127"/>
+              </a:rPr>
+              <a:t>!</a:t>
+            </a:r>
+            <a:r>
+              <a:rPr lang="en-US" altLang="ko-KR" b="0">
+                <a:solidFill>
+                  <a:srgbClr val="EEFFFF"/>
+                </a:solidFill>
+                <a:effectLst/>
+                <a:latin typeface="빙그레 메로나체" panose="020B0503000000000000" pitchFamily="50" charset="-127"/>
+                <a:ea typeface="빙그레 메로나체" panose="020B0503000000000000" pitchFamily="50" charset="-127"/>
+              </a:rPr>
+              <a:t>flag</a:t>
+            </a:r>
+            <a:r>
+              <a:rPr lang="en-US" altLang="ko-KR" b="0">
+                <a:solidFill>
+                  <a:srgbClr val="F07178"/>
+                </a:solidFill>
+                <a:effectLst/>
+                <a:latin typeface="빙그레 메로나체" panose="020B0503000000000000" pitchFamily="50" charset="-127"/>
+                <a:ea typeface="빙그레 메로나체" panose="020B0503000000000000" pitchFamily="50" charset="-127"/>
+              </a:rPr>
+              <a:t>)</a:t>
+            </a:r>
+            <a:r>
+              <a:rPr lang="en-US" altLang="ko-KR" b="0">
+                <a:solidFill>
+                  <a:srgbClr val="89DDFF"/>
+                </a:solidFill>
+                <a:effectLst/>
+                <a:latin typeface="빙그레 메로나체" panose="020B0503000000000000" pitchFamily="50" charset="-127"/>
+                <a:ea typeface="빙그레 메로나체" panose="020B0503000000000000" pitchFamily="50" charset="-127"/>
+              </a:rPr>
+              <a:t>;</a:t>
             </a:r>
             <a:endParaRPr lang="en-US" altLang="ko-KR" b="0">
               <a:solidFill>
@@ -35420,211 +37928,13 @@
             <a:r>
               <a:rPr lang="en-US" altLang="ko-KR" b="0">
                 <a:solidFill>
-                  <a:srgbClr val="C792EA"/>
-                </a:solidFill>
-                <a:effectLst/>
-                <a:latin typeface="빙그레 메로나체" panose="020B0503000000000000" pitchFamily="50" charset="-127"/>
-                <a:ea typeface="빙그레 메로나체" panose="020B0503000000000000" pitchFamily="50" charset="-127"/>
-              </a:rPr>
-              <a:t>const</a:t>
-            </a:r>
-            <a:r>
-              <a:rPr lang="en-US" altLang="ko-KR" b="0">
-                <a:solidFill>
-                  <a:srgbClr val="F07178"/>
-                </a:solidFill>
-                <a:effectLst/>
-                <a:latin typeface="빙그레 메로나체" panose="020B0503000000000000" pitchFamily="50" charset="-127"/>
-                <a:ea typeface="빙그레 메로나체" panose="020B0503000000000000" pitchFamily="50" charset="-127"/>
-              </a:rPr>
-              <a:t> </a:t>
-            </a:r>
-            <a:r>
-              <a:rPr lang="en-US" altLang="ko-KR" b="0">
-                <a:solidFill>
-                  <a:srgbClr val="EEFFFF"/>
-                </a:solidFill>
-                <a:effectLst/>
-                <a:latin typeface="빙그레 메로나체" panose="020B0503000000000000" pitchFamily="50" charset="-127"/>
-                <a:ea typeface="빙그레 메로나체" panose="020B0503000000000000" pitchFamily="50" charset="-127"/>
-              </a:rPr>
-              <a:t>value</a:t>
-            </a:r>
-            <a:r>
-              <a:rPr lang="en-US" altLang="ko-KR" b="0">
-                <a:solidFill>
-                  <a:srgbClr val="F07178"/>
-                </a:solidFill>
-                <a:effectLst/>
-                <a:latin typeface="빙그레 메로나체" panose="020B0503000000000000" pitchFamily="50" charset="-127"/>
-                <a:ea typeface="빙그레 메로나체" panose="020B0503000000000000" pitchFamily="50" charset="-127"/>
-              </a:rPr>
-              <a:t> </a:t>
-            </a:r>
-            <a:r>
-              <a:rPr lang="en-US" altLang="ko-KR" b="0">
-                <a:solidFill>
-                  <a:srgbClr val="89DDFF"/>
-                </a:solidFill>
-                <a:effectLst/>
-                <a:latin typeface="빙그레 메로나체" panose="020B0503000000000000" pitchFamily="50" charset="-127"/>
-                <a:ea typeface="빙그레 메로나체" panose="020B0503000000000000" pitchFamily="50" charset="-127"/>
-              </a:rPr>
-              <a:t>=</a:t>
-            </a:r>
-            <a:r>
-              <a:rPr lang="en-US" altLang="ko-KR" b="0">
-                <a:solidFill>
-                  <a:srgbClr val="F07178"/>
-                </a:solidFill>
-                <a:effectLst/>
-                <a:latin typeface="빙그레 메로나체" panose="020B0503000000000000" pitchFamily="50" charset="-127"/>
-                <a:ea typeface="빙그레 메로나체" panose="020B0503000000000000" pitchFamily="50" charset="-127"/>
-              </a:rPr>
-              <a:t> </a:t>
-            </a:r>
-            <a:r>
-              <a:rPr lang="en-US" altLang="ko-KR" b="0">
-                <a:solidFill>
-                  <a:srgbClr val="82AAFF"/>
-                </a:solidFill>
-                <a:effectLst/>
-                <a:latin typeface="빙그레 메로나체" panose="020B0503000000000000" pitchFamily="50" charset="-127"/>
-                <a:ea typeface="빙그레 메로나체" panose="020B0503000000000000" pitchFamily="50" charset="-127"/>
-              </a:rPr>
-              <a:t>useCallback</a:t>
-            </a:r>
-            <a:r>
-              <a:rPr lang="en-US" altLang="ko-KR" b="0">
-                <a:solidFill>
-                  <a:srgbClr val="F07178"/>
-                </a:solidFill>
-                <a:effectLst/>
-                <a:latin typeface="빙그레 메로나체" panose="020B0503000000000000" pitchFamily="50" charset="-127"/>
-                <a:ea typeface="빙그레 메로나체" panose="020B0503000000000000" pitchFamily="50" charset="-127"/>
-              </a:rPr>
-              <a:t>(</a:t>
-            </a:r>
-            <a:r>
-              <a:rPr lang="en-US" altLang="ko-KR" b="0">
-                <a:solidFill>
-                  <a:srgbClr val="89DDFF"/>
-                </a:solidFill>
-                <a:effectLst/>
-                <a:latin typeface="빙그레 메로나체" panose="020B0503000000000000" pitchFamily="50" charset="-127"/>
-                <a:ea typeface="빙그레 메로나체" panose="020B0503000000000000" pitchFamily="50" charset="-127"/>
-              </a:rPr>
-              <a:t>()</a:t>
-            </a:r>
-            <a:r>
-              <a:rPr lang="en-US" altLang="ko-KR" b="0">
-                <a:solidFill>
-                  <a:srgbClr val="F07178"/>
-                </a:solidFill>
-                <a:effectLst/>
-                <a:latin typeface="빙그레 메로나체" panose="020B0503000000000000" pitchFamily="50" charset="-127"/>
-                <a:ea typeface="빙그레 메로나체" panose="020B0503000000000000" pitchFamily="50" charset="-127"/>
-              </a:rPr>
-              <a:t> </a:t>
-            </a:r>
-            <a:r>
-              <a:rPr lang="en-US" altLang="ko-KR" b="0">
-                <a:solidFill>
-                  <a:srgbClr val="C792EA"/>
-                </a:solidFill>
-                <a:effectLst/>
-                <a:latin typeface="빙그레 메로나체" panose="020B0503000000000000" pitchFamily="50" charset="-127"/>
-                <a:ea typeface="빙그레 메로나체" panose="020B0503000000000000" pitchFamily="50" charset="-127"/>
-              </a:rPr>
-              <a:t>=&gt;</a:t>
-            </a:r>
-            <a:r>
-              <a:rPr lang="en-US" altLang="ko-KR" b="0">
-                <a:solidFill>
-                  <a:srgbClr val="F07178"/>
-                </a:solidFill>
-                <a:effectLst/>
-                <a:latin typeface="빙그레 메로나체" panose="020B0503000000000000" pitchFamily="50" charset="-127"/>
-                <a:ea typeface="빙그레 메로나체" panose="020B0503000000000000" pitchFamily="50" charset="-127"/>
-              </a:rPr>
-              <a:t> </a:t>
-            </a:r>
-            <a:r>
-              <a:rPr lang="en-US" altLang="ko-KR" b="0">
-                <a:solidFill>
-                  <a:srgbClr val="82AAFF"/>
-                </a:solidFill>
-                <a:effectLst/>
-                <a:latin typeface="빙그레 메로나체" panose="020B0503000000000000" pitchFamily="50" charset="-127"/>
-                <a:ea typeface="빙그레 메로나체" panose="020B0503000000000000" pitchFamily="50" charset="-127"/>
-              </a:rPr>
-              <a:t>printInput</a:t>
-            </a:r>
-            <a:r>
-              <a:rPr lang="en-US" altLang="ko-KR" b="0">
-                <a:solidFill>
-                  <a:srgbClr val="F07178"/>
-                </a:solidFill>
-                <a:effectLst/>
-                <a:latin typeface="빙그레 메로나체" panose="020B0503000000000000" pitchFamily="50" charset="-127"/>
-                <a:ea typeface="빙그레 메로나체" panose="020B0503000000000000" pitchFamily="50" charset="-127"/>
-              </a:rPr>
-              <a:t>()</a:t>
-            </a:r>
-            <a:r>
-              <a:rPr lang="en-US" altLang="ko-KR" b="0">
-                <a:solidFill>
-                  <a:srgbClr val="89DDFF"/>
-                </a:solidFill>
-                <a:effectLst/>
-                <a:latin typeface="빙그레 메로나체" panose="020B0503000000000000" pitchFamily="50" charset="-127"/>
-                <a:ea typeface="빙그레 메로나체" panose="020B0503000000000000" pitchFamily="50" charset="-127"/>
-              </a:rPr>
-              <a:t>,</a:t>
-            </a:r>
-            <a:r>
-              <a:rPr lang="en-US" altLang="ko-KR" b="0">
-                <a:solidFill>
-                  <a:srgbClr val="F07178"/>
-                </a:solidFill>
-                <a:effectLst/>
-                <a:latin typeface="빙그레 메로나체" panose="020B0503000000000000" pitchFamily="50" charset="-127"/>
-                <a:ea typeface="빙그레 메로나체" panose="020B0503000000000000" pitchFamily="50" charset="-127"/>
-              </a:rPr>
-              <a:t> [</a:t>
-            </a:r>
-            <a:r>
-              <a:rPr lang="en-US" altLang="ko-KR" b="0">
-                <a:solidFill>
-                  <a:srgbClr val="EEFFFF"/>
-                </a:solidFill>
-                <a:effectLst/>
-                <a:latin typeface="빙그레 메로나체" panose="020B0503000000000000" pitchFamily="50" charset="-127"/>
-                <a:ea typeface="빙그레 메로나체" panose="020B0503000000000000" pitchFamily="50" charset="-127"/>
-              </a:rPr>
-              <a:t>input</a:t>
-            </a:r>
-            <a:r>
-              <a:rPr lang="en-US" altLang="ko-KR" b="0">
-                <a:solidFill>
-                  <a:srgbClr val="F07178"/>
-                </a:solidFill>
-                <a:effectLst/>
-                <a:latin typeface="빙그레 메로나체" panose="020B0503000000000000" pitchFamily="50" charset="-127"/>
-                <a:ea typeface="빙그레 메로나체" panose="020B0503000000000000" pitchFamily="50" charset="-127"/>
-              </a:rPr>
-              <a:t>])</a:t>
-            </a:r>
-            <a:r>
-              <a:rPr lang="en-US" altLang="ko-KR" b="0">
-                <a:solidFill>
-                  <a:srgbClr val="89DDFF"/>
-                </a:solidFill>
-                <a:effectLst/>
-                <a:latin typeface="빙그레 메로나체" panose="020B0503000000000000" pitchFamily="50" charset="-127"/>
-                <a:ea typeface="빙그레 메로나체" panose="020B0503000000000000" pitchFamily="50" charset="-127"/>
-              </a:rPr>
-              <a:t>;</a:t>
+                  <a:srgbClr val="89DDFF"/>
+                </a:solidFill>
+                <a:effectLst/>
+                <a:latin typeface="빙그레 메로나체" panose="020B0503000000000000" pitchFamily="50" charset="-127"/>
+                <a:ea typeface="빙그레 메로나체" panose="020B0503000000000000" pitchFamily="50" charset="-127"/>
+              </a:rPr>
+              <a:t>};</a:t>
             </a:r>
             <a:endParaRPr lang="en-US" altLang="ko-KR" b="0">
               <a:solidFill>
@@ -35645,7 +37955,106 @@
                 <a:latin typeface="빙그레 메로나체" panose="020B0503000000000000" pitchFamily="50" charset="-127"/>
                 <a:ea typeface="빙그레 메로나체" panose="020B0503000000000000" pitchFamily="50" charset="-127"/>
               </a:rPr>
-              <a:t>  ...</a:t>
+              <a:t>  </a:t>
+            </a:r>
+            <a:r>
+              <a:rPr lang="en-US" altLang="ko-KR" b="0">
+                <a:solidFill>
+                  <a:srgbClr val="82AAFF"/>
+                </a:solidFill>
+                <a:effectLst/>
+                <a:latin typeface="빙그레 메로나체" panose="020B0503000000000000" pitchFamily="50" charset="-127"/>
+                <a:ea typeface="빙그레 메로나체" panose="020B0503000000000000" pitchFamily="50" charset="-127"/>
+              </a:rPr>
+              <a:t>useEffect</a:t>
+            </a:r>
+            <a:r>
+              <a:rPr lang="en-US" altLang="ko-KR" b="0">
+                <a:solidFill>
+                  <a:srgbClr val="F07178"/>
+                </a:solidFill>
+                <a:effectLst/>
+                <a:latin typeface="빙그레 메로나체" panose="020B0503000000000000" pitchFamily="50" charset="-127"/>
+                <a:ea typeface="빙그레 메로나체" panose="020B0503000000000000" pitchFamily="50" charset="-127"/>
+              </a:rPr>
+              <a:t>(</a:t>
+            </a:r>
+            <a:r>
+              <a:rPr lang="en-US" altLang="ko-KR" b="0">
+                <a:solidFill>
+                  <a:srgbClr val="89DDFF"/>
+                </a:solidFill>
+                <a:effectLst/>
+                <a:latin typeface="빙그레 메로나체" panose="020B0503000000000000" pitchFamily="50" charset="-127"/>
+                <a:ea typeface="빙그레 메로나체" panose="020B0503000000000000" pitchFamily="50" charset="-127"/>
+              </a:rPr>
+              <a:t>()</a:t>
+            </a:r>
+            <a:r>
+              <a:rPr lang="en-US" altLang="ko-KR" b="0">
+                <a:solidFill>
+                  <a:srgbClr val="F07178"/>
+                </a:solidFill>
+                <a:effectLst/>
+                <a:latin typeface="빙그레 메로나체" panose="020B0503000000000000" pitchFamily="50" charset="-127"/>
+                <a:ea typeface="빙그레 메로나체" panose="020B0503000000000000" pitchFamily="50" charset="-127"/>
+              </a:rPr>
+              <a:t> </a:t>
+            </a:r>
+            <a:r>
+              <a:rPr lang="en-US" altLang="ko-KR" b="0">
+                <a:solidFill>
+                  <a:srgbClr val="C792EA"/>
+                </a:solidFill>
+                <a:effectLst/>
+                <a:latin typeface="빙그레 메로나체" panose="020B0503000000000000" pitchFamily="50" charset="-127"/>
+                <a:ea typeface="빙그레 메로나체" panose="020B0503000000000000" pitchFamily="50" charset="-127"/>
+              </a:rPr>
+              <a:t>=&gt;</a:t>
+            </a:r>
+            <a:r>
+              <a:rPr lang="en-US" altLang="ko-KR" b="0">
+                <a:solidFill>
+                  <a:srgbClr val="F07178"/>
+                </a:solidFill>
+                <a:effectLst/>
+                <a:latin typeface="빙그레 메로나체" panose="020B0503000000000000" pitchFamily="50" charset="-127"/>
+                <a:ea typeface="빙그레 메로나체" panose="020B0503000000000000" pitchFamily="50" charset="-127"/>
+              </a:rPr>
+              <a:t> </a:t>
+            </a:r>
+            <a:r>
+              <a:rPr lang="en-US" altLang="ko-KR" b="0">
+                <a:solidFill>
+                  <a:srgbClr val="82AAFF"/>
+                </a:solidFill>
+                <a:effectLst/>
+                <a:latin typeface="빙그레 메로나체" panose="020B0503000000000000" pitchFamily="50" charset="-127"/>
+                <a:ea typeface="빙그레 메로나체" panose="020B0503000000000000" pitchFamily="50" charset="-127"/>
+              </a:rPr>
+              <a:t>printInput</a:t>
+            </a:r>
+            <a:r>
+              <a:rPr lang="en-US" altLang="ko-KR" b="0">
+                <a:solidFill>
+                  <a:srgbClr val="F07178"/>
+                </a:solidFill>
+                <a:effectLst/>
+                <a:latin typeface="빙그레 메로나체" panose="020B0503000000000000" pitchFamily="50" charset="-127"/>
+                <a:ea typeface="빙그레 메로나체" panose="020B0503000000000000" pitchFamily="50" charset="-127"/>
+              </a:rPr>
+              <a:t>())</a:t>
+            </a:r>
+            <a:r>
+              <a:rPr lang="en-US" altLang="ko-KR" b="0">
+                <a:solidFill>
+                  <a:srgbClr val="89DDFF"/>
+                </a:solidFill>
+                <a:effectLst/>
+                <a:latin typeface="빙그레 메로나체" panose="020B0503000000000000" pitchFamily="50" charset="-127"/>
+                <a:ea typeface="빙그레 메로나체" panose="020B0503000000000000" pitchFamily="50" charset="-127"/>
+              </a:rPr>
+              <a:t>;</a:t>
             </a:r>
             <a:endParaRPr lang="en-US" altLang="ko-KR" b="0">
               <a:solidFill>
@@ -35656,42 +38065,29 @@
               <a:ea typeface="빙그레 메로나체" panose="020B0503000000000000" pitchFamily="50" charset="-127"/>
             </a:endParaRPr>
           </a:p>
+          <a:p>
+            <a:r>
+              <a:rPr lang="en-US" altLang="ko-KR" b="0">
+                <a:solidFill>
+                  <a:srgbClr val="F07178"/>
+                </a:solidFill>
+                <a:effectLst/>
+                <a:latin typeface="빙그레 메로나체" panose="020B0503000000000000" pitchFamily="50" charset="-127"/>
+                <a:ea typeface="빙그레 메로나체" panose="020B0503000000000000" pitchFamily="50" charset="-127"/>
+              </a:rPr>
+              <a:t>  ...</a:t>
+            </a:r>
+            <a:endParaRPr lang="en-US" altLang="ko-KR" b="0">
+              <a:solidFill>
+                <a:srgbClr val="EEFFFF"/>
+              </a:solidFill>
+              <a:effectLst/>
+              <a:latin typeface="빙그레 메로나체" panose="020B0503000000000000" pitchFamily="50" charset="-127"/>
+              <a:ea typeface="빙그레 메로나체" panose="020B0503000000000000" pitchFamily="50" charset="-127"/>
+            </a:endParaRPr>
+          </a:p>
         </p:txBody>
       </p:sp>
-      <p:pic>
-        <p:nvPicPr>
-          <p:cNvPr id="11" name="그림 10">
-            <a:extLst>
-              <a:ext uri="{FF2B5EF4-FFF2-40B4-BE49-F238E27FC236}">
-                <a16:creationId xmlns:a16="http://schemas.microsoft.com/office/drawing/2014/main" id="{4620F21A-06AB-497F-B317-03A42A29530F}"/>
-              </a:ext>
-            </a:extLst>
-          </p:cNvPr>
-          <p:cNvPicPr>
-            <a:picLocks noChangeAspect="1"/>
-          </p:cNvPicPr>
-          <p:nvPr/>
-        </p:nvPicPr>
-        <p:blipFill rotWithShape="1">
-          <a:blip r:embed="rId3"/>
-          <a:srcRect r="40057"/>
-          <a:stretch/>
-        </p:blipFill>
-        <p:spPr>
-          <a:xfrm>
-            <a:off x="7905705" y="2363306"/>
-            <a:ext cx="3187416" cy="3585427"/>
-          </a:xfrm>
-          <a:prstGeom prst="rect">
-            <a:avLst/>
-          </a:prstGeom>
-          <a:ln>
-            <a:solidFill>
-              <a:schemeClr val="tx1"/>
-            </a:solidFill>
-          </a:ln>
-        </p:spPr>
-      </p:pic>
       <p:sp>
         <p:nvSpPr>
           <p:cNvPr id="12" name="TextBox 11">
@@ -35706,7 +38102,7 @@
         </p:nvSpPr>
         <p:spPr>
           <a:xfrm>
-            <a:off x="8174757" y="6070988"/>
+            <a:off x="4432935" y="6118152"/>
             <a:ext cx="3326130" cy="369332"/>
           </a:xfrm>
           <a:prstGeom prst="rect">
@@ -35723,6 +38119,7 @@
           </a:bodyPr>
           <a:lstStyle/>
           <a:p>
+            <a:pPr algn="ctr"/>
             <a:r>
               <a:rPr lang="en-US" altLang="ko-KR">
                 <a:ln>
@@ -35735,15 +38132,50 @@
                 <a:latin typeface="빙그레 메로나체" panose="020B0503000000000000" pitchFamily="50" charset="-127"/>
                 <a:ea typeface="빙그레 메로나체" panose="020B0503000000000000" pitchFamily="50" charset="-127"/>
               </a:rPr>
-              <a:t>useCallback - deps - input</a:t>
+              <a:t>useCallback - deps - flag</a:t>
             </a:r>
           </a:p>
         </p:txBody>
       </p:sp>
+      <p:pic>
+        <p:nvPicPr>
+          <p:cNvPr id="11" name="그림 10">
+            <a:extLst>
+              <a:ext uri="{FF2B5EF4-FFF2-40B4-BE49-F238E27FC236}">
+                <a16:creationId xmlns:a16="http://schemas.microsoft.com/office/drawing/2014/main" id="{3F59857C-4CA5-49DF-89D0-5CD6D769BE51}"/>
+              </a:ext>
+            </a:extLst>
+          </p:cNvPr>
+          <p:cNvPicPr>
+            <a:picLocks noChangeAspect="1"/>
+          </p:cNvPicPr>
+          <p:nvPr/>
+        </p:nvPicPr>
+        <p:blipFill>
+          <a:blip r:embed="rId3"/>
+          <a:stretch>
+            <a:fillRect/>
+          </a:stretch>
+        </p:blipFill>
+        <p:spPr>
+          <a:xfrm>
+            <a:off x="6159209" y="1546304"/>
+            <a:ext cx="4935262" cy="4247316"/>
+          </a:xfrm>
+          <a:prstGeom prst="rect">
+            <a:avLst/>
+          </a:prstGeom>
+          <a:ln>
+            <a:solidFill>
+              <a:schemeClr val="tx1"/>
+            </a:solidFill>
+          </a:ln>
+        </p:spPr>
+      </p:pic>
     </p:spTree>
     <p:extLst>
       <p:ext uri="{BB962C8B-B14F-4D97-AF65-F5344CB8AC3E}">
-        <p14:creationId xmlns:p14="http://schemas.microsoft.com/office/powerpoint/2010/main" val="125865540"/>
+        <p14:creationId xmlns:p14="http://schemas.microsoft.com/office/powerpoint/2010/main" val="1748945236"/>
       </p:ext>
     </p:extLst>
   </p:cSld>
@@ -35753,7 +38185,410 @@
 </p:sld>
 </file>
 
-<file path=ppt/slides/slide26.xml><?xml version="1.0" encoding="utf-8"?>
+<file path=ppt/slides/slide27.xml><?xml version="1.0" encoding="utf-8"?>
+<p:sld xmlns:a="http://schemas.openxmlformats.org/drawingml/2006/main" xmlns:r="http://schemas.openxmlformats.org/officeDocument/2006/relationships" xmlns:p="http://schemas.openxmlformats.org/presentationml/2006/main">
+  <p:cSld>
+    <p:spTree>
+      <p:nvGrpSpPr>
+        <p:cNvPr id="1" name=""/>
+        <p:cNvGrpSpPr/>
+        <p:nvPr/>
+      </p:nvGrpSpPr>
+      <p:grpSpPr>
+        <a:xfrm>
+          <a:off x="0" y="0"/>
+          <a:ext cx="0" cy="0"/>
+          <a:chOff x="0" y="0"/>
+          <a:chExt cx="0" cy="0"/>
+        </a:xfrm>
+      </p:grpSpPr>
+      <p:grpSp>
+        <p:nvGrpSpPr>
+          <p:cNvPr id="6" name="그룹 5">
+            <a:extLst>
+              <a:ext uri="{FF2B5EF4-FFF2-40B4-BE49-F238E27FC236}">
+                <a16:creationId xmlns:a16="http://schemas.microsoft.com/office/drawing/2014/main" id="{CA7BD838-D4FB-4EA7-B68C-FA7B6D147BA2}"/>
+              </a:ext>
+            </a:extLst>
+          </p:cNvPr>
+          <p:cNvGrpSpPr/>
+          <p:nvPr/>
+        </p:nvGrpSpPr>
+        <p:grpSpPr>
+          <a:xfrm>
+            <a:off x="159192" y="182880"/>
+            <a:ext cx="1852488" cy="854227"/>
+            <a:chOff x="640080" y="-971550"/>
+            <a:chExt cx="1660746" cy="765810"/>
+          </a:xfrm>
+        </p:grpSpPr>
+        <p:sp>
+          <p:nvSpPr>
+            <p:cNvPr id="18" name="TextBox 17">
+              <a:extLst>
+                <a:ext uri="{FF2B5EF4-FFF2-40B4-BE49-F238E27FC236}">
+                  <a16:creationId xmlns:a16="http://schemas.microsoft.com/office/drawing/2014/main" id="{D7B7EE40-BAD9-4569-9BF6-F6E9ACA78A3C}"/>
+                </a:ext>
+              </a:extLst>
+            </p:cNvPr>
+            <p:cNvSpPr txBox="1"/>
+            <p:nvPr/>
+          </p:nvSpPr>
+          <p:spPr>
+            <a:xfrm>
+              <a:off x="683325" y="-770703"/>
+              <a:ext cx="1576513" cy="358697"/>
+            </a:xfrm>
+            <a:prstGeom prst="rect">
+              <a:avLst/>
+            </a:prstGeom>
+            <a:noFill/>
+          </p:spPr>
+          <p:txBody>
+            <a:bodyPr wrap="square" rtlCol="0" anchor="ctr">
+              <a:spAutoFit/>
+            </a:bodyPr>
+            <a:lstStyle/>
+            <a:p>
+              <a:pPr algn="ctr"/>
+              <a:r>
+                <a:rPr lang="en-US" altLang="ko-KR" sz="2000">
+                  <a:ln>
+                    <a:solidFill>
+                      <a:schemeClr val="tx1">
+                        <a:alpha val="30000"/>
+                      </a:schemeClr>
+                    </a:solidFill>
+                  </a:ln>
+                  <a:latin typeface="빙그레 메로나체" panose="020B0503000000000000" pitchFamily="50" charset="-127"/>
+                  <a:ea typeface="빙그레 메로나체" panose="020B0503000000000000" pitchFamily="50" charset="-127"/>
+                </a:rPr>
+                <a:t>React</a:t>
+              </a:r>
+            </a:p>
+          </p:txBody>
+        </p:sp>
+        <p:sp>
+          <p:nvSpPr>
+            <p:cNvPr id="5" name="직사각형 4">
+              <a:extLst>
+                <a:ext uri="{FF2B5EF4-FFF2-40B4-BE49-F238E27FC236}">
+                  <a16:creationId xmlns:a16="http://schemas.microsoft.com/office/drawing/2014/main" id="{AB4C8245-D0E4-4D79-B3E9-2FB89CE6FE84}"/>
+                </a:ext>
+              </a:extLst>
+            </p:cNvPr>
+            <p:cNvSpPr/>
+            <p:nvPr/>
+          </p:nvSpPr>
+          <p:spPr>
+            <a:xfrm>
+              <a:off x="640080" y="-971550"/>
+              <a:ext cx="1660746" cy="765810"/>
+            </a:xfrm>
+            <a:prstGeom prst="rect">
+              <a:avLst/>
+            </a:prstGeom>
+            <a:noFill/>
+            <a:ln w="25400">
+              <a:solidFill>
+                <a:schemeClr val="tx1"/>
+              </a:solidFill>
+            </a:ln>
+          </p:spPr>
+          <p:style>
+            <a:lnRef idx="2">
+              <a:schemeClr val="accent1">
+                <a:shade val="50000"/>
+              </a:schemeClr>
+            </a:lnRef>
+            <a:fillRef idx="1">
+              <a:schemeClr val="accent1"/>
+            </a:fillRef>
+            <a:effectRef idx="0">
+              <a:schemeClr val="accent1"/>
+            </a:effectRef>
+            <a:fontRef idx="minor">
+              <a:schemeClr val="lt1"/>
+            </a:fontRef>
+          </p:style>
+          <p:txBody>
+            <a:bodyPr rtlCol="0" anchor="ctr"/>
+            <a:lstStyle/>
+            <a:p>
+              <a:pPr algn="ctr"/>
+              <a:endParaRPr lang="ko-KR" altLang="en-US">
+                <a:latin typeface="빙그레 메로나체" panose="020B0503000000000000" pitchFamily="50" charset="-127"/>
+                <a:ea typeface="빙그레 메로나체" panose="020B0503000000000000" pitchFamily="50" charset="-127"/>
+              </a:endParaRPr>
+            </a:p>
+          </p:txBody>
+        </p:sp>
+      </p:grpSp>
+      <p:sp>
+        <p:nvSpPr>
+          <p:cNvPr id="30" name="TextBox 29">
+            <a:extLst>
+              <a:ext uri="{FF2B5EF4-FFF2-40B4-BE49-F238E27FC236}">
+                <a16:creationId xmlns:a16="http://schemas.microsoft.com/office/drawing/2014/main" id="{706566D1-60CB-4C10-9859-0656D082B2B7}"/>
+              </a:ext>
+            </a:extLst>
+          </p:cNvPr>
+          <p:cNvSpPr txBox="1"/>
+          <p:nvPr/>
+        </p:nvSpPr>
+        <p:spPr>
+          <a:xfrm>
+            <a:off x="2388870" y="422305"/>
+            <a:ext cx="3326130" cy="369332"/>
+          </a:xfrm>
+          <a:prstGeom prst="rect">
+            <a:avLst/>
+          </a:prstGeom>
+          <a:noFill/>
+          <a:ln>
+            <a:noFill/>
+          </a:ln>
+        </p:spPr>
+        <p:txBody>
+          <a:bodyPr wrap="square" rtlCol="0">
+            <a:spAutoFit/>
+          </a:bodyPr>
+          <a:lstStyle/>
+          <a:p>
+            <a:r>
+              <a:rPr lang="en-US" altLang="ko-KR">
+                <a:ln>
+                  <a:solidFill>
+                    <a:schemeClr val="tx1">
+                      <a:alpha val="30000"/>
+                    </a:schemeClr>
+                  </a:solidFill>
+                </a:ln>
+                <a:latin typeface="빙그레 메로나체" panose="020B0503000000000000" pitchFamily="50" charset="-127"/>
+                <a:ea typeface="빙그레 메로나체" panose="020B0503000000000000" pitchFamily="50" charset="-127"/>
+              </a:rPr>
+              <a:t>Hooks - useCallback</a:t>
+            </a:r>
+          </a:p>
+        </p:txBody>
+      </p:sp>
+      <p:sp>
+        <p:nvSpPr>
+          <p:cNvPr id="10" name="슬라이드 번호 개체 틀 9">
+            <a:extLst>
+              <a:ext uri="{FF2B5EF4-FFF2-40B4-BE49-F238E27FC236}">
+                <a16:creationId xmlns:a16="http://schemas.microsoft.com/office/drawing/2014/main" id="{6F1C1DC9-3B79-47A0-95A5-B5A14A6B4906}"/>
+              </a:ext>
+            </a:extLst>
+          </p:cNvPr>
+          <p:cNvSpPr>
+            <a:spLocks noGrp="1"/>
+          </p:cNvSpPr>
+          <p:nvPr>
+            <p:ph type="sldNum" sz="quarter" idx="12"/>
+          </p:nvPr>
+        </p:nvSpPr>
+        <p:spPr/>
+        <p:txBody>
+          <a:bodyPr/>
+          <a:lstStyle/>
+          <a:p>
+            <a:pPr algn="ctr"/>
+            <a:fld id="{4AE1E1EF-90A0-4171-8CF9-B3BC5042A8FC}" type="slidenum">
+              <a:rPr lang="ko-KR" altLang="en-US" smtClean="0"/>
+              <a:pPr algn="ctr"/>
+              <a:t>27</a:t>
+            </a:fld>
+            <a:endParaRPr lang="ko-KR" altLang="en-US"/>
+          </a:p>
+        </p:txBody>
+      </p:sp>
+      <p:sp>
+        <p:nvSpPr>
+          <p:cNvPr id="12" name="TextBox 11">
+            <a:extLst>
+              <a:ext uri="{FF2B5EF4-FFF2-40B4-BE49-F238E27FC236}">
+                <a16:creationId xmlns:a16="http://schemas.microsoft.com/office/drawing/2014/main" id="{9874584C-1182-4D06-A5AE-C9C79BE4465F}"/>
+              </a:ext>
+            </a:extLst>
+          </p:cNvPr>
+          <p:cNvSpPr txBox="1"/>
+          <p:nvPr/>
+        </p:nvSpPr>
+        <p:spPr>
+          <a:xfrm>
+            <a:off x="2558601" y="1442026"/>
+            <a:ext cx="1433850" cy="369332"/>
+          </a:xfrm>
+          <a:prstGeom prst="rect">
+            <a:avLst/>
+          </a:prstGeom>
+          <a:solidFill>
+            <a:srgbClr val="E3E1E3"/>
+          </a:solidFill>
+          <a:ln>
+            <a:noFill/>
+          </a:ln>
+        </p:spPr>
+        <p:txBody>
+          <a:bodyPr wrap="square" rtlCol="0">
+            <a:spAutoFit/>
+          </a:bodyPr>
+          <a:lstStyle/>
+          <a:p>
+            <a:pPr algn="ctr"/>
+            <a:r>
+              <a:rPr lang="en-US" altLang="ko-KR">
+                <a:ln>
+                  <a:solidFill>
+                    <a:schemeClr val="tx1">
+                      <a:alpha val="30000"/>
+                    </a:schemeClr>
+                  </a:solidFill>
+                </a:ln>
+                <a:latin typeface="빙그레 메로나체" panose="020B0503000000000000" pitchFamily="50" charset="-127"/>
+                <a:ea typeface="빙그레 메로나체" panose="020B0503000000000000" pitchFamily="50" charset="-127"/>
+              </a:rPr>
+              <a:t>useMemo</a:t>
+            </a:r>
+          </a:p>
+        </p:txBody>
+      </p:sp>
+      <p:pic>
+        <p:nvPicPr>
+          <p:cNvPr id="3" name="그림 2">
+            <a:extLst>
+              <a:ext uri="{FF2B5EF4-FFF2-40B4-BE49-F238E27FC236}">
+                <a16:creationId xmlns:a16="http://schemas.microsoft.com/office/drawing/2014/main" id="{C5AC33FB-5F77-4F6F-A621-D4AFE247AE10}"/>
+              </a:ext>
+            </a:extLst>
+          </p:cNvPr>
+          <p:cNvPicPr>
+            <a:picLocks noChangeAspect="1"/>
+          </p:cNvPicPr>
+          <p:nvPr/>
+        </p:nvPicPr>
+        <p:blipFill>
+          <a:blip r:embed="rId3"/>
+          <a:stretch>
+            <a:fillRect/>
+          </a:stretch>
+        </p:blipFill>
+        <p:spPr>
+          <a:xfrm>
+            <a:off x="927286" y="1955441"/>
+            <a:ext cx="4696480" cy="3848637"/>
+          </a:xfrm>
+          <a:prstGeom prst="rect">
+            <a:avLst/>
+          </a:prstGeom>
+          <a:ln>
+            <a:solidFill>
+              <a:schemeClr val="tx1"/>
+            </a:solidFill>
+          </a:ln>
+        </p:spPr>
+      </p:pic>
+      <p:pic>
+        <p:nvPicPr>
+          <p:cNvPr id="7" name="그림 6">
+            <a:extLst>
+              <a:ext uri="{FF2B5EF4-FFF2-40B4-BE49-F238E27FC236}">
+                <a16:creationId xmlns:a16="http://schemas.microsoft.com/office/drawing/2014/main" id="{0E7CCFB2-0B85-4D97-BEB7-F6204905417E}"/>
+              </a:ext>
+            </a:extLst>
+          </p:cNvPr>
+          <p:cNvPicPr>
+            <a:picLocks noChangeAspect="1"/>
+          </p:cNvPicPr>
+          <p:nvPr/>
+        </p:nvPicPr>
+        <p:blipFill>
+          <a:blip r:embed="rId4"/>
+          <a:stretch>
+            <a:fillRect/>
+          </a:stretch>
+        </p:blipFill>
+        <p:spPr>
+          <a:xfrm>
+            <a:off x="6287247" y="1955441"/>
+            <a:ext cx="4514748" cy="3848637"/>
+          </a:xfrm>
+          <a:prstGeom prst="rect">
+            <a:avLst/>
+          </a:prstGeom>
+          <a:ln>
+            <a:solidFill>
+              <a:schemeClr val="tx1"/>
+            </a:solidFill>
+          </a:ln>
+        </p:spPr>
+      </p:pic>
+      <p:sp>
+        <p:nvSpPr>
+          <p:cNvPr id="14" name="TextBox 13">
+            <a:extLst>
+              <a:ext uri="{FF2B5EF4-FFF2-40B4-BE49-F238E27FC236}">
+                <a16:creationId xmlns:a16="http://schemas.microsoft.com/office/drawing/2014/main" id="{BA914C30-A28B-408D-BB33-BA899E1EFE6B}"/>
+              </a:ext>
+            </a:extLst>
+          </p:cNvPr>
+          <p:cNvSpPr txBox="1"/>
+          <p:nvPr/>
+        </p:nvSpPr>
+        <p:spPr>
+          <a:xfrm>
+            <a:off x="7827696" y="1442026"/>
+            <a:ext cx="1433850" cy="369332"/>
+          </a:xfrm>
+          <a:prstGeom prst="rect">
+            <a:avLst/>
+          </a:prstGeom>
+          <a:solidFill>
+            <a:srgbClr val="E3E1E3"/>
+          </a:solidFill>
+          <a:ln>
+            <a:noFill/>
+          </a:ln>
+        </p:spPr>
+        <p:txBody>
+          <a:bodyPr wrap="square" rtlCol="0">
+            <a:spAutoFit/>
+          </a:bodyPr>
+          <a:lstStyle/>
+          <a:p>
+            <a:pPr algn="ctr"/>
+            <a:r>
+              <a:rPr lang="en-US" altLang="ko-KR">
+                <a:ln>
+                  <a:solidFill>
+                    <a:schemeClr val="tx1">
+                      <a:alpha val="30000"/>
+                    </a:schemeClr>
+                  </a:solidFill>
+                </a:ln>
+                <a:latin typeface="빙그레 메로나체" panose="020B0503000000000000" pitchFamily="50" charset="-127"/>
+                <a:ea typeface="빙그레 메로나체" panose="020B0503000000000000" pitchFamily="50" charset="-127"/>
+              </a:rPr>
+              <a:t>useCallback</a:t>
+            </a:r>
+          </a:p>
+        </p:txBody>
+      </p:sp>
+    </p:spTree>
+    <p:extLst>
+      <p:ext uri="{BB962C8B-B14F-4D97-AF65-F5344CB8AC3E}">
+        <p14:creationId xmlns:p14="http://schemas.microsoft.com/office/powerpoint/2010/main" val="195673281"/>
+      </p:ext>
+    </p:extLst>
+  </p:cSld>
+  <p:clrMapOvr>
+    <a:masterClrMapping/>
+  </p:clrMapOvr>
+</p:sld>
+</file>
+
+<file path=ppt/slides/slide28.xml><?xml version="1.0" encoding="utf-8"?>
 <p:sld xmlns:a="http://schemas.openxmlformats.org/drawingml/2006/main" xmlns:r="http://schemas.openxmlformats.org/officeDocument/2006/relationships" xmlns:p="http://schemas.openxmlformats.org/presentationml/2006/main">
   <p:cSld>
     <p:spTree>
